--- a/2018/15_06_18 Git best practices/slides.pptx
+++ b/2018/15_06_18 Git best practices/slides.pptx
@@ -5,7 +5,7 @@
     <p:sldMasterId id="2147483648" r:id="rId1"/>
   </p:sldMasterIdLst>
   <p:notesMasterIdLst>
-    <p:notesMasterId r:id="rId35"/>
+    <p:notesMasterId r:id="rId39"/>
   </p:notesMasterIdLst>
   <p:sldIdLst>
     <p:sldId id="256" r:id="rId2"/>
@@ -22,25 +22,29 @@
     <p:sldId id="280" r:id="rId13"/>
     <p:sldId id="279" r:id="rId14"/>
     <p:sldId id="281" r:id="rId15"/>
-    <p:sldId id="268" r:id="rId16"/>
-    <p:sldId id="282" r:id="rId17"/>
-    <p:sldId id="285" r:id="rId18"/>
-    <p:sldId id="286" r:id="rId19"/>
-    <p:sldId id="287" r:id="rId20"/>
-    <p:sldId id="289" r:id="rId21"/>
-    <p:sldId id="288" r:id="rId22"/>
-    <p:sldId id="290" r:id="rId23"/>
-    <p:sldId id="264" r:id="rId24"/>
-    <p:sldId id="292" r:id="rId25"/>
-    <p:sldId id="270" r:id="rId26"/>
-    <p:sldId id="271" r:id="rId27"/>
-    <p:sldId id="273" r:id="rId28"/>
-    <p:sldId id="274" r:id="rId29"/>
-    <p:sldId id="275" r:id="rId30"/>
-    <p:sldId id="261" r:id="rId31"/>
-    <p:sldId id="260" r:id="rId32"/>
-    <p:sldId id="291" r:id="rId33"/>
-    <p:sldId id="262" r:id="rId34"/>
+    <p:sldId id="295" r:id="rId16"/>
+    <p:sldId id="268" r:id="rId17"/>
+    <p:sldId id="282" r:id="rId18"/>
+    <p:sldId id="285" r:id="rId19"/>
+    <p:sldId id="286" r:id="rId20"/>
+    <p:sldId id="287" r:id="rId21"/>
+    <p:sldId id="289" r:id="rId22"/>
+    <p:sldId id="288" r:id="rId23"/>
+    <p:sldId id="290" r:id="rId24"/>
+    <p:sldId id="296" r:id="rId25"/>
+    <p:sldId id="298" r:id="rId26"/>
+    <p:sldId id="297" r:id="rId27"/>
+    <p:sldId id="264" r:id="rId28"/>
+    <p:sldId id="292" r:id="rId29"/>
+    <p:sldId id="270" r:id="rId30"/>
+    <p:sldId id="271" r:id="rId31"/>
+    <p:sldId id="273" r:id="rId32"/>
+    <p:sldId id="274" r:id="rId33"/>
+    <p:sldId id="275" r:id="rId34"/>
+    <p:sldId id="261" r:id="rId35"/>
+    <p:sldId id="260" r:id="rId36"/>
+    <p:sldId id="291" r:id="rId37"/>
+    <p:sldId id="262" r:id="rId38"/>
   </p:sldIdLst>
   <p:sldSz cx="12192000" cy="6858000"/>
   <p:notesSz cx="6858000" cy="9144000"/>
@@ -229,7 +233,7 @@
           <a:p>
             <a:fld id="{5E99BF1A-6F96-4E0D-8C1A-B0A54A318700}" type="datetimeFigureOut">
               <a:rPr lang="es-MX" smtClean="0"/>
-              <a:t>12/06/2018</a:t>
+              <a:t>15/06/2018</a:t>
             </a:fld>
             <a:endParaRPr lang="es-MX"/>
           </a:p>
@@ -542,16 +546,80 @@
           <a:lstStyle/>
           <a:p>
             <a:r>
-              <a:rPr lang="en-US" sz="1200" b="0" i="0" kern="1200" dirty="0">
-                <a:solidFill>
-                  <a:schemeClr val="tx1"/>
-                </a:solidFill>
-                <a:effectLst/>
-                <a:latin typeface="+mn-lt"/>
-                <a:ea typeface="+mn-ea"/>
-                <a:cs typeface="+mn-cs"/>
-              </a:rPr>
-              <a:t>Makes it easy for multiple developers to work on a particular feature without disturbing the main codebase.</a:t>
+              <a:rPr lang="en-US" dirty="0" err="1"/>
+              <a:t>Explicar</a:t>
+            </a:r>
+            <a:r>
+              <a:rPr lang="en-US" dirty="0"/>
+              <a:t> </a:t>
+            </a:r>
+            <a:r>
+              <a:rPr lang="en-US" dirty="0" err="1"/>
+              <a:t>como</a:t>
+            </a:r>
+            <a:r>
+              <a:rPr lang="en-US" dirty="0"/>
+              <a:t> es que se van a </a:t>
+            </a:r>
+            <a:r>
+              <a:rPr lang="en-US" dirty="0" err="1"/>
+              <a:t>ver</a:t>
+            </a:r>
+            <a:r>
+              <a:rPr lang="en-US" dirty="0"/>
+              <a:t> las </a:t>
+            </a:r>
+            <a:r>
+              <a:rPr lang="en-US" dirty="0" err="1"/>
+              <a:t>diapositivas</a:t>
+            </a:r>
+            <a:endParaRPr lang="en-US" dirty="0"/>
+          </a:p>
+          <a:p>
+            <a:r>
+              <a:rPr lang="en-US" dirty="0" err="1"/>
+              <a:t>Explicar</a:t>
+            </a:r>
+            <a:r>
+              <a:rPr lang="en-US" dirty="0"/>
+              <a:t> </a:t>
+            </a:r>
+            <a:r>
+              <a:rPr lang="en-US" dirty="0" err="1"/>
+              <a:t>dinámica</a:t>
+            </a:r>
+            <a:r>
+              <a:rPr lang="en-US" dirty="0"/>
+              <a:t>:</a:t>
+            </a:r>
+            <a:br>
+              <a:rPr lang="en-US" dirty="0"/>
+            </a:br>
+            <a:r>
+              <a:rPr lang="en-US" dirty="0"/>
+              <a:t>	</a:t>
+            </a:r>
+            <a:r>
+              <a:rPr lang="en-US" dirty="0" err="1"/>
+              <a:t>Pregutas</a:t>
+            </a:r>
+            <a:r>
+              <a:rPr lang="en-US" dirty="0"/>
+              <a:t> </a:t>
+            </a:r>
+            <a:r>
+              <a:rPr lang="en-US" dirty="0" err="1"/>
+              <a:t>ganan</a:t>
+            </a:r>
+            <a:r>
+              <a:rPr lang="en-US" dirty="0"/>
+              <a:t> stickers</a:t>
+            </a:r>
+          </a:p>
+          <a:p>
+            <a:r>
+              <a:rPr lang="en-US" dirty="0"/>
+              <a:t>	</a:t>
             </a:r>
             <a:endParaRPr lang="es-MX" dirty="0"/>
           </a:p>
@@ -574,7 +642,7 @@
           <a:p>
             <a:fld id="{07B9D818-EF03-48B1-ABF9-4F4AD3CC8D49}" type="slidenum">
               <a:rPr lang="es-MX" smtClean="0"/>
-              <a:t>8</a:t>
+              <a:t>3</a:t>
             </a:fld>
             <a:endParaRPr lang="es-MX"/>
           </a:p>
@@ -583,7 +651,91 @@
     </p:spTree>
     <p:extLst>
       <p:ext uri="{BB962C8B-B14F-4D97-AF65-F5344CB8AC3E}">
-        <p14:creationId xmlns:p14="http://schemas.microsoft.com/office/powerpoint/2010/main" val="2896098845"/>
+        <p14:creationId xmlns:p14="http://schemas.microsoft.com/office/powerpoint/2010/main" val="3266591978"/>
+      </p:ext>
+    </p:extLst>
+  </p:cSld>
+  <p:clrMapOvr>
+    <a:masterClrMapping/>
+  </p:clrMapOvr>
+</p:notes>
+</file>
+
+<file path=ppt/notesSlides/notesSlide10.xml><?xml version="1.0" encoding="utf-8"?>
+<p:notes xmlns:a="http://schemas.openxmlformats.org/drawingml/2006/main" xmlns:r="http://schemas.openxmlformats.org/officeDocument/2006/relationships" xmlns:p="http://schemas.openxmlformats.org/presentationml/2006/main">
+  <p:cSld>
+    <p:spTree>
+      <p:nvGrpSpPr>
+        <p:cNvPr id="1" name=""/>
+        <p:cNvGrpSpPr/>
+        <p:nvPr/>
+      </p:nvGrpSpPr>
+      <p:grpSpPr>
+        <a:xfrm>
+          <a:off x="0" y="0"/>
+          <a:ext cx="0" cy="0"/>
+          <a:chOff x="0" y="0"/>
+          <a:chExt cx="0" cy="0"/>
+        </a:xfrm>
+      </p:grpSpPr>
+      <p:sp>
+        <p:nvSpPr>
+          <p:cNvPr id="2" name="Marcador de imagen de diapositiva 1"/>
+          <p:cNvSpPr>
+            <a:spLocks noGrp="1" noRot="1" noChangeAspect="1"/>
+          </p:cNvSpPr>
+          <p:nvPr>
+            <p:ph type="sldImg"/>
+          </p:nvPr>
+        </p:nvSpPr>
+        <p:spPr/>
+      </p:sp>
+      <p:sp>
+        <p:nvSpPr>
+          <p:cNvPr id="3" name="Marcador de notas 2"/>
+          <p:cNvSpPr>
+            <a:spLocks noGrp="1"/>
+          </p:cNvSpPr>
+          <p:nvPr>
+            <p:ph type="body" idx="1"/>
+          </p:nvPr>
+        </p:nvSpPr>
+        <p:spPr/>
+        <p:txBody>
+          <a:bodyPr/>
+          <a:lstStyle/>
+          <a:p>
+            <a:endParaRPr lang="es-MX" dirty="0"/>
+          </a:p>
+        </p:txBody>
+      </p:sp>
+      <p:sp>
+        <p:nvSpPr>
+          <p:cNvPr id="4" name="Marcador de número de diapositiva 3"/>
+          <p:cNvSpPr>
+            <a:spLocks noGrp="1"/>
+          </p:cNvSpPr>
+          <p:nvPr>
+            <p:ph type="sldNum" sz="quarter" idx="10"/>
+          </p:nvPr>
+        </p:nvSpPr>
+        <p:spPr/>
+        <p:txBody>
+          <a:bodyPr/>
+          <a:lstStyle/>
+          <a:p>
+            <a:fld id="{07B9D818-EF03-48B1-ABF9-4F4AD3CC8D49}" type="slidenum">
+              <a:rPr lang="es-MX" smtClean="0"/>
+              <a:t>18</a:t>
+            </a:fld>
+            <a:endParaRPr lang="es-MX"/>
+          </a:p>
+        </p:txBody>
+      </p:sp>
+    </p:spTree>
+    <p:extLst>
+      <p:ext uri="{BB962C8B-B14F-4D97-AF65-F5344CB8AC3E}">
+        <p14:creationId xmlns:p14="http://schemas.microsoft.com/office/powerpoint/2010/main" val="623109312"/>
       </p:ext>
     </p:extLst>
   </p:cSld>
@@ -670,6 +822,90 @@
           <a:p>
             <a:fld id="{07B9D818-EF03-48B1-ABF9-4F4AD3CC8D49}" type="slidenum">
               <a:rPr lang="es-MX" smtClean="0"/>
+              <a:t>8</a:t>
+            </a:fld>
+            <a:endParaRPr lang="es-MX"/>
+          </a:p>
+        </p:txBody>
+      </p:sp>
+    </p:spTree>
+    <p:extLst>
+      <p:ext uri="{BB962C8B-B14F-4D97-AF65-F5344CB8AC3E}">
+        <p14:creationId xmlns:p14="http://schemas.microsoft.com/office/powerpoint/2010/main" val="2896098845"/>
+      </p:ext>
+    </p:extLst>
+  </p:cSld>
+  <p:clrMapOvr>
+    <a:masterClrMapping/>
+  </p:clrMapOvr>
+</p:notes>
+</file>
+
+<file path=ppt/notesSlides/notesSlide3.xml><?xml version="1.0" encoding="utf-8"?>
+<p:notes xmlns:a="http://schemas.openxmlformats.org/drawingml/2006/main" xmlns:r="http://schemas.openxmlformats.org/officeDocument/2006/relationships" xmlns:p="http://schemas.openxmlformats.org/presentationml/2006/main">
+  <p:cSld>
+    <p:spTree>
+      <p:nvGrpSpPr>
+        <p:cNvPr id="1" name=""/>
+        <p:cNvGrpSpPr/>
+        <p:nvPr/>
+      </p:nvGrpSpPr>
+      <p:grpSpPr>
+        <a:xfrm>
+          <a:off x="0" y="0"/>
+          <a:ext cx="0" cy="0"/>
+          <a:chOff x="0" y="0"/>
+          <a:chExt cx="0" cy="0"/>
+        </a:xfrm>
+      </p:grpSpPr>
+      <p:sp>
+        <p:nvSpPr>
+          <p:cNvPr id="2" name="Marcador de imagen de diapositiva 1"/>
+          <p:cNvSpPr>
+            <a:spLocks noGrp="1" noRot="1" noChangeAspect="1"/>
+          </p:cNvSpPr>
+          <p:nvPr>
+            <p:ph type="sldImg"/>
+          </p:nvPr>
+        </p:nvSpPr>
+        <p:spPr/>
+      </p:sp>
+      <p:sp>
+        <p:nvSpPr>
+          <p:cNvPr id="3" name="Marcador de notas 2"/>
+          <p:cNvSpPr>
+            <a:spLocks noGrp="1"/>
+          </p:cNvSpPr>
+          <p:nvPr>
+            <p:ph type="body" idx="1"/>
+          </p:nvPr>
+        </p:nvSpPr>
+        <p:spPr/>
+        <p:txBody>
+          <a:bodyPr/>
+          <a:lstStyle/>
+          <a:p>
+            <a:endParaRPr lang="es-MX" dirty="0"/>
+          </a:p>
+        </p:txBody>
+      </p:sp>
+      <p:sp>
+        <p:nvSpPr>
+          <p:cNvPr id="4" name="Marcador de número de diapositiva 3"/>
+          <p:cNvSpPr>
+            <a:spLocks noGrp="1"/>
+          </p:cNvSpPr>
+          <p:nvPr>
+            <p:ph type="sldNum" sz="quarter" idx="10"/>
+          </p:nvPr>
+        </p:nvSpPr>
+        <p:spPr/>
+        <p:txBody>
+          <a:bodyPr/>
+          <a:lstStyle/>
+          <a:p>
+            <a:fld id="{07B9D818-EF03-48B1-ABF9-4F4AD3CC8D49}" type="slidenum">
+              <a:rPr lang="es-MX" smtClean="0"/>
               <a:t>9</a:t>
             </a:fld>
             <a:endParaRPr lang="es-MX"/>
@@ -689,7 +925,7 @@
 </p:notes>
 </file>
 
-<file path=ppt/notesSlides/notesSlide3.xml><?xml version="1.0" encoding="utf-8"?>
+<file path=ppt/notesSlides/notesSlide4.xml><?xml version="1.0" encoding="utf-8"?>
 <p:notes xmlns:a="http://schemas.openxmlformats.org/drawingml/2006/main" xmlns:r="http://schemas.openxmlformats.org/officeDocument/2006/relationships" xmlns:p="http://schemas.openxmlformats.org/presentationml/2006/main">
   <p:cSld>
     <p:spTree>
@@ -785,7 +1021,7 @@
 </p:notes>
 </file>
 
-<file path=ppt/notesSlides/notesSlide4.xml><?xml version="1.0" encoding="utf-8"?>
+<file path=ppt/notesSlides/notesSlide5.xml><?xml version="1.0" encoding="utf-8"?>
 <p:notes xmlns:a="http://schemas.openxmlformats.org/drawingml/2006/main" xmlns:r="http://schemas.openxmlformats.org/officeDocument/2006/relationships" xmlns:p="http://schemas.openxmlformats.org/presentationml/2006/main">
   <p:cSld>
     <p:spTree>
@@ -869,7 +1105,7 @@
 </p:notes>
 </file>
 
-<file path=ppt/notesSlides/notesSlide5.xml><?xml version="1.0" encoding="utf-8"?>
+<file path=ppt/notesSlides/notesSlide6.xml><?xml version="1.0" encoding="utf-8"?>
 <p:notes xmlns:a="http://schemas.openxmlformats.org/drawingml/2006/main" xmlns:r="http://schemas.openxmlformats.org/officeDocument/2006/relationships" xmlns:p="http://schemas.openxmlformats.org/presentationml/2006/main">
   <p:cSld>
     <p:spTree>
@@ -965,7 +1201,7 @@
 </p:notes>
 </file>
 
-<file path=ppt/notesSlides/notesSlide6.xml><?xml version="1.0" encoding="utf-8"?>
+<file path=ppt/notesSlides/notesSlide7.xml><?xml version="1.0" encoding="utf-8"?>
 <p:notes xmlns:a="http://schemas.openxmlformats.org/drawingml/2006/main" xmlns:r="http://schemas.openxmlformats.org/officeDocument/2006/relationships" xmlns:p="http://schemas.openxmlformats.org/presentationml/2006/main">
   <p:cSld>
     <p:spTree>
@@ -1049,7 +1285,7 @@
 </p:notes>
 </file>
 
-<file path=ppt/notesSlides/notesSlide7.xml><?xml version="1.0" encoding="utf-8"?>
+<file path=ppt/notesSlides/notesSlide8.xml><?xml version="1.0" encoding="utf-8"?>
 <p:notes xmlns:a="http://schemas.openxmlformats.org/drawingml/2006/main" xmlns:r="http://schemas.openxmlformats.org/officeDocument/2006/relationships" xmlns:p="http://schemas.openxmlformats.org/presentationml/2006/main">
   <p:cSld>
     <p:spTree>
@@ -1133,7 +1369,7 @@
 </p:notes>
 </file>
 
-<file path=ppt/notesSlides/notesSlide8.xml><?xml version="1.0" encoding="utf-8"?>
+<file path=ppt/notesSlides/notesSlide9.xml><?xml version="1.0" encoding="utf-8"?>
 <p:notes xmlns:a="http://schemas.openxmlformats.org/drawingml/2006/main" xmlns:r="http://schemas.openxmlformats.org/officeDocument/2006/relationships" xmlns:p="http://schemas.openxmlformats.org/presentationml/2006/main">
   <p:cSld>
     <p:spTree>
@@ -1198,7 +1434,7 @@
           <a:p>
             <a:fld id="{07B9D818-EF03-48B1-ABF9-4F4AD3CC8D49}" type="slidenum">
               <a:rPr lang="es-MX" smtClean="0"/>
-              <a:t>17</a:t>
+              <a:t>15</a:t>
             </a:fld>
             <a:endParaRPr lang="es-MX"/>
           </a:p>
@@ -1207,7 +1443,7 @@
     </p:spTree>
     <p:extLst>
       <p:ext uri="{BB962C8B-B14F-4D97-AF65-F5344CB8AC3E}">
-        <p14:creationId xmlns:p14="http://schemas.microsoft.com/office/powerpoint/2010/main" val="623109312"/>
+        <p14:creationId xmlns:p14="http://schemas.microsoft.com/office/powerpoint/2010/main" val="484882344"/>
       </p:ext>
     </p:extLst>
   </p:cSld>
@@ -1366,7 +1602,7 @@
           <a:p>
             <a:fld id="{B4B72DB4-7192-4759-9D2D-F0C546054E0D}" type="datetimeFigureOut">
               <a:rPr lang="es-MX" smtClean="0"/>
-              <a:t>12/06/2018</a:t>
+              <a:t>15/06/2018</a:t>
             </a:fld>
             <a:endParaRPr lang="es-MX"/>
           </a:p>
@@ -1566,7 +1802,7 @@
           <a:p>
             <a:fld id="{B4B72DB4-7192-4759-9D2D-F0C546054E0D}" type="datetimeFigureOut">
               <a:rPr lang="es-MX" smtClean="0"/>
-              <a:t>12/06/2018</a:t>
+              <a:t>15/06/2018</a:t>
             </a:fld>
             <a:endParaRPr lang="es-MX"/>
           </a:p>
@@ -1776,7 +2012,7 @@
           <a:p>
             <a:fld id="{B4B72DB4-7192-4759-9D2D-F0C546054E0D}" type="datetimeFigureOut">
               <a:rPr lang="es-MX" smtClean="0"/>
-              <a:t>12/06/2018</a:t>
+              <a:t>15/06/2018</a:t>
             </a:fld>
             <a:endParaRPr lang="es-MX"/>
           </a:p>
@@ -1976,7 +2212,7 @@
           <a:p>
             <a:fld id="{B4B72DB4-7192-4759-9D2D-F0C546054E0D}" type="datetimeFigureOut">
               <a:rPr lang="es-MX" smtClean="0"/>
-              <a:t>12/06/2018</a:t>
+              <a:t>15/06/2018</a:t>
             </a:fld>
             <a:endParaRPr lang="es-MX"/>
           </a:p>
@@ -2252,7 +2488,7 @@
           <a:p>
             <a:fld id="{B4B72DB4-7192-4759-9D2D-F0C546054E0D}" type="datetimeFigureOut">
               <a:rPr lang="es-MX" smtClean="0"/>
-              <a:t>12/06/2018</a:t>
+              <a:t>15/06/2018</a:t>
             </a:fld>
             <a:endParaRPr lang="es-MX"/>
           </a:p>
@@ -2520,7 +2756,7 @@
           <a:p>
             <a:fld id="{B4B72DB4-7192-4759-9D2D-F0C546054E0D}" type="datetimeFigureOut">
               <a:rPr lang="es-MX" smtClean="0"/>
-              <a:t>12/06/2018</a:t>
+              <a:t>15/06/2018</a:t>
             </a:fld>
             <a:endParaRPr lang="es-MX"/>
           </a:p>
@@ -2935,7 +3171,7 @@
           <a:p>
             <a:fld id="{B4B72DB4-7192-4759-9D2D-F0C546054E0D}" type="datetimeFigureOut">
               <a:rPr lang="es-MX" smtClean="0"/>
-              <a:t>12/06/2018</a:t>
+              <a:t>15/06/2018</a:t>
             </a:fld>
             <a:endParaRPr lang="es-MX"/>
           </a:p>
@@ -3077,7 +3313,7 @@
           <a:p>
             <a:fld id="{B4B72DB4-7192-4759-9D2D-F0C546054E0D}" type="datetimeFigureOut">
               <a:rPr lang="es-MX" smtClean="0"/>
-              <a:t>12/06/2018</a:t>
+              <a:t>15/06/2018</a:t>
             </a:fld>
             <a:endParaRPr lang="es-MX"/>
           </a:p>
@@ -3190,7 +3426,7 @@
           <a:p>
             <a:fld id="{B4B72DB4-7192-4759-9D2D-F0C546054E0D}" type="datetimeFigureOut">
               <a:rPr lang="es-MX" smtClean="0"/>
-              <a:t>12/06/2018</a:t>
+              <a:t>15/06/2018</a:t>
             </a:fld>
             <a:endParaRPr lang="es-MX"/>
           </a:p>
@@ -3503,7 +3739,7 @@
           <a:p>
             <a:fld id="{B4B72DB4-7192-4759-9D2D-F0C546054E0D}" type="datetimeFigureOut">
               <a:rPr lang="es-MX" smtClean="0"/>
-              <a:t>12/06/2018</a:t>
+              <a:t>15/06/2018</a:t>
             </a:fld>
             <a:endParaRPr lang="es-MX"/>
           </a:p>
@@ -3792,7 +4028,7 @@
           <a:p>
             <a:fld id="{B4B72DB4-7192-4759-9D2D-F0C546054E0D}" type="datetimeFigureOut">
               <a:rPr lang="es-MX" smtClean="0"/>
-              <a:t>12/06/2018</a:t>
+              <a:t>15/06/2018</a:t>
             </a:fld>
             <a:endParaRPr lang="es-MX"/>
           </a:p>
@@ -4049,7 +4285,7 @@
           <a:p>
             <a:fld id="{B4B72DB4-7192-4759-9D2D-F0C546054E0D}" type="datetimeFigureOut">
               <a:rPr lang="es-MX" smtClean="0"/>
-              <a:t>12/06/2018</a:t>
+              <a:t>15/06/2018</a:t>
             </a:fld>
             <a:endParaRPr lang="es-MX"/>
           </a:p>
@@ -7899,7 +8135,25 @@
                   </a:solidFill>
                   <a:latin typeface="Gotham Rounded Book" pitchFamily="50" charset="0"/>
                 </a:rPr>
-                <a:t>de mi about -&gt; master. </a:t>
+                <a:t>de </a:t>
+              </a:r>
+              <a:r>
+                <a:rPr lang="en-US" sz="2200" dirty="0" err="1">
+                  <a:solidFill>
+                    <a:schemeClr val="bg1"/>
+                  </a:solidFill>
+                  <a:latin typeface="Gotham Rounded Book" pitchFamily="50" charset="0"/>
+                </a:rPr>
+                <a:t>miabout</a:t>
+              </a:r>
+              <a:r>
+                <a:rPr lang="en-US" sz="2200" dirty="0">
+                  <a:solidFill>
+                    <a:schemeClr val="bg1"/>
+                  </a:solidFill>
+                  <a:latin typeface="Gotham Rounded Book" pitchFamily="50" charset="0"/>
+                </a:rPr>
+                <a:t> -&gt; master. </a:t>
               </a:r>
               <a:endParaRPr lang="es-MX" sz="2200" dirty="0">
                 <a:solidFill>
@@ -7960,10 +8214,1182 @@
   <p:clrMapOvr>
     <a:masterClrMapping/>
   </p:clrMapOvr>
+  <p:timing>
+    <p:tnLst>
+      <p:par>
+        <p:cTn id="1" dur="indefinite" restart="never" nodeType="tmRoot">
+          <p:childTnLst>
+            <p:seq concurrent="1" nextAc="seek">
+              <p:cTn id="2" dur="indefinite" nodeType="mainSeq">
+                <p:childTnLst>
+                  <p:par>
+                    <p:cTn id="3" fill="hold">
+                      <p:stCondLst>
+                        <p:cond delay="indefinite"/>
+                      </p:stCondLst>
+                      <p:childTnLst>
+                        <p:par>
+                          <p:cTn id="4" fill="hold">
+                            <p:stCondLst>
+                              <p:cond delay="0"/>
+                            </p:stCondLst>
+                            <p:childTnLst>
+                              <p:par>
+                                <p:cTn id="5" presetID="1" presetClass="entr" presetSubtype="0" fill="hold" nodeType="clickEffect">
+                                  <p:stCondLst>
+                                    <p:cond delay="0"/>
+                                  </p:stCondLst>
+                                  <p:childTnLst>
+                                    <p:set>
+                                      <p:cBhvr>
+                                        <p:cTn id="6" dur="1" fill="hold">
+                                          <p:stCondLst>
+                                            <p:cond delay="0"/>
+                                          </p:stCondLst>
+                                        </p:cTn>
+                                        <p:tgtEl>
+                                          <p:spTgt spid="11"/>
+                                        </p:tgtEl>
+                                        <p:attrNameLst>
+                                          <p:attrName>style.visibility</p:attrName>
+                                        </p:attrNameLst>
+                                      </p:cBhvr>
+                                      <p:to>
+                                        <p:strVal val="visible"/>
+                                      </p:to>
+                                    </p:set>
+                                  </p:childTnLst>
+                                </p:cTn>
+                              </p:par>
+                            </p:childTnLst>
+                          </p:cTn>
+                        </p:par>
+                      </p:childTnLst>
+                    </p:cTn>
+                  </p:par>
+                  <p:par>
+                    <p:cTn id="7" fill="hold">
+                      <p:stCondLst>
+                        <p:cond delay="indefinite"/>
+                      </p:stCondLst>
+                      <p:childTnLst>
+                        <p:par>
+                          <p:cTn id="8" fill="hold">
+                            <p:stCondLst>
+                              <p:cond delay="0"/>
+                            </p:stCondLst>
+                            <p:childTnLst>
+                              <p:par>
+                                <p:cTn id="9" presetID="1" presetClass="entr" presetSubtype="0" fill="hold" nodeType="clickEffect">
+                                  <p:stCondLst>
+                                    <p:cond delay="0"/>
+                                  </p:stCondLst>
+                                  <p:childTnLst>
+                                    <p:set>
+                                      <p:cBhvr>
+                                        <p:cTn id="10" dur="1" fill="hold">
+                                          <p:stCondLst>
+                                            <p:cond delay="0"/>
+                                          </p:stCondLst>
+                                        </p:cTn>
+                                        <p:tgtEl>
+                                          <p:spTgt spid="22"/>
+                                        </p:tgtEl>
+                                        <p:attrNameLst>
+                                          <p:attrName>style.visibility</p:attrName>
+                                        </p:attrNameLst>
+                                      </p:cBhvr>
+                                      <p:to>
+                                        <p:strVal val="visible"/>
+                                      </p:to>
+                                    </p:set>
+                                  </p:childTnLst>
+                                </p:cTn>
+                              </p:par>
+                            </p:childTnLst>
+                          </p:cTn>
+                        </p:par>
+                      </p:childTnLst>
+                    </p:cTn>
+                  </p:par>
+                  <p:par>
+                    <p:cTn id="11" fill="hold">
+                      <p:stCondLst>
+                        <p:cond delay="indefinite"/>
+                      </p:stCondLst>
+                      <p:childTnLst>
+                        <p:par>
+                          <p:cTn id="12" fill="hold">
+                            <p:stCondLst>
+                              <p:cond delay="0"/>
+                            </p:stCondLst>
+                            <p:childTnLst>
+                              <p:par>
+                                <p:cTn id="13" presetID="1" presetClass="entr" presetSubtype="0" fill="hold" nodeType="clickEffect">
+                                  <p:stCondLst>
+                                    <p:cond delay="0"/>
+                                  </p:stCondLst>
+                                  <p:childTnLst>
+                                    <p:set>
+                                      <p:cBhvr>
+                                        <p:cTn id="14" dur="1" fill="hold">
+                                          <p:stCondLst>
+                                            <p:cond delay="0"/>
+                                          </p:stCondLst>
+                                        </p:cTn>
+                                        <p:tgtEl>
+                                          <p:spTgt spid="25"/>
+                                        </p:tgtEl>
+                                        <p:attrNameLst>
+                                          <p:attrName>style.visibility</p:attrName>
+                                        </p:attrNameLst>
+                                      </p:cBhvr>
+                                      <p:to>
+                                        <p:strVal val="visible"/>
+                                      </p:to>
+                                    </p:set>
+                                  </p:childTnLst>
+                                </p:cTn>
+                              </p:par>
+                            </p:childTnLst>
+                          </p:cTn>
+                        </p:par>
+                      </p:childTnLst>
+                    </p:cTn>
+                  </p:par>
+                  <p:par>
+                    <p:cTn id="15" fill="hold">
+                      <p:stCondLst>
+                        <p:cond delay="indefinite"/>
+                      </p:stCondLst>
+                      <p:childTnLst>
+                        <p:par>
+                          <p:cTn id="16" fill="hold">
+                            <p:stCondLst>
+                              <p:cond delay="0"/>
+                            </p:stCondLst>
+                            <p:childTnLst>
+                              <p:par>
+                                <p:cTn id="17" presetID="1" presetClass="entr" presetSubtype="0" fill="hold" nodeType="clickEffect">
+                                  <p:stCondLst>
+                                    <p:cond delay="0"/>
+                                  </p:stCondLst>
+                                  <p:childTnLst>
+                                    <p:set>
+                                      <p:cBhvr>
+                                        <p:cTn id="18" dur="1" fill="hold">
+                                          <p:stCondLst>
+                                            <p:cond delay="0"/>
+                                          </p:stCondLst>
+                                        </p:cTn>
+                                        <p:tgtEl>
+                                          <p:spTgt spid="39"/>
+                                        </p:tgtEl>
+                                        <p:attrNameLst>
+                                          <p:attrName>style.visibility</p:attrName>
+                                        </p:attrNameLst>
+                                      </p:cBhvr>
+                                      <p:to>
+                                        <p:strVal val="visible"/>
+                                      </p:to>
+                                    </p:set>
+                                  </p:childTnLst>
+                                </p:cTn>
+                              </p:par>
+                            </p:childTnLst>
+                          </p:cTn>
+                        </p:par>
+                      </p:childTnLst>
+                    </p:cTn>
+                  </p:par>
+                </p:childTnLst>
+              </p:cTn>
+              <p:prevCondLst>
+                <p:cond evt="onPrev" delay="0">
+                  <p:tgtEl>
+                    <p:sldTgt/>
+                  </p:tgtEl>
+                </p:cond>
+              </p:prevCondLst>
+              <p:nextCondLst>
+                <p:cond evt="onNext" delay="0">
+                  <p:tgtEl>
+                    <p:sldTgt/>
+                  </p:tgtEl>
+                </p:cond>
+              </p:nextCondLst>
+            </p:seq>
+          </p:childTnLst>
+        </p:cTn>
+      </p:par>
+    </p:tnLst>
+  </p:timing>
 </p:sld>
 </file>
 
 <file path=ppt/slides/slide15.xml><?xml version="1.0" encoding="utf-8"?>
+<p:sld xmlns:a="http://schemas.openxmlformats.org/drawingml/2006/main" xmlns:r="http://schemas.openxmlformats.org/officeDocument/2006/relationships" xmlns:p="http://schemas.openxmlformats.org/presentationml/2006/main">
+  <p:cSld>
+    <p:spTree>
+      <p:nvGrpSpPr>
+        <p:cNvPr id="1" name=""/>
+        <p:cNvGrpSpPr/>
+        <p:nvPr/>
+      </p:nvGrpSpPr>
+      <p:grpSpPr>
+        <a:xfrm>
+          <a:off x="0" y="0"/>
+          <a:ext cx="0" cy="0"/>
+          <a:chOff x="0" y="0"/>
+          <a:chExt cx="0" cy="0"/>
+        </a:xfrm>
+      </p:grpSpPr>
+      <p:grpSp>
+        <p:nvGrpSpPr>
+          <p:cNvPr id="4" name="Grupo 3">
+            <a:extLst>
+              <a:ext uri="{FF2B5EF4-FFF2-40B4-BE49-F238E27FC236}">
+                <a16:creationId xmlns:a16="http://schemas.microsoft.com/office/drawing/2014/main" id="{EAC794FC-7A5F-41F3-939A-8AB441A9EB4A}"/>
+              </a:ext>
+            </a:extLst>
+          </p:cNvPr>
+          <p:cNvGrpSpPr/>
+          <p:nvPr/>
+        </p:nvGrpSpPr>
+        <p:grpSpPr>
+          <a:xfrm>
+            <a:off x="87258" y="85725"/>
+            <a:ext cx="7140856" cy="1323439"/>
+            <a:chOff x="125358" y="333375"/>
+            <a:chExt cx="6494517" cy="1323439"/>
+          </a:xfrm>
+        </p:grpSpPr>
+        <p:sp>
+          <p:nvSpPr>
+            <p:cNvPr id="5" name="CuadroTexto 4">
+              <a:extLst>
+                <a:ext uri="{FF2B5EF4-FFF2-40B4-BE49-F238E27FC236}">
+                  <a16:creationId xmlns:a16="http://schemas.microsoft.com/office/drawing/2014/main" id="{7A9A634B-8194-4F25-954E-D4B79C3D5A62}"/>
+                </a:ext>
+              </a:extLst>
+            </p:cNvPr>
+            <p:cNvSpPr txBox="1"/>
+            <p:nvPr/>
+          </p:nvSpPr>
+          <p:spPr>
+            <a:xfrm>
+              <a:off x="590550" y="333375"/>
+              <a:ext cx="6029325" cy="1323439"/>
+            </a:xfrm>
+            <a:prstGeom prst="rect">
+              <a:avLst/>
+            </a:prstGeom>
+            <a:noFill/>
+          </p:spPr>
+          <p:txBody>
+            <a:bodyPr wrap="square" rtlCol="0">
+              <a:spAutoFit/>
+            </a:bodyPr>
+            <a:lstStyle/>
+            <a:p>
+              <a:r>
+                <a:rPr lang="en-US" sz="4000" dirty="0">
+                  <a:solidFill>
+                    <a:schemeClr val="bg1"/>
+                  </a:solidFill>
+                  <a:latin typeface="Gotham Rounded Bold" pitchFamily="50" charset="0"/>
+                </a:rPr>
+                <a:t>Rama por </a:t>
+              </a:r>
+              <a:r>
+                <a:rPr lang="en-US" sz="4000" dirty="0" err="1">
+                  <a:solidFill>
+                    <a:schemeClr val="bg1"/>
+                  </a:solidFill>
+                  <a:latin typeface="Gotham Rounded Bold" pitchFamily="50" charset="0"/>
+                </a:rPr>
+                <a:t>característica</a:t>
+              </a:r>
+              <a:endParaRPr lang="es-MX" sz="4000" dirty="0">
+                <a:solidFill>
+                  <a:schemeClr val="bg1"/>
+                </a:solidFill>
+                <a:latin typeface="Gotham Rounded Bold" pitchFamily="50" charset="0"/>
+              </a:endParaRPr>
+            </a:p>
+          </p:txBody>
+        </p:sp>
+        <p:sp>
+          <p:nvSpPr>
+            <p:cNvPr id="6" name="Rectángulo 5">
+              <a:extLst>
+                <a:ext uri="{FF2B5EF4-FFF2-40B4-BE49-F238E27FC236}">
+                  <a16:creationId xmlns:a16="http://schemas.microsoft.com/office/drawing/2014/main" id="{AC432A5C-BE0D-48CD-BAD5-2E055C6F1A1F}"/>
+                </a:ext>
+              </a:extLst>
+            </p:cNvPr>
+            <p:cNvSpPr/>
+            <p:nvPr/>
+          </p:nvSpPr>
+          <p:spPr>
+            <a:xfrm>
+              <a:off x="125358" y="410319"/>
+              <a:ext cx="465192" cy="553998"/>
+            </a:xfrm>
+            <a:prstGeom prst="rect">
+              <a:avLst/>
+            </a:prstGeom>
+          </p:spPr>
+          <p:txBody>
+            <a:bodyPr wrap="square">
+              <a:spAutoFit/>
+            </a:bodyPr>
+            <a:lstStyle/>
+            <a:p>
+              <a:r>
+                <a:rPr lang="es-MX" sz="3000" dirty="0">
+                  <a:solidFill>
+                    <a:schemeClr val="bg1"/>
+                  </a:solidFill>
+                  <a:latin typeface="Font Awesome 5 Free Solid" panose="02000503000000000000" pitchFamily="50" charset="0"/>
+                </a:rPr>
+                <a:t></a:t>
+              </a:r>
+            </a:p>
+          </p:txBody>
+        </p:sp>
+      </p:grpSp>
+      <p:sp>
+        <p:nvSpPr>
+          <p:cNvPr id="7" name="CuadroTexto 6">
+            <a:extLst>
+              <a:ext uri="{FF2B5EF4-FFF2-40B4-BE49-F238E27FC236}">
+                <a16:creationId xmlns:a16="http://schemas.microsoft.com/office/drawing/2014/main" id="{7F8A9B60-5E37-4F97-966D-0528AE6E5EE7}"/>
+              </a:ext>
+            </a:extLst>
+          </p:cNvPr>
+          <p:cNvSpPr txBox="1"/>
+          <p:nvPr/>
+        </p:nvSpPr>
+        <p:spPr>
+          <a:xfrm>
+            <a:off x="598746" y="578167"/>
+            <a:ext cx="3186546" cy="338554"/>
+          </a:xfrm>
+          <a:prstGeom prst="rect">
+            <a:avLst/>
+          </a:prstGeom>
+          <a:noFill/>
+        </p:spPr>
+        <p:txBody>
+          <a:bodyPr wrap="square" rtlCol="0">
+            <a:spAutoFit/>
+          </a:bodyPr>
+          <a:lstStyle/>
+          <a:p>
+            <a:r>
+              <a:rPr lang="en-US" sz="1600" dirty="0" err="1">
+                <a:solidFill>
+                  <a:schemeClr val="bg1"/>
+                </a:solidFill>
+                <a:latin typeface="Gotham Rounded Medium" panose="02000000000000000000" pitchFamily="50" charset="0"/>
+              </a:rPr>
+              <a:t>actividades</a:t>
+            </a:r>
+            <a:endParaRPr lang="es-MX" sz="1600" dirty="0">
+              <a:solidFill>
+                <a:schemeClr val="bg1"/>
+              </a:solidFill>
+              <a:latin typeface="Gotham Rounded Medium" panose="02000000000000000000" pitchFamily="50" charset="0"/>
+            </a:endParaRPr>
+          </a:p>
+        </p:txBody>
+      </p:sp>
+      <p:grpSp>
+        <p:nvGrpSpPr>
+          <p:cNvPr id="10" name="Grupo 9">
+            <a:extLst>
+              <a:ext uri="{FF2B5EF4-FFF2-40B4-BE49-F238E27FC236}">
+                <a16:creationId xmlns:a16="http://schemas.microsoft.com/office/drawing/2014/main" id="{000DE38E-9990-4489-B898-6DEA62A58B1A}"/>
+              </a:ext>
+            </a:extLst>
+          </p:cNvPr>
+          <p:cNvGrpSpPr/>
+          <p:nvPr/>
+        </p:nvGrpSpPr>
+        <p:grpSpPr>
+          <a:xfrm>
+            <a:off x="2361700" y="2963506"/>
+            <a:ext cx="7117580" cy="861774"/>
+            <a:chOff x="2361700" y="2473251"/>
+            <a:chExt cx="6326143" cy="861774"/>
+          </a:xfrm>
+        </p:grpSpPr>
+        <p:sp>
+          <p:nvSpPr>
+            <p:cNvPr id="8" name="CuadroTexto 7">
+              <a:extLst>
+                <a:ext uri="{FF2B5EF4-FFF2-40B4-BE49-F238E27FC236}">
+                  <a16:creationId xmlns:a16="http://schemas.microsoft.com/office/drawing/2014/main" id="{5999444C-0125-47C5-B022-3F80D9239D02}"/>
+                </a:ext>
+              </a:extLst>
+            </p:cNvPr>
+            <p:cNvSpPr txBox="1"/>
+            <p:nvPr/>
+          </p:nvSpPr>
+          <p:spPr>
+            <a:xfrm>
+              <a:off x="2712720" y="2473251"/>
+              <a:ext cx="5975123" cy="861774"/>
+            </a:xfrm>
+            <a:prstGeom prst="rect">
+              <a:avLst/>
+            </a:prstGeom>
+            <a:noFill/>
+          </p:spPr>
+          <p:txBody>
+            <a:bodyPr wrap="square" rtlCol="0">
+              <a:spAutoFit/>
+            </a:bodyPr>
+            <a:lstStyle/>
+            <a:p>
+              <a:r>
+                <a:rPr lang="en-US" sz="2500" dirty="0" err="1">
+                  <a:solidFill>
+                    <a:schemeClr val="bg1"/>
+                  </a:solidFill>
+                  <a:latin typeface="Gotham Rounded Medium" panose="02000000000000000000" pitchFamily="50" charset="0"/>
+                </a:rPr>
+                <a:t>agregar</a:t>
+              </a:r>
+              <a:r>
+                <a:rPr lang="en-US" sz="2500" dirty="0">
+                  <a:solidFill>
+                    <a:schemeClr val="bg1"/>
+                  </a:solidFill>
+                  <a:latin typeface="Gotham Rounded Medium" panose="02000000000000000000" pitchFamily="50" charset="0"/>
+                </a:rPr>
+                <a:t> </a:t>
+              </a:r>
+              <a:r>
+                <a:rPr lang="en-US" sz="2200" dirty="0">
+                  <a:solidFill>
+                    <a:schemeClr val="bg1"/>
+                  </a:solidFill>
+                  <a:latin typeface="Gotham Rounded Book" pitchFamily="50" charset="0"/>
+                </a:rPr>
+                <a:t>un</a:t>
+              </a:r>
+              <a:r>
+                <a:rPr lang="en-US" sz="2500" dirty="0">
+                  <a:solidFill>
+                    <a:schemeClr val="bg1"/>
+                  </a:solidFill>
+                  <a:latin typeface="Gotham Rounded Medium" panose="02000000000000000000" pitchFamily="50" charset="0"/>
+                </a:rPr>
+                <a:t> </a:t>
+              </a:r>
+              <a:r>
+                <a:rPr lang="en-US" sz="2500" b="1" dirty="0" err="1">
+                  <a:solidFill>
+                    <a:schemeClr val="bg1"/>
+                  </a:solidFill>
+                  <a:latin typeface="Gotham Rounded Medium" panose="02000000000000000000" pitchFamily="50" charset="0"/>
+                </a:rPr>
+                <a:t>archivo</a:t>
+              </a:r>
+              <a:r>
+                <a:rPr lang="en-US" sz="2500" b="1" dirty="0">
+                  <a:solidFill>
+                    <a:schemeClr val="bg1"/>
+                  </a:solidFill>
+                  <a:latin typeface="Gotham Rounded Medium" panose="02000000000000000000" pitchFamily="50" charset="0"/>
+                </a:rPr>
+                <a:t> </a:t>
+              </a:r>
+              <a:r>
+                <a:rPr lang="en-US" sz="2200" dirty="0">
+                  <a:solidFill>
+                    <a:schemeClr val="bg1"/>
+                  </a:solidFill>
+                  <a:latin typeface="Gotham Rounded Book" pitchFamily="50" charset="0"/>
+                </a:rPr>
+                <a:t>a master</a:t>
+              </a:r>
+              <a:r>
+                <a:rPr lang="en-US" sz="2500" dirty="0">
+                  <a:solidFill>
+                    <a:schemeClr val="bg1"/>
+                  </a:solidFill>
+                  <a:latin typeface="Gotham Rounded Medium" panose="02000000000000000000" pitchFamily="50" charset="0"/>
+                </a:rPr>
+                <a:t> </a:t>
+              </a:r>
+              <a:r>
+                <a:rPr lang="en-US" sz="2500" b="1" dirty="0">
+                  <a:solidFill>
+                    <a:schemeClr val="bg1"/>
+                  </a:solidFill>
+                  <a:latin typeface="Gotham Rounded Medium" panose="02000000000000000000" pitchFamily="50" charset="0"/>
+                </a:rPr>
+                <a:t>por feature branch </a:t>
+              </a:r>
+              <a:r>
+                <a:rPr lang="en-US" sz="2500" dirty="0" err="1">
+                  <a:solidFill>
+                    <a:schemeClr val="bg1"/>
+                  </a:solidFill>
+                  <a:latin typeface="Gotham Rounded Medium" panose="02000000000000000000" pitchFamily="50" charset="0"/>
+                </a:rPr>
+                <a:t>denominado</a:t>
+              </a:r>
+              <a:r>
+                <a:rPr lang="en-US" sz="2200" dirty="0">
+                  <a:solidFill>
+                    <a:schemeClr val="bg1"/>
+                  </a:solidFill>
+                  <a:latin typeface="Gotham Rounded Book" pitchFamily="50" charset="0"/>
+                </a:rPr>
+                <a:t> lugares_por_visitat.txt </a:t>
+              </a:r>
+              <a:endParaRPr lang="es-MX" sz="2200" dirty="0">
+                <a:solidFill>
+                  <a:schemeClr val="bg1"/>
+                </a:solidFill>
+                <a:latin typeface="Gotham Rounded Book" pitchFamily="50" charset="0"/>
+              </a:endParaRPr>
+            </a:p>
+          </p:txBody>
+        </p:sp>
+        <p:sp>
+          <p:nvSpPr>
+            <p:cNvPr id="9" name="Rectángulo 8">
+              <a:extLst>
+                <a:ext uri="{FF2B5EF4-FFF2-40B4-BE49-F238E27FC236}">
+                  <a16:creationId xmlns:a16="http://schemas.microsoft.com/office/drawing/2014/main" id="{47531E59-A58E-479E-A59F-D5FA121613CC}"/>
+                </a:ext>
+              </a:extLst>
+            </p:cNvPr>
+            <p:cNvSpPr/>
+            <p:nvPr/>
+          </p:nvSpPr>
+          <p:spPr>
+            <a:xfrm>
+              <a:off x="2361700" y="2527112"/>
+              <a:ext cx="351020" cy="369332"/>
+            </a:xfrm>
+            <a:prstGeom prst="rect">
+              <a:avLst/>
+            </a:prstGeom>
+          </p:spPr>
+          <p:txBody>
+            <a:bodyPr wrap="square">
+              <a:spAutoFit/>
+            </a:bodyPr>
+            <a:lstStyle/>
+            <a:p>
+              <a:r>
+                <a:rPr lang="es-MX" dirty="0">
+                  <a:solidFill>
+                    <a:schemeClr val="bg1"/>
+                  </a:solidFill>
+                  <a:latin typeface="Font Awesome 5 Free Regular" panose="02000503000000000000" pitchFamily="50" charset="0"/>
+                </a:rPr>
+                <a:t></a:t>
+              </a:r>
+            </a:p>
+          </p:txBody>
+        </p:sp>
+      </p:grpSp>
+      <p:grpSp>
+        <p:nvGrpSpPr>
+          <p:cNvPr id="30" name="Grupo 29">
+            <a:extLst>
+              <a:ext uri="{FF2B5EF4-FFF2-40B4-BE49-F238E27FC236}">
+                <a16:creationId xmlns:a16="http://schemas.microsoft.com/office/drawing/2014/main" id="{17CAC002-1221-49B7-8E7C-27239A71C10C}"/>
+              </a:ext>
+            </a:extLst>
+          </p:cNvPr>
+          <p:cNvGrpSpPr/>
+          <p:nvPr/>
+        </p:nvGrpSpPr>
+        <p:grpSpPr>
+          <a:xfrm>
+            <a:off x="2361701" y="1921567"/>
+            <a:ext cx="7117580" cy="861774"/>
+            <a:chOff x="2361700" y="2473251"/>
+            <a:chExt cx="8878955" cy="861774"/>
+          </a:xfrm>
+        </p:grpSpPr>
+        <p:sp>
+          <p:nvSpPr>
+            <p:cNvPr id="31" name="CuadroTexto 30">
+              <a:extLst>
+                <a:ext uri="{FF2B5EF4-FFF2-40B4-BE49-F238E27FC236}">
+                  <a16:creationId xmlns:a16="http://schemas.microsoft.com/office/drawing/2014/main" id="{BA8BDE16-1785-4216-A1B7-09B97FBB66D9}"/>
+                </a:ext>
+              </a:extLst>
+            </p:cNvPr>
+            <p:cNvSpPr txBox="1"/>
+            <p:nvPr/>
+          </p:nvSpPr>
+          <p:spPr>
+            <a:xfrm>
+              <a:off x="2712719" y="2473251"/>
+              <a:ext cx="8527936" cy="861774"/>
+            </a:xfrm>
+            <a:prstGeom prst="rect">
+              <a:avLst/>
+            </a:prstGeom>
+            <a:noFill/>
+          </p:spPr>
+          <p:txBody>
+            <a:bodyPr wrap="square" rtlCol="0">
+              <a:spAutoFit/>
+            </a:bodyPr>
+            <a:lstStyle/>
+            <a:p>
+              <a:r>
+                <a:rPr lang="en-US" sz="2500" dirty="0" err="1">
+                  <a:solidFill>
+                    <a:schemeClr val="bg1"/>
+                  </a:solidFill>
+                  <a:latin typeface="Gotham Rounded Medium" panose="02000000000000000000" pitchFamily="50" charset="0"/>
+                </a:rPr>
+                <a:t>agregar</a:t>
+              </a:r>
+              <a:r>
+                <a:rPr lang="en-US" sz="2500" dirty="0">
+                  <a:solidFill>
+                    <a:schemeClr val="bg1"/>
+                  </a:solidFill>
+                  <a:latin typeface="Gotham Rounded Medium" panose="02000000000000000000" pitchFamily="50" charset="0"/>
+                </a:rPr>
+                <a:t> </a:t>
+              </a:r>
+              <a:r>
+                <a:rPr lang="en-US" sz="2200" dirty="0">
+                  <a:solidFill>
+                    <a:schemeClr val="bg1"/>
+                  </a:solidFill>
+                  <a:latin typeface="Gotham Rounded Book" pitchFamily="50" charset="0"/>
+                </a:rPr>
+                <a:t>un</a:t>
+              </a:r>
+              <a:r>
+                <a:rPr lang="en-US" sz="2500" dirty="0">
+                  <a:solidFill>
+                    <a:schemeClr val="bg1"/>
+                  </a:solidFill>
+                  <a:latin typeface="Gotham Rounded Medium" panose="02000000000000000000" pitchFamily="50" charset="0"/>
+                </a:rPr>
+                <a:t> </a:t>
+              </a:r>
+              <a:r>
+                <a:rPr lang="en-US" sz="2500" b="1" dirty="0" err="1">
+                  <a:solidFill>
+                    <a:schemeClr val="bg1"/>
+                  </a:solidFill>
+                  <a:latin typeface="Gotham Rounded Medium" panose="02000000000000000000" pitchFamily="50" charset="0"/>
+                </a:rPr>
+                <a:t>archivo</a:t>
+              </a:r>
+              <a:r>
+                <a:rPr lang="en-US" sz="2500" b="1" dirty="0">
+                  <a:solidFill>
+                    <a:schemeClr val="bg1"/>
+                  </a:solidFill>
+                  <a:latin typeface="Gotham Rounded Medium" panose="02000000000000000000" pitchFamily="50" charset="0"/>
+                </a:rPr>
+                <a:t> </a:t>
+              </a:r>
+              <a:r>
+                <a:rPr lang="en-US" sz="2200" dirty="0">
+                  <a:solidFill>
+                    <a:schemeClr val="bg1"/>
+                  </a:solidFill>
+                  <a:latin typeface="Gotham Rounded Book" pitchFamily="50" charset="0"/>
+                </a:rPr>
+                <a:t>a master</a:t>
+              </a:r>
+              <a:r>
+                <a:rPr lang="en-US" sz="2500" dirty="0">
+                  <a:solidFill>
+                    <a:schemeClr val="bg1"/>
+                  </a:solidFill>
+                  <a:latin typeface="Gotham Rounded Medium" panose="02000000000000000000" pitchFamily="50" charset="0"/>
+                </a:rPr>
+                <a:t> </a:t>
+              </a:r>
+              <a:r>
+                <a:rPr lang="en-US" sz="2500" b="1" dirty="0">
+                  <a:solidFill>
+                    <a:schemeClr val="bg1"/>
+                  </a:solidFill>
+                  <a:latin typeface="Gotham Rounded Medium" panose="02000000000000000000" pitchFamily="50" charset="0"/>
+                </a:rPr>
+                <a:t>por feature branch </a:t>
+              </a:r>
+              <a:r>
+                <a:rPr lang="en-US" sz="2500" dirty="0" err="1">
+                  <a:solidFill>
+                    <a:schemeClr val="bg1"/>
+                  </a:solidFill>
+                  <a:latin typeface="Gotham Rounded Medium" panose="02000000000000000000" pitchFamily="50" charset="0"/>
+                </a:rPr>
+                <a:t>denominado</a:t>
+              </a:r>
+              <a:r>
+                <a:rPr lang="en-US" sz="2200" dirty="0">
+                  <a:solidFill>
+                    <a:schemeClr val="bg1"/>
+                  </a:solidFill>
+                  <a:latin typeface="Gotham Rounded Book" pitchFamily="50" charset="0"/>
+                </a:rPr>
+                <a:t> comidas_favoritas.txt </a:t>
+              </a:r>
+              <a:endParaRPr lang="es-MX" sz="2200" dirty="0">
+                <a:solidFill>
+                  <a:schemeClr val="bg1"/>
+                </a:solidFill>
+                <a:latin typeface="Gotham Rounded Book" pitchFamily="50" charset="0"/>
+              </a:endParaRPr>
+            </a:p>
+          </p:txBody>
+        </p:sp>
+        <p:sp>
+          <p:nvSpPr>
+            <p:cNvPr id="33" name="Rectángulo 32">
+              <a:extLst>
+                <a:ext uri="{FF2B5EF4-FFF2-40B4-BE49-F238E27FC236}">
+                  <a16:creationId xmlns:a16="http://schemas.microsoft.com/office/drawing/2014/main" id="{35155B30-A205-4A90-808A-F3B14291D292}"/>
+                </a:ext>
+              </a:extLst>
+            </p:cNvPr>
+            <p:cNvSpPr/>
+            <p:nvPr/>
+          </p:nvSpPr>
+          <p:spPr>
+            <a:xfrm>
+              <a:off x="2361700" y="2527112"/>
+              <a:ext cx="351020" cy="369332"/>
+            </a:xfrm>
+            <a:prstGeom prst="rect">
+              <a:avLst/>
+            </a:prstGeom>
+          </p:spPr>
+          <p:txBody>
+            <a:bodyPr wrap="square">
+              <a:spAutoFit/>
+            </a:bodyPr>
+            <a:lstStyle/>
+            <a:p>
+              <a:r>
+                <a:rPr lang="es-MX" dirty="0">
+                  <a:solidFill>
+                    <a:schemeClr val="bg1"/>
+                  </a:solidFill>
+                  <a:latin typeface="Font Awesome 5 Free Regular" panose="02000503000000000000" pitchFamily="50" charset="0"/>
+                </a:rPr>
+                <a:t></a:t>
+              </a:r>
+            </a:p>
+          </p:txBody>
+        </p:sp>
+      </p:grpSp>
+      <p:sp>
+        <p:nvSpPr>
+          <p:cNvPr id="18" name="CuadroTexto 17">
+            <a:extLst>
+              <a:ext uri="{FF2B5EF4-FFF2-40B4-BE49-F238E27FC236}">
+                <a16:creationId xmlns:a16="http://schemas.microsoft.com/office/drawing/2014/main" id="{E6468FDC-55D3-47F1-96B2-8F3BC20EF17A}"/>
+              </a:ext>
+            </a:extLst>
+          </p:cNvPr>
+          <p:cNvSpPr txBox="1"/>
+          <p:nvPr/>
+        </p:nvSpPr>
+        <p:spPr>
+          <a:xfrm flipH="1">
+            <a:off x="0" y="6457890"/>
+            <a:ext cx="1924050" cy="400110"/>
+          </a:xfrm>
+          <a:prstGeom prst="rect">
+            <a:avLst/>
+          </a:prstGeom>
+          <a:noFill/>
+        </p:spPr>
+        <p:txBody>
+          <a:bodyPr wrap="square" rtlCol="0">
+            <a:spAutoFit/>
+          </a:bodyPr>
+          <a:lstStyle/>
+          <a:p>
+            <a:r>
+              <a:rPr lang="en-US" sz="2000" dirty="0">
+                <a:solidFill>
+                  <a:schemeClr val="bg1">
+                    <a:lumMod val="95000"/>
+                  </a:schemeClr>
+                </a:solidFill>
+                <a:latin typeface="Gotham Rounded Medium" panose="02000000000000000000" pitchFamily="50" charset="0"/>
+              </a:rPr>
+              <a:t>@</a:t>
+            </a:r>
+            <a:r>
+              <a:rPr lang="en-US" sz="2000" dirty="0" err="1">
+                <a:solidFill>
+                  <a:schemeClr val="bg1">
+                    <a:lumMod val="95000"/>
+                  </a:schemeClr>
+                </a:solidFill>
+                <a:latin typeface="Gotham Rounded Medium" panose="02000000000000000000" pitchFamily="50" charset="0"/>
+              </a:rPr>
+              <a:t>luisejrobles</a:t>
+            </a:r>
+            <a:endParaRPr lang="es-MX" sz="2000" dirty="0">
+              <a:solidFill>
+                <a:schemeClr val="bg1">
+                  <a:lumMod val="95000"/>
+                </a:schemeClr>
+              </a:solidFill>
+              <a:latin typeface="Gotham Rounded Medium" panose="02000000000000000000" pitchFamily="50" charset="0"/>
+            </a:endParaRPr>
+          </a:p>
+        </p:txBody>
+      </p:sp>
+      <p:grpSp>
+        <p:nvGrpSpPr>
+          <p:cNvPr id="32" name="Grupo 31">
+            <a:extLst>
+              <a:ext uri="{FF2B5EF4-FFF2-40B4-BE49-F238E27FC236}">
+                <a16:creationId xmlns:a16="http://schemas.microsoft.com/office/drawing/2014/main" id="{B6EDFA39-303D-4C19-9551-4B5C5833B5D5}"/>
+              </a:ext>
+            </a:extLst>
+          </p:cNvPr>
+          <p:cNvGrpSpPr/>
+          <p:nvPr/>
+        </p:nvGrpSpPr>
+        <p:grpSpPr>
+          <a:xfrm>
+            <a:off x="2361700" y="4059306"/>
+            <a:ext cx="7117580" cy="1246495"/>
+            <a:chOff x="2361700" y="2473251"/>
+            <a:chExt cx="6326143" cy="1246495"/>
+          </a:xfrm>
+        </p:grpSpPr>
+        <p:sp>
+          <p:nvSpPr>
+            <p:cNvPr id="37" name="CuadroTexto 36">
+              <a:extLst>
+                <a:ext uri="{FF2B5EF4-FFF2-40B4-BE49-F238E27FC236}">
+                  <a16:creationId xmlns:a16="http://schemas.microsoft.com/office/drawing/2014/main" id="{F414B418-F998-4E4C-8B5B-9A0ACC0F05A0}"/>
+                </a:ext>
+              </a:extLst>
+            </p:cNvPr>
+            <p:cNvSpPr txBox="1"/>
+            <p:nvPr/>
+          </p:nvSpPr>
+          <p:spPr>
+            <a:xfrm>
+              <a:off x="2712720" y="2473251"/>
+              <a:ext cx="5975123" cy="1246495"/>
+            </a:xfrm>
+            <a:prstGeom prst="rect">
+              <a:avLst/>
+            </a:prstGeom>
+            <a:noFill/>
+          </p:spPr>
+          <p:txBody>
+            <a:bodyPr wrap="square" rtlCol="0">
+              <a:spAutoFit/>
+            </a:bodyPr>
+            <a:lstStyle/>
+            <a:p>
+              <a:r>
+                <a:rPr lang="en-US" sz="2500" dirty="0" err="1">
+                  <a:solidFill>
+                    <a:schemeClr val="bg1"/>
+                  </a:solidFill>
+                  <a:latin typeface="Gotham Rounded Medium" panose="02000000000000000000" pitchFamily="50" charset="0"/>
+                </a:rPr>
+                <a:t>agregar</a:t>
+              </a:r>
+              <a:r>
+                <a:rPr lang="en-US" sz="2500" dirty="0">
+                  <a:solidFill>
+                    <a:schemeClr val="bg1"/>
+                  </a:solidFill>
+                  <a:latin typeface="Gotham Rounded Medium" panose="02000000000000000000" pitchFamily="50" charset="0"/>
+                </a:rPr>
+                <a:t> </a:t>
+              </a:r>
+              <a:r>
+                <a:rPr lang="en-US" sz="2200" dirty="0">
+                  <a:solidFill>
+                    <a:schemeClr val="bg1"/>
+                  </a:solidFill>
+                  <a:latin typeface="Gotham Rounded Book" pitchFamily="50" charset="0"/>
+                </a:rPr>
+                <a:t>un</a:t>
+              </a:r>
+              <a:r>
+                <a:rPr lang="en-US" sz="2500" dirty="0">
+                  <a:solidFill>
+                    <a:schemeClr val="bg1"/>
+                  </a:solidFill>
+                  <a:latin typeface="Gotham Rounded Medium" panose="02000000000000000000" pitchFamily="50" charset="0"/>
+                </a:rPr>
+                <a:t> </a:t>
+              </a:r>
+              <a:r>
+                <a:rPr lang="en-US" sz="2500" b="1" dirty="0" err="1">
+                  <a:solidFill>
+                    <a:schemeClr val="bg1"/>
+                  </a:solidFill>
+                  <a:latin typeface="Gotham Rounded Medium" panose="02000000000000000000" pitchFamily="50" charset="0"/>
+                </a:rPr>
+                <a:t>archivo</a:t>
+              </a:r>
+              <a:r>
+                <a:rPr lang="en-US" sz="2500" b="1" dirty="0">
+                  <a:solidFill>
+                    <a:schemeClr val="bg1"/>
+                  </a:solidFill>
+                  <a:latin typeface="Gotham Rounded Medium" panose="02000000000000000000" pitchFamily="50" charset="0"/>
+                </a:rPr>
+                <a:t> </a:t>
+              </a:r>
+              <a:r>
+                <a:rPr lang="en-US" sz="2200" dirty="0">
+                  <a:solidFill>
+                    <a:schemeClr val="bg1"/>
+                  </a:solidFill>
+                  <a:latin typeface="Gotham Rounded Book" pitchFamily="50" charset="0"/>
+                </a:rPr>
+                <a:t>a master</a:t>
+              </a:r>
+              <a:r>
+                <a:rPr lang="en-US" sz="2500" dirty="0">
+                  <a:solidFill>
+                    <a:schemeClr val="bg1"/>
+                  </a:solidFill>
+                  <a:latin typeface="Gotham Rounded Medium" panose="02000000000000000000" pitchFamily="50" charset="0"/>
+                </a:rPr>
+                <a:t> </a:t>
+              </a:r>
+              <a:r>
+                <a:rPr lang="en-US" sz="2500" b="1" dirty="0">
+                  <a:solidFill>
+                    <a:schemeClr val="bg1"/>
+                  </a:solidFill>
+                  <a:latin typeface="Gotham Rounded Medium" panose="02000000000000000000" pitchFamily="50" charset="0"/>
+                </a:rPr>
+                <a:t>por feature branch</a:t>
+              </a:r>
+            </a:p>
+            <a:p>
+              <a:r>
+                <a:rPr lang="en-US" sz="2500" dirty="0" err="1">
+                  <a:solidFill>
+                    <a:schemeClr val="bg1"/>
+                  </a:solidFill>
+                  <a:latin typeface="Gotham Rounded Medium" panose="02000000000000000000" pitchFamily="50" charset="0"/>
+                </a:rPr>
+                <a:t>denominado</a:t>
+              </a:r>
+              <a:r>
+                <a:rPr lang="en-US" sz="2200" dirty="0">
+                  <a:solidFill>
+                    <a:schemeClr val="bg1"/>
+                  </a:solidFill>
+                  <a:latin typeface="Gotham Rounded Book" pitchFamily="50" charset="0"/>
+                </a:rPr>
+                <a:t> tecnologias_por_aprender.txt .</a:t>
+              </a:r>
+              <a:endParaRPr lang="es-MX" sz="2200" dirty="0">
+                <a:solidFill>
+                  <a:schemeClr val="bg1"/>
+                </a:solidFill>
+                <a:latin typeface="Gotham Rounded Book" pitchFamily="50" charset="0"/>
+              </a:endParaRPr>
+            </a:p>
+          </p:txBody>
+        </p:sp>
+        <p:sp>
+          <p:nvSpPr>
+            <p:cNvPr id="38" name="Rectángulo 37">
+              <a:extLst>
+                <a:ext uri="{FF2B5EF4-FFF2-40B4-BE49-F238E27FC236}">
+                  <a16:creationId xmlns:a16="http://schemas.microsoft.com/office/drawing/2014/main" id="{48CC0AB3-8703-445C-AC71-09AB6CE0DFC2}"/>
+                </a:ext>
+              </a:extLst>
+            </p:cNvPr>
+            <p:cNvSpPr/>
+            <p:nvPr/>
+          </p:nvSpPr>
+          <p:spPr>
+            <a:xfrm>
+              <a:off x="2361700" y="2527112"/>
+              <a:ext cx="351020" cy="369332"/>
+            </a:xfrm>
+            <a:prstGeom prst="rect">
+              <a:avLst/>
+            </a:prstGeom>
+          </p:spPr>
+          <p:txBody>
+            <a:bodyPr wrap="square">
+              <a:spAutoFit/>
+            </a:bodyPr>
+            <a:lstStyle/>
+            <a:p>
+              <a:r>
+                <a:rPr lang="es-MX" dirty="0">
+                  <a:solidFill>
+                    <a:schemeClr val="bg1"/>
+                  </a:solidFill>
+                  <a:latin typeface="Font Awesome 5 Free Regular" panose="02000503000000000000" pitchFamily="50" charset="0"/>
+                </a:rPr>
+                <a:t></a:t>
+              </a:r>
+            </a:p>
+          </p:txBody>
+        </p:sp>
+      </p:grpSp>
+    </p:spTree>
+    <p:extLst>
+      <p:ext uri="{BB962C8B-B14F-4D97-AF65-F5344CB8AC3E}">
+        <p14:creationId xmlns:p14="http://schemas.microsoft.com/office/powerpoint/2010/main" val="2759096838"/>
+      </p:ext>
+    </p:extLst>
+  </p:cSld>
+  <p:clrMapOvr>
+    <a:masterClrMapping/>
+  </p:clrMapOvr>
+  <p:timing>
+    <p:tnLst>
+      <p:par>
+        <p:cTn id="1" dur="indefinite" restart="never" nodeType="tmRoot">
+          <p:childTnLst>
+            <p:seq concurrent="1" nextAc="seek">
+              <p:cTn id="2" dur="indefinite" nodeType="mainSeq">
+                <p:childTnLst>
+                  <p:par>
+                    <p:cTn id="3" fill="hold">
+                      <p:stCondLst>
+                        <p:cond delay="indefinite"/>
+                      </p:stCondLst>
+                      <p:childTnLst>
+                        <p:par>
+                          <p:cTn id="4" fill="hold">
+                            <p:stCondLst>
+                              <p:cond delay="0"/>
+                            </p:stCondLst>
+                            <p:childTnLst>
+                              <p:par>
+                                <p:cTn id="5" presetID="1" presetClass="entr" presetSubtype="0" fill="hold" nodeType="clickEffect">
+                                  <p:stCondLst>
+                                    <p:cond delay="0"/>
+                                  </p:stCondLst>
+                                  <p:childTnLst>
+                                    <p:set>
+                                      <p:cBhvr>
+                                        <p:cTn id="6" dur="1" fill="hold">
+                                          <p:stCondLst>
+                                            <p:cond delay="0"/>
+                                          </p:stCondLst>
+                                        </p:cTn>
+                                        <p:tgtEl>
+                                          <p:spTgt spid="10"/>
+                                        </p:tgtEl>
+                                        <p:attrNameLst>
+                                          <p:attrName>style.visibility</p:attrName>
+                                        </p:attrNameLst>
+                                      </p:cBhvr>
+                                      <p:to>
+                                        <p:strVal val="visible"/>
+                                      </p:to>
+                                    </p:set>
+                                  </p:childTnLst>
+                                </p:cTn>
+                              </p:par>
+                            </p:childTnLst>
+                          </p:cTn>
+                        </p:par>
+                      </p:childTnLst>
+                    </p:cTn>
+                  </p:par>
+                  <p:par>
+                    <p:cTn id="7" fill="hold">
+                      <p:stCondLst>
+                        <p:cond delay="indefinite"/>
+                      </p:stCondLst>
+                      <p:childTnLst>
+                        <p:par>
+                          <p:cTn id="8" fill="hold">
+                            <p:stCondLst>
+                              <p:cond delay="0"/>
+                            </p:stCondLst>
+                            <p:childTnLst>
+                              <p:par>
+                                <p:cTn id="9" presetID="1" presetClass="entr" presetSubtype="0" fill="hold" nodeType="clickEffect">
+                                  <p:stCondLst>
+                                    <p:cond delay="0"/>
+                                  </p:stCondLst>
+                                  <p:childTnLst>
+                                    <p:set>
+                                      <p:cBhvr>
+                                        <p:cTn id="10" dur="1" fill="hold">
+                                          <p:stCondLst>
+                                            <p:cond delay="0"/>
+                                          </p:stCondLst>
+                                        </p:cTn>
+                                        <p:tgtEl>
+                                          <p:spTgt spid="32"/>
+                                        </p:tgtEl>
+                                        <p:attrNameLst>
+                                          <p:attrName>style.visibility</p:attrName>
+                                        </p:attrNameLst>
+                                      </p:cBhvr>
+                                      <p:to>
+                                        <p:strVal val="visible"/>
+                                      </p:to>
+                                    </p:set>
+                                  </p:childTnLst>
+                                </p:cTn>
+                              </p:par>
+                            </p:childTnLst>
+                          </p:cTn>
+                        </p:par>
+                      </p:childTnLst>
+                    </p:cTn>
+                  </p:par>
+                </p:childTnLst>
+              </p:cTn>
+              <p:prevCondLst>
+                <p:cond evt="onPrev" delay="0">
+                  <p:tgtEl>
+                    <p:sldTgt/>
+                  </p:tgtEl>
+                </p:cond>
+              </p:prevCondLst>
+              <p:nextCondLst>
+                <p:cond evt="onNext" delay="0">
+                  <p:tgtEl>
+                    <p:sldTgt/>
+                  </p:tgtEl>
+                </p:cond>
+              </p:nextCondLst>
+            </p:seq>
+          </p:childTnLst>
+        </p:cTn>
+      </p:par>
+    </p:tnLst>
+  </p:timing>
+</p:sld>
+</file>
+
+<file path=ppt/slides/slide16.xml><?xml version="1.0" encoding="utf-8"?>
 <p:sld xmlns:a="http://schemas.openxmlformats.org/drawingml/2006/main" xmlns:r="http://schemas.openxmlformats.org/officeDocument/2006/relationships" xmlns:p="http://schemas.openxmlformats.org/presentationml/2006/main">
   <p:cSld>
     <p:spTree>
@@ -8166,7 +9592,7 @@
 </p:sld>
 </file>
 
-<file path=ppt/slides/slide16.xml><?xml version="1.0" encoding="utf-8"?>
+<file path=ppt/slides/slide17.xml><?xml version="1.0" encoding="utf-8"?>
 <p:sld xmlns:a="http://schemas.openxmlformats.org/drawingml/2006/main" xmlns:r="http://schemas.openxmlformats.org/officeDocument/2006/relationships" xmlns:p="http://schemas.openxmlformats.org/presentationml/2006/main">
   <p:cSld>
     <p:spTree>
@@ -8866,7 +10292,7 @@
 </p:sld>
 </file>
 
-<file path=ppt/slides/slide17.xml><?xml version="1.0" encoding="utf-8"?>
+<file path=ppt/slides/slide18.xml><?xml version="1.0" encoding="utf-8"?>
 <p:sld xmlns:a="http://schemas.openxmlformats.org/drawingml/2006/main" xmlns:r="http://schemas.openxmlformats.org/officeDocument/2006/relationships" xmlns:p="http://schemas.openxmlformats.org/presentationml/2006/main">
   <p:cSld>
     <p:spTree>
@@ -11259,7 +12685,7 @@
 </p:sld>
 </file>
 
-<file path=ppt/slides/slide18.xml><?xml version="1.0" encoding="utf-8"?>
+<file path=ppt/slides/slide19.xml><?xml version="1.0" encoding="utf-8"?>
 <p:sld xmlns:a="http://schemas.openxmlformats.org/drawingml/2006/main" xmlns:r="http://schemas.openxmlformats.org/officeDocument/2006/relationships" xmlns:p="http://schemas.openxmlformats.org/presentationml/2006/main">
   <p:cSld>
     <p:spTree>
@@ -11569,9 +12995,7 @@
                 <a:r>
                   <a:rPr lang="en-US" dirty="0">
                     <a:solidFill>
-                      <a:schemeClr val="bg1">
-                        <a:lumMod val="85000"/>
-                      </a:schemeClr>
+                      <a:schemeClr val="bg1"/>
                     </a:solidFill>
                     <a:latin typeface="Gotham Rounded Medium" panose="02000000000000000000" pitchFamily="50" charset="0"/>
                   </a:rPr>
@@ -11610,9 +13034,7 @@
                 <a:r>
                   <a:rPr lang="es-MX" sz="2500" dirty="0">
                     <a:solidFill>
-                      <a:schemeClr val="bg1">
-                        <a:lumMod val="85000"/>
-                      </a:schemeClr>
+                      <a:schemeClr val="bg1"/>
                     </a:solidFill>
                     <a:latin typeface="Font Awesome 5 Brands Regular" panose="02000503000000000000" pitchFamily="50" charset="0"/>
                   </a:rPr>
@@ -11672,9 +13094,7 @@
                 <a:r>
                   <a:rPr lang="es-MX" sz="2500" dirty="0">
                     <a:solidFill>
-                      <a:schemeClr val="bg1">
-                        <a:lumMod val="85000"/>
-                      </a:schemeClr>
+                      <a:schemeClr val="bg1"/>
                     </a:solidFill>
                     <a:latin typeface="Font Awesome 5 Brands Regular" panose="02000503000000000000" pitchFamily="50" charset="0"/>
                   </a:rPr>
@@ -11714,9 +13134,7 @@
                 <a:r>
                   <a:rPr lang="en-US" dirty="0" err="1">
                     <a:solidFill>
-                      <a:schemeClr val="bg1">
-                        <a:lumMod val="85000"/>
-                      </a:schemeClr>
+                      <a:schemeClr val="bg1"/>
                     </a:solidFill>
                     <a:latin typeface="Gotham Rounded Medium" panose="02000000000000000000" pitchFamily="50" charset="0"/>
                   </a:rPr>
@@ -11725,9 +13143,7 @@
                 <a:r>
                   <a:rPr lang="en-US" dirty="0">
                     <a:solidFill>
-                      <a:schemeClr val="bg1">
-                        <a:lumMod val="85000"/>
-                      </a:schemeClr>
+                      <a:schemeClr val="bg1"/>
                     </a:solidFill>
                     <a:latin typeface="Gotham Rounded Medium" panose="02000000000000000000" pitchFamily="50" charset="0"/>
                   </a:rPr>
@@ -11742,232 +13158,6 @@
     <p:extLst>
       <p:ext uri="{BB962C8B-B14F-4D97-AF65-F5344CB8AC3E}">
         <p14:creationId xmlns:p14="http://schemas.microsoft.com/office/powerpoint/2010/main" val="296534344"/>
-      </p:ext>
-    </p:extLst>
-  </p:cSld>
-  <p:clrMapOvr>
-    <a:masterClrMapping/>
-  </p:clrMapOvr>
-</p:sld>
-</file>
-
-<file path=ppt/slides/slide19.xml><?xml version="1.0" encoding="utf-8"?>
-<p:sld xmlns:a="http://schemas.openxmlformats.org/drawingml/2006/main" xmlns:r="http://schemas.openxmlformats.org/officeDocument/2006/relationships" xmlns:p="http://schemas.openxmlformats.org/presentationml/2006/main">
-  <p:cSld>
-    <p:spTree>
-      <p:nvGrpSpPr>
-        <p:cNvPr id="1" name=""/>
-        <p:cNvGrpSpPr/>
-        <p:nvPr/>
-      </p:nvGrpSpPr>
-      <p:grpSpPr>
-        <a:xfrm>
-          <a:off x="0" y="0"/>
-          <a:ext cx="0" cy="0"/>
-          <a:chOff x="0" y="0"/>
-          <a:chExt cx="0" cy="0"/>
-        </a:xfrm>
-      </p:grpSpPr>
-      <p:grpSp>
-        <p:nvGrpSpPr>
-          <p:cNvPr id="4" name="Grupo 3">
-            <a:extLst>
-              <a:ext uri="{FF2B5EF4-FFF2-40B4-BE49-F238E27FC236}">
-                <a16:creationId xmlns:a16="http://schemas.microsoft.com/office/drawing/2014/main" id="{EAC794FC-7A5F-41F3-939A-8AB441A9EB4A}"/>
-              </a:ext>
-            </a:extLst>
-          </p:cNvPr>
-          <p:cNvGrpSpPr/>
-          <p:nvPr/>
-        </p:nvGrpSpPr>
-        <p:grpSpPr>
-          <a:xfrm>
-            <a:off x="87258" y="85725"/>
-            <a:ext cx="7140856" cy="707886"/>
-            <a:chOff x="125358" y="333375"/>
-            <a:chExt cx="6494517" cy="707886"/>
-          </a:xfrm>
-        </p:grpSpPr>
-        <p:sp>
-          <p:nvSpPr>
-            <p:cNvPr id="5" name="CuadroTexto 4">
-              <a:extLst>
-                <a:ext uri="{FF2B5EF4-FFF2-40B4-BE49-F238E27FC236}">
-                  <a16:creationId xmlns:a16="http://schemas.microsoft.com/office/drawing/2014/main" id="{7A9A634B-8194-4F25-954E-D4B79C3D5A62}"/>
-                </a:ext>
-              </a:extLst>
-            </p:cNvPr>
-            <p:cNvSpPr txBox="1"/>
-            <p:nvPr/>
-          </p:nvSpPr>
-          <p:spPr>
-            <a:xfrm>
-              <a:off x="590550" y="333375"/>
-              <a:ext cx="6029325" cy="707886"/>
-            </a:xfrm>
-            <a:prstGeom prst="rect">
-              <a:avLst/>
-            </a:prstGeom>
-            <a:noFill/>
-          </p:spPr>
-          <p:txBody>
-            <a:bodyPr wrap="square" rtlCol="0">
-              <a:spAutoFit/>
-            </a:bodyPr>
-            <a:lstStyle/>
-            <a:p>
-              <a:r>
-                <a:rPr lang="en-US" sz="4000" dirty="0">
-                  <a:solidFill>
-                    <a:schemeClr val="bg1"/>
-                  </a:solidFill>
-                  <a:latin typeface="Gotham Rounded Bold" pitchFamily="50" charset="0"/>
-                </a:rPr>
-                <a:t>Git flow</a:t>
-              </a:r>
-              <a:endParaRPr lang="es-MX" sz="4000" dirty="0">
-                <a:solidFill>
-                  <a:schemeClr val="bg1"/>
-                </a:solidFill>
-                <a:latin typeface="Gotham Rounded Bold" pitchFamily="50" charset="0"/>
-              </a:endParaRPr>
-            </a:p>
-          </p:txBody>
-        </p:sp>
-        <p:sp>
-          <p:nvSpPr>
-            <p:cNvPr id="6" name="Rectángulo 5">
-              <a:extLst>
-                <a:ext uri="{FF2B5EF4-FFF2-40B4-BE49-F238E27FC236}">
-                  <a16:creationId xmlns:a16="http://schemas.microsoft.com/office/drawing/2014/main" id="{AC432A5C-BE0D-48CD-BAD5-2E055C6F1A1F}"/>
-                </a:ext>
-              </a:extLst>
-            </p:cNvPr>
-            <p:cNvSpPr/>
-            <p:nvPr/>
-          </p:nvSpPr>
-          <p:spPr>
-            <a:xfrm>
-              <a:off x="125358" y="410319"/>
-              <a:ext cx="465192" cy="553998"/>
-            </a:xfrm>
-            <a:prstGeom prst="rect">
-              <a:avLst/>
-            </a:prstGeom>
-          </p:spPr>
-          <p:txBody>
-            <a:bodyPr wrap="square">
-              <a:spAutoFit/>
-            </a:bodyPr>
-            <a:lstStyle/>
-            <a:p>
-              <a:r>
-                <a:rPr lang="es-MX" sz="3000" dirty="0">
-                  <a:solidFill>
-                    <a:schemeClr val="bg1"/>
-                  </a:solidFill>
-                  <a:latin typeface="Font Awesome 5 Free Solid" panose="02000503000000000000" pitchFamily="50" charset="0"/>
-                </a:rPr>
-                <a:t></a:t>
-              </a:r>
-            </a:p>
-          </p:txBody>
-        </p:sp>
-      </p:grpSp>
-      <p:sp>
-        <p:nvSpPr>
-          <p:cNvPr id="8" name="CuadroTexto 7">
-            <a:extLst>
-              <a:ext uri="{FF2B5EF4-FFF2-40B4-BE49-F238E27FC236}">
-                <a16:creationId xmlns:a16="http://schemas.microsoft.com/office/drawing/2014/main" id="{55D7B7EE-6C51-4D5B-B2BA-0A4B6850D3B0}"/>
-              </a:ext>
-            </a:extLst>
-          </p:cNvPr>
-          <p:cNvSpPr txBox="1"/>
-          <p:nvPr/>
-        </p:nvSpPr>
-        <p:spPr>
-          <a:xfrm flipH="1">
-            <a:off x="0" y="6457890"/>
-            <a:ext cx="1924050" cy="400110"/>
-          </a:xfrm>
-          <a:prstGeom prst="rect">
-            <a:avLst/>
-          </a:prstGeom>
-          <a:noFill/>
-        </p:spPr>
-        <p:txBody>
-          <a:bodyPr wrap="square" rtlCol="0">
-            <a:spAutoFit/>
-          </a:bodyPr>
-          <a:lstStyle/>
-          <a:p>
-            <a:r>
-              <a:rPr lang="en-US" sz="2000" dirty="0">
-                <a:solidFill>
-                  <a:schemeClr val="bg1">
-                    <a:lumMod val="95000"/>
-                  </a:schemeClr>
-                </a:solidFill>
-                <a:latin typeface="Gotham Rounded Medium" panose="02000000000000000000" pitchFamily="50" charset="0"/>
-              </a:rPr>
-              <a:t>@</a:t>
-            </a:r>
-            <a:r>
-              <a:rPr lang="en-US" sz="2000" dirty="0" err="1">
-                <a:solidFill>
-                  <a:schemeClr val="bg1">
-                    <a:lumMod val="95000"/>
-                  </a:schemeClr>
-                </a:solidFill>
-                <a:latin typeface="Gotham Rounded Medium" panose="02000000000000000000" pitchFamily="50" charset="0"/>
-              </a:rPr>
-              <a:t>luisejrobles</a:t>
-            </a:r>
-            <a:endParaRPr lang="es-MX" sz="2000" dirty="0">
-              <a:solidFill>
-                <a:schemeClr val="bg1">
-                  <a:lumMod val="95000"/>
-                </a:schemeClr>
-              </a:solidFill>
-              <a:latin typeface="Gotham Rounded Medium" panose="02000000000000000000" pitchFamily="50" charset="0"/>
-            </a:endParaRPr>
-          </a:p>
-        </p:txBody>
-      </p:sp>
-      <p:pic>
-        <p:nvPicPr>
-          <p:cNvPr id="2" name="Imagen 1">
-            <a:extLst>
-              <a:ext uri="{FF2B5EF4-FFF2-40B4-BE49-F238E27FC236}">
-                <a16:creationId xmlns:a16="http://schemas.microsoft.com/office/drawing/2014/main" id="{E215F9BD-2895-4AFD-A320-C7FF6924B96B}"/>
-              </a:ext>
-            </a:extLst>
-          </p:cNvPr>
-          <p:cNvPicPr>
-            <a:picLocks noChangeAspect="1"/>
-          </p:cNvPicPr>
-          <p:nvPr/>
-        </p:nvPicPr>
-        <p:blipFill rotWithShape="1">
-          <a:blip r:embed="rId2"/>
-          <a:srcRect t="1832"/>
-          <a:stretch/>
-        </p:blipFill>
-        <p:spPr>
-          <a:xfrm>
-            <a:off x="2533650" y="1638372"/>
-            <a:ext cx="7124700" cy="3581255"/>
-          </a:xfrm>
-          <a:prstGeom prst="rect">
-            <a:avLst/>
-          </a:prstGeom>
-        </p:spPr>
-      </p:pic>
-    </p:spTree>
-    <p:extLst>
-      <p:ext uri="{BB962C8B-B14F-4D97-AF65-F5344CB8AC3E}">
-        <p14:creationId xmlns:p14="http://schemas.microsoft.com/office/powerpoint/2010/main" val="1167741798"/>
       </p:ext>
     </p:extLst>
   </p:cSld>
@@ -12046,7 +13236,9 @@
               <a:r>
                 <a:rPr lang="en-US" sz="3500" dirty="0">
                   <a:solidFill>
-                    <a:srgbClr val="FFAD70"/>
+                    <a:schemeClr val="bg1">
+                      <a:lumMod val="95000"/>
+                    </a:schemeClr>
                   </a:solidFill>
                   <a:latin typeface="Gotham Rounded Bold" pitchFamily="50" charset="0"/>
                 </a:rPr>
@@ -12054,7 +13246,9 @@
               </a:r>
               <a:endParaRPr lang="es-MX" sz="3500" dirty="0">
                 <a:solidFill>
-                  <a:srgbClr val="FFAD70"/>
+                  <a:schemeClr val="bg1">
+                    <a:lumMod val="95000"/>
+                  </a:schemeClr>
                 </a:solidFill>
                 <a:latin typeface="Gotham Rounded Bold" pitchFamily="50" charset="0"/>
               </a:endParaRPr>
@@ -12370,6 +13564,232 @@
           </a:p>
         </p:txBody>
       </p:sp>
+      <p:pic>
+        <p:nvPicPr>
+          <p:cNvPr id="2" name="Imagen 1">
+            <a:extLst>
+              <a:ext uri="{FF2B5EF4-FFF2-40B4-BE49-F238E27FC236}">
+                <a16:creationId xmlns:a16="http://schemas.microsoft.com/office/drawing/2014/main" id="{E215F9BD-2895-4AFD-A320-C7FF6924B96B}"/>
+              </a:ext>
+            </a:extLst>
+          </p:cNvPr>
+          <p:cNvPicPr>
+            <a:picLocks noChangeAspect="1"/>
+          </p:cNvPicPr>
+          <p:nvPr/>
+        </p:nvPicPr>
+        <p:blipFill rotWithShape="1">
+          <a:blip r:embed="rId2"/>
+          <a:srcRect t="1832" b="11423"/>
+          <a:stretch/>
+        </p:blipFill>
+        <p:spPr>
+          <a:xfrm>
+            <a:off x="2533650" y="1846731"/>
+            <a:ext cx="7124700" cy="3164537"/>
+          </a:xfrm>
+          <a:prstGeom prst="rect">
+            <a:avLst/>
+          </a:prstGeom>
+        </p:spPr>
+      </p:pic>
+    </p:spTree>
+    <p:extLst>
+      <p:ext uri="{BB962C8B-B14F-4D97-AF65-F5344CB8AC3E}">
+        <p14:creationId xmlns:p14="http://schemas.microsoft.com/office/powerpoint/2010/main" val="1167741798"/>
+      </p:ext>
+    </p:extLst>
+  </p:cSld>
+  <p:clrMapOvr>
+    <a:masterClrMapping/>
+  </p:clrMapOvr>
+</p:sld>
+</file>
+
+<file path=ppt/slides/slide21.xml><?xml version="1.0" encoding="utf-8"?>
+<p:sld xmlns:a="http://schemas.openxmlformats.org/drawingml/2006/main" xmlns:r="http://schemas.openxmlformats.org/officeDocument/2006/relationships" xmlns:p="http://schemas.openxmlformats.org/presentationml/2006/main">
+  <p:cSld>
+    <p:spTree>
+      <p:nvGrpSpPr>
+        <p:cNvPr id="1" name=""/>
+        <p:cNvGrpSpPr/>
+        <p:nvPr/>
+      </p:nvGrpSpPr>
+      <p:grpSpPr>
+        <a:xfrm>
+          <a:off x="0" y="0"/>
+          <a:ext cx="0" cy="0"/>
+          <a:chOff x="0" y="0"/>
+          <a:chExt cx="0" cy="0"/>
+        </a:xfrm>
+      </p:grpSpPr>
+      <p:grpSp>
+        <p:nvGrpSpPr>
+          <p:cNvPr id="4" name="Grupo 3">
+            <a:extLst>
+              <a:ext uri="{FF2B5EF4-FFF2-40B4-BE49-F238E27FC236}">
+                <a16:creationId xmlns:a16="http://schemas.microsoft.com/office/drawing/2014/main" id="{EAC794FC-7A5F-41F3-939A-8AB441A9EB4A}"/>
+              </a:ext>
+            </a:extLst>
+          </p:cNvPr>
+          <p:cNvGrpSpPr/>
+          <p:nvPr/>
+        </p:nvGrpSpPr>
+        <p:grpSpPr>
+          <a:xfrm>
+            <a:off x="87258" y="85725"/>
+            <a:ext cx="7140856" cy="707886"/>
+            <a:chOff x="125358" y="333375"/>
+            <a:chExt cx="6494517" cy="707886"/>
+          </a:xfrm>
+        </p:grpSpPr>
+        <p:sp>
+          <p:nvSpPr>
+            <p:cNvPr id="5" name="CuadroTexto 4">
+              <a:extLst>
+                <a:ext uri="{FF2B5EF4-FFF2-40B4-BE49-F238E27FC236}">
+                  <a16:creationId xmlns:a16="http://schemas.microsoft.com/office/drawing/2014/main" id="{7A9A634B-8194-4F25-954E-D4B79C3D5A62}"/>
+                </a:ext>
+              </a:extLst>
+            </p:cNvPr>
+            <p:cNvSpPr txBox="1"/>
+            <p:nvPr/>
+          </p:nvSpPr>
+          <p:spPr>
+            <a:xfrm>
+              <a:off x="590550" y="333375"/>
+              <a:ext cx="6029325" cy="707886"/>
+            </a:xfrm>
+            <a:prstGeom prst="rect">
+              <a:avLst/>
+            </a:prstGeom>
+            <a:noFill/>
+          </p:spPr>
+          <p:txBody>
+            <a:bodyPr wrap="square" rtlCol="0">
+              <a:spAutoFit/>
+            </a:bodyPr>
+            <a:lstStyle/>
+            <a:p>
+              <a:r>
+                <a:rPr lang="en-US" sz="4000" dirty="0">
+                  <a:solidFill>
+                    <a:schemeClr val="bg1"/>
+                  </a:solidFill>
+                  <a:latin typeface="Gotham Rounded Bold" pitchFamily="50" charset="0"/>
+                </a:rPr>
+                <a:t>Git flow</a:t>
+              </a:r>
+              <a:endParaRPr lang="es-MX" sz="4000" dirty="0">
+                <a:solidFill>
+                  <a:schemeClr val="bg1"/>
+                </a:solidFill>
+                <a:latin typeface="Gotham Rounded Bold" pitchFamily="50" charset="0"/>
+              </a:endParaRPr>
+            </a:p>
+          </p:txBody>
+        </p:sp>
+        <p:sp>
+          <p:nvSpPr>
+            <p:cNvPr id="6" name="Rectángulo 5">
+              <a:extLst>
+                <a:ext uri="{FF2B5EF4-FFF2-40B4-BE49-F238E27FC236}">
+                  <a16:creationId xmlns:a16="http://schemas.microsoft.com/office/drawing/2014/main" id="{AC432A5C-BE0D-48CD-BAD5-2E055C6F1A1F}"/>
+                </a:ext>
+              </a:extLst>
+            </p:cNvPr>
+            <p:cNvSpPr/>
+            <p:nvPr/>
+          </p:nvSpPr>
+          <p:spPr>
+            <a:xfrm>
+              <a:off x="125358" y="410319"/>
+              <a:ext cx="465192" cy="553998"/>
+            </a:xfrm>
+            <a:prstGeom prst="rect">
+              <a:avLst/>
+            </a:prstGeom>
+          </p:spPr>
+          <p:txBody>
+            <a:bodyPr wrap="square">
+              <a:spAutoFit/>
+            </a:bodyPr>
+            <a:lstStyle/>
+            <a:p>
+              <a:r>
+                <a:rPr lang="es-MX" sz="3000" dirty="0">
+                  <a:solidFill>
+                    <a:schemeClr val="bg1"/>
+                  </a:solidFill>
+                  <a:latin typeface="Font Awesome 5 Free Solid" panose="02000503000000000000" pitchFamily="50" charset="0"/>
+                </a:rPr>
+                <a:t></a:t>
+              </a:r>
+            </a:p>
+          </p:txBody>
+        </p:sp>
+      </p:grpSp>
+      <p:sp>
+        <p:nvSpPr>
+          <p:cNvPr id="8" name="CuadroTexto 7">
+            <a:extLst>
+              <a:ext uri="{FF2B5EF4-FFF2-40B4-BE49-F238E27FC236}">
+                <a16:creationId xmlns:a16="http://schemas.microsoft.com/office/drawing/2014/main" id="{55D7B7EE-6C51-4D5B-B2BA-0A4B6850D3B0}"/>
+              </a:ext>
+            </a:extLst>
+          </p:cNvPr>
+          <p:cNvSpPr txBox="1"/>
+          <p:nvPr/>
+        </p:nvSpPr>
+        <p:spPr>
+          <a:xfrm flipH="1">
+            <a:off x="0" y="6457890"/>
+            <a:ext cx="1924050" cy="400110"/>
+          </a:xfrm>
+          <a:prstGeom prst="rect">
+            <a:avLst/>
+          </a:prstGeom>
+          <a:noFill/>
+        </p:spPr>
+        <p:txBody>
+          <a:bodyPr wrap="square" rtlCol="0">
+            <a:spAutoFit/>
+          </a:bodyPr>
+          <a:lstStyle/>
+          <a:p>
+            <a:r>
+              <a:rPr lang="en-US" sz="2000" dirty="0">
+                <a:solidFill>
+                  <a:schemeClr val="bg1">
+                    <a:lumMod val="95000"/>
+                  </a:schemeClr>
+                </a:solidFill>
+                <a:latin typeface="Gotham Rounded Medium" panose="02000000000000000000" pitchFamily="50" charset="0"/>
+              </a:rPr>
+              <a:t>@</a:t>
+            </a:r>
+            <a:r>
+              <a:rPr lang="en-US" sz="2000" dirty="0" err="1">
+                <a:solidFill>
+                  <a:schemeClr val="bg1">
+                    <a:lumMod val="95000"/>
+                  </a:schemeClr>
+                </a:solidFill>
+                <a:latin typeface="Gotham Rounded Medium" panose="02000000000000000000" pitchFamily="50" charset="0"/>
+              </a:rPr>
+              <a:t>luisejrobles</a:t>
+            </a:r>
+            <a:endParaRPr lang="es-MX" sz="2000" dirty="0">
+              <a:solidFill>
+                <a:schemeClr val="bg1">
+                  <a:lumMod val="95000"/>
+                </a:schemeClr>
+              </a:solidFill>
+              <a:latin typeface="Gotham Rounded Medium" panose="02000000000000000000" pitchFamily="50" charset="0"/>
+            </a:endParaRPr>
+          </a:p>
+        </p:txBody>
+      </p:sp>
       <p:sp>
         <p:nvSpPr>
           <p:cNvPr id="7" name="CuadroTexto 6">
@@ -12430,10 +13850,10 @@
         </p:nvGrpSpPr>
         <p:grpSpPr>
           <a:xfrm>
-            <a:off x="840510" y="2707152"/>
-            <a:ext cx="10510980" cy="1443696"/>
-            <a:chOff x="962025" y="1398651"/>
-            <a:chExt cx="10510980" cy="1443696"/>
+            <a:off x="706583" y="2832974"/>
+            <a:ext cx="10778834" cy="1708663"/>
+            <a:chOff x="962026" y="1398651"/>
+            <a:chExt cx="10778834" cy="1708663"/>
           </a:xfrm>
         </p:grpSpPr>
         <p:sp>
@@ -12451,7 +13871,7 @@
           <p:spPr>
             <a:xfrm>
               <a:off x="962026" y="1401538"/>
-              <a:ext cx="4821380" cy="400110"/>
+              <a:ext cx="5116944" cy="400110"/>
             </a:xfrm>
             <a:prstGeom prst="rect">
               <a:avLst/>
@@ -12465,62 +13885,62 @@
             <a:lstStyle/>
             <a:p>
               <a:r>
-                <a:rPr lang="en-US" sz="2000" dirty="0" err="1">
-                  <a:solidFill>
-                    <a:srgbClr val="FF5F6D"/>
+                <a:rPr lang="en-US" sz="2000" b="1" dirty="0" err="1">
+                  <a:solidFill>
+                    <a:schemeClr val="bg1"/>
                   </a:solidFill>
                   <a:latin typeface="Gotham Rounded Medium" panose="02000000000000000000" pitchFamily="50" charset="0"/>
                 </a:rPr>
                 <a:t>Iniciando</a:t>
               </a:r>
               <a:r>
-                <a:rPr lang="en-US" sz="2000" dirty="0">
-                  <a:solidFill>
-                    <a:srgbClr val="FF5F6D"/>
+                <a:rPr lang="en-US" sz="2000" b="1" dirty="0">
+                  <a:solidFill>
+                    <a:schemeClr val="bg1"/>
                   </a:solidFill>
                   <a:latin typeface="Gotham Rounded Medium" panose="02000000000000000000" pitchFamily="50" charset="0"/>
                 </a:rPr>
                 <a:t> una </a:t>
               </a:r>
               <a:r>
-                <a:rPr lang="en-US" sz="2000" dirty="0" err="1">
-                  <a:solidFill>
-                    <a:srgbClr val="FF5F6D"/>
+                <a:rPr lang="en-US" sz="2000" b="1" dirty="0" err="1">
+                  <a:solidFill>
+                    <a:schemeClr val="bg1"/>
                   </a:solidFill>
                   <a:latin typeface="Gotham Rounded Medium" panose="02000000000000000000" pitchFamily="50" charset="0"/>
                 </a:rPr>
                 <a:t>rama</a:t>
               </a:r>
               <a:r>
-                <a:rPr lang="en-US" sz="2000" dirty="0">
-                  <a:solidFill>
-                    <a:srgbClr val="FF5F6D"/>
+                <a:rPr lang="en-US" sz="2000" b="1" dirty="0">
+                  <a:solidFill>
+                    <a:schemeClr val="bg1"/>
                   </a:solidFill>
                   <a:latin typeface="Gotham Rounded Medium" panose="02000000000000000000" pitchFamily="50" charset="0"/>
                 </a:rPr>
                 <a:t> de </a:t>
               </a:r>
               <a:r>
-                <a:rPr lang="en-US" sz="2000" dirty="0" err="1">
-                  <a:solidFill>
-                    <a:srgbClr val="FF5F6D"/>
+                <a:rPr lang="en-US" sz="2000" b="1" dirty="0" err="1">
+                  <a:solidFill>
+                    <a:schemeClr val="bg1"/>
                   </a:solidFill>
                   <a:latin typeface="Gotham Rounded Medium" panose="02000000000000000000" pitchFamily="50" charset="0"/>
                 </a:rPr>
                 <a:t>característica</a:t>
               </a:r>
               <a:r>
-                <a:rPr lang="en-US" sz="2000" dirty="0">
-                  <a:solidFill>
-                    <a:srgbClr val="FF5F6D"/>
+                <a:rPr lang="en-US" sz="2000" b="1" dirty="0">
+                  <a:solidFill>
+                    <a:schemeClr val="bg1"/>
                   </a:solidFill>
                   <a:latin typeface="Gotham Rounded Medium" panose="02000000000000000000" pitchFamily="50" charset="0"/>
                 </a:rPr>
                 <a:t> </a:t>
               </a:r>
-              <a:endParaRPr lang="es-MX" sz="2000" dirty="0">
+              <a:endParaRPr lang="es-MX" sz="2000" b="1" dirty="0">
                 <a:solidFill>
-                  <a:srgbClr val="FF5F6D"/>
+                  <a:schemeClr val="bg1"/>
                 </a:solidFill>
                 <a:latin typeface="Gotham Rounded Medium" panose="02000000000000000000" pitchFamily="50" charset="0"/>
               </a:endParaRPr>
@@ -12541,7 +13961,7 @@
           </p:nvSpPr>
           <p:spPr>
             <a:xfrm>
-              <a:off x="962025" y="1721863"/>
+              <a:off x="962026" y="1986830"/>
               <a:ext cx="4110182" cy="584775"/>
             </a:xfrm>
             <a:prstGeom prst="rect">
@@ -12615,9 +14035,9 @@
           </p:nvGrpSpPr>
           <p:grpSpPr>
             <a:xfrm>
-              <a:off x="962025" y="2306638"/>
+              <a:off x="962026" y="2571605"/>
               <a:ext cx="3934691" cy="535709"/>
-              <a:chOff x="960582" y="2990138"/>
+              <a:chOff x="960583" y="3255105"/>
               <a:chExt cx="3934691" cy="535709"/>
             </a:xfrm>
           </p:grpSpPr>
@@ -12635,7 +14055,7 @@
             </p:nvSpPr>
             <p:spPr>
               <a:xfrm>
-                <a:off x="960583" y="2990138"/>
+                <a:off x="960584" y="3255105"/>
                 <a:ext cx="3934690" cy="535709"/>
               </a:xfrm>
               <a:prstGeom prst="roundRect">
@@ -12687,7 +14107,7 @@
             </p:nvSpPr>
             <p:spPr>
               <a:xfrm>
-                <a:off x="960582" y="3073326"/>
+                <a:off x="960583" y="3338293"/>
                 <a:ext cx="3934690" cy="338554"/>
               </a:xfrm>
               <a:prstGeom prst="rect">
@@ -12735,7 +14155,7 @@
           <p:spPr>
             <a:xfrm>
               <a:off x="6356060" y="1398651"/>
-              <a:ext cx="5116945" cy="400110"/>
+              <a:ext cx="5384800" cy="400110"/>
             </a:xfrm>
             <a:prstGeom prst="rect">
               <a:avLst/>
@@ -12749,62 +14169,62 @@
             <a:lstStyle/>
             <a:p>
               <a:r>
-                <a:rPr lang="en-US" sz="2000" dirty="0" err="1">
-                  <a:solidFill>
-                    <a:srgbClr val="FFBD71"/>
+                <a:rPr lang="en-US" sz="2000" b="1" dirty="0" err="1">
+                  <a:solidFill>
+                    <a:schemeClr val="bg1"/>
                   </a:solidFill>
                   <a:latin typeface="Gotham Rounded Medium" panose="02000000000000000000" pitchFamily="50" charset="0"/>
                 </a:rPr>
                 <a:t>Finalizando</a:t>
               </a:r>
               <a:r>
-                <a:rPr lang="en-US" sz="2000" dirty="0">
-                  <a:solidFill>
-                    <a:srgbClr val="FFBD71"/>
+                <a:rPr lang="en-US" sz="2000" b="1" dirty="0">
+                  <a:solidFill>
+                    <a:schemeClr val="bg1"/>
                   </a:solidFill>
                   <a:latin typeface="Gotham Rounded Medium" panose="02000000000000000000" pitchFamily="50" charset="0"/>
                 </a:rPr>
                 <a:t> una </a:t>
               </a:r>
               <a:r>
-                <a:rPr lang="en-US" sz="2000" dirty="0" err="1">
-                  <a:solidFill>
-                    <a:srgbClr val="FFBD71"/>
+                <a:rPr lang="en-US" sz="2000" b="1" dirty="0" err="1">
+                  <a:solidFill>
+                    <a:schemeClr val="bg1"/>
                   </a:solidFill>
                   <a:latin typeface="Gotham Rounded Medium" panose="02000000000000000000" pitchFamily="50" charset="0"/>
                 </a:rPr>
                 <a:t>rama</a:t>
               </a:r>
               <a:r>
-                <a:rPr lang="en-US" sz="2000" dirty="0">
-                  <a:solidFill>
-                    <a:srgbClr val="FFBD71"/>
+                <a:rPr lang="en-US" sz="2000" b="1" dirty="0">
+                  <a:solidFill>
+                    <a:schemeClr val="bg1"/>
                   </a:solidFill>
                   <a:latin typeface="Gotham Rounded Medium" panose="02000000000000000000" pitchFamily="50" charset="0"/>
                 </a:rPr>
                 <a:t> de </a:t>
               </a:r>
               <a:r>
-                <a:rPr lang="en-US" sz="2000" dirty="0" err="1">
-                  <a:solidFill>
-                    <a:srgbClr val="FFBD71"/>
+                <a:rPr lang="en-US" sz="2000" b="1" dirty="0" err="1">
+                  <a:solidFill>
+                    <a:schemeClr val="bg1"/>
                   </a:solidFill>
                   <a:latin typeface="Gotham Rounded Medium" panose="02000000000000000000" pitchFamily="50" charset="0"/>
                 </a:rPr>
                 <a:t>característica</a:t>
               </a:r>
               <a:r>
-                <a:rPr lang="en-US" sz="2000" dirty="0">
-                  <a:solidFill>
-                    <a:srgbClr val="FFBD71"/>
+                <a:rPr lang="en-US" sz="2000" b="1" dirty="0">
+                  <a:solidFill>
+                    <a:schemeClr val="bg1"/>
                   </a:solidFill>
                   <a:latin typeface="Gotham Rounded Medium" panose="02000000000000000000" pitchFamily="50" charset="0"/>
                 </a:rPr>
                 <a:t> </a:t>
               </a:r>
-              <a:endParaRPr lang="es-MX" sz="2000" dirty="0">
+              <a:endParaRPr lang="es-MX" sz="2000" b="1" dirty="0">
                 <a:solidFill>
-                  <a:srgbClr val="FFBD71"/>
+                  <a:schemeClr val="bg1"/>
                 </a:solidFill>
                 <a:latin typeface="Gotham Rounded Medium" panose="02000000000000000000" pitchFamily="50" charset="0"/>
               </a:endParaRPr>
@@ -12825,7 +14245,7 @@
           </p:nvSpPr>
           <p:spPr>
             <a:xfrm>
-              <a:off x="6356060" y="1718976"/>
+              <a:off x="6356060" y="1986830"/>
               <a:ext cx="4110182" cy="584775"/>
             </a:xfrm>
             <a:prstGeom prst="rect">
@@ -12888,9 +14308,9 @@
           </p:nvGrpSpPr>
           <p:grpSpPr>
             <a:xfrm>
-              <a:off x="6356060" y="2303751"/>
+              <a:off x="6356060" y="2571605"/>
               <a:ext cx="3999347" cy="535709"/>
-              <a:chOff x="960582" y="2990138"/>
+              <a:chOff x="960582" y="3257992"/>
               <a:chExt cx="3999347" cy="535709"/>
             </a:xfrm>
           </p:grpSpPr>
@@ -12908,7 +14328,7 @@
             </p:nvSpPr>
             <p:spPr>
               <a:xfrm>
-                <a:off x="960583" y="2990138"/>
+                <a:off x="960583" y="3257992"/>
                 <a:ext cx="3934690" cy="535709"/>
               </a:xfrm>
               <a:prstGeom prst="roundRect">
@@ -12960,7 +14380,7 @@
             </p:nvSpPr>
             <p:spPr>
               <a:xfrm>
-                <a:off x="960582" y="3073326"/>
+                <a:off x="960582" y="3341180"/>
                 <a:ext cx="3999347" cy="338554"/>
               </a:xfrm>
               <a:prstGeom prst="rect">
@@ -13007,7 +14427,7 @@
 </p:sld>
 </file>
 
-<file path=ppt/slides/slide21.xml><?xml version="1.0" encoding="utf-8"?>
+<file path=ppt/slides/slide22.xml><?xml version="1.0" encoding="utf-8"?>
 <p:sld xmlns:a="http://schemas.openxmlformats.org/drawingml/2006/main" xmlns:r="http://schemas.openxmlformats.org/officeDocument/2006/relationships" xmlns:p="http://schemas.openxmlformats.org/presentationml/2006/main">
   <p:cSld>
     <p:spTree>
@@ -13251,10 +14671,10 @@
         </p:nvGrpSpPr>
         <p:grpSpPr>
           <a:xfrm>
-            <a:off x="1343891" y="2707152"/>
-            <a:ext cx="9504217" cy="1865585"/>
+            <a:off x="1343891" y="2324372"/>
+            <a:ext cx="9504217" cy="1784479"/>
             <a:chOff x="962025" y="3657529"/>
-            <a:chExt cx="9504217" cy="1865585"/>
+            <a:chExt cx="9504217" cy="1784479"/>
           </a:xfrm>
         </p:grpSpPr>
         <p:sp>
@@ -13271,8 +14691,8 @@
           </p:nvSpPr>
           <p:spPr>
             <a:xfrm>
-              <a:off x="962026" y="3660416"/>
-              <a:ext cx="3646920" cy="400110"/>
+              <a:off x="962025" y="3660416"/>
+              <a:ext cx="3934691" cy="400110"/>
             </a:xfrm>
             <a:prstGeom prst="rect">
               <a:avLst/>
@@ -13286,44 +14706,44 @@
             <a:lstStyle/>
             <a:p>
               <a:r>
-                <a:rPr lang="en-US" sz="2000" dirty="0" err="1">
-                  <a:solidFill>
-                    <a:srgbClr val="FF5F6D"/>
+                <a:rPr lang="en-US" sz="2000" b="1" dirty="0" err="1">
+                  <a:solidFill>
+                    <a:schemeClr val="bg1"/>
                   </a:solidFill>
                   <a:latin typeface="Gotham Rounded Medium" panose="02000000000000000000" pitchFamily="50" charset="0"/>
                 </a:rPr>
                 <a:t>Iniciando</a:t>
               </a:r>
               <a:r>
-                <a:rPr lang="en-US" sz="2000" dirty="0">
-                  <a:solidFill>
-                    <a:srgbClr val="FF5F6D"/>
+                <a:rPr lang="en-US" sz="2000" b="1" dirty="0">
+                  <a:solidFill>
+                    <a:schemeClr val="bg1"/>
                   </a:solidFill>
                   <a:latin typeface="Gotham Rounded Medium" panose="02000000000000000000" pitchFamily="50" charset="0"/>
                 </a:rPr>
                 <a:t> una </a:t>
               </a:r>
               <a:r>
-                <a:rPr lang="en-US" sz="2000" dirty="0" err="1">
-                  <a:solidFill>
-                    <a:srgbClr val="FF5F6D"/>
+                <a:rPr lang="en-US" sz="2000" b="1" dirty="0" err="1">
+                  <a:solidFill>
+                    <a:schemeClr val="bg1"/>
                   </a:solidFill>
                   <a:latin typeface="Gotham Rounded Medium" panose="02000000000000000000" pitchFamily="50" charset="0"/>
                 </a:rPr>
                 <a:t>rama</a:t>
               </a:r>
               <a:r>
-                <a:rPr lang="en-US" sz="2000" dirty="0">
-                  <a:solidFill>
-                    <a:srgbClr val="FF5F6D"/>
+                <a:rPr lang="en-US" sz="2000" b="1" dirty="0">
+                  <a:solidFill>
+                    <a:schemeClr val="bg1"/>
                   </a:solidFill>
                   <a:latin typeface="Gotham Rounded Medium" panose="02000000000000000000" pitchFamily="50" charset="0"/>
                 </a:rPr>
                 <a:t> release </a:t>
               </a:r>
-              <a:endParaRPr lang="es-MX" sz="2000" dirty="0">
+              <a:endParaRPr lang="es-MX" sz="2000" b="1" dirty="0">
                 <a:solidFill>
-                  <a:srgbClr val="FF5F6D"/>
+                  <a:schemeClr val="bg1"/>
                 </a:solidFill>
                 <a:latin typeface="Gotham Rounded Medium" panose="02000000000000000000" pitchFamily="50" charset="0"/>
               </a:endParaRPr>
@@ -13344,7 +14764,7 @@
           </p:nvSpPr>
           <p:spPr>
             <a:xfrm>
-              <a:off x="962025" y="3980741"/>
+              <a:off x="962026" y="4321524"/>
               <a:ext cx="4110182" cy="584775"/>
             </a:xfrm>
             <a:prstGeom prst="rect">
@@ -13407,9 +14827,9 @@
           </p:nvGrpSpPr>
           <p:grpSpPr>
             <a:xfrm>
-              <a:off x="962025" y="4565516"/>
+              <a:off x="962026" y="4906299"/>
               <a:ext cx="2830945" cy="535709"/>
-              <a:chOff x="960582" y="2990138"/>
+              <a:chOff x="960583" y="3330921"/>
               <a:chExt cx="2830945" cy="535709"/>
             </a:xfrm>
           </p:grpSpPr>
@@ -13427,7 +14847,7 @@
             </p:nvSpPr>
             <p:spPr>
               <a:xfrm>
-                <a:off x="960583" y="2990138"/>
+                <a:off x="960584" y="3330921"/>
                 <a:ext cx="2830944" cy="535709"/>
               </a:xfrm>
               <a:prstGeom prst="roundRect">
@@ -13479,7 +14899,7 @@
             </p:nvSpPr>
             <p:spPr>
               <a:xfrm>
-                <a:off x="960582" y="3073326"/>
+                <a:off x="960583" y="3414109"/>
                 <a:ext cx="2830945" cy="338554"/>
               </a:xfrm>
               <a:prstGeom prst="rect">
@@ -13527,7 +14947,7 @@
           <p:spPr>
             <a:xfrm>
               <a:off x="6356060" y="3657529"/>
-              <a:ext cx="3934691" cy="400110"/>
+              <a:ext cx="4110182" cy="400110"/>
             </a:xfrm>
             <a:prstGeom prst="rect">
               <a:avLst/>
@@ -13541,44 +14961,44 @@
             <a:lstStyle/>
             <a:p>
               <a:r>
-                <a:rPr lang="en-US" sz="2000" dirty="0" err="1">
-                  <a:solidFill>
-                    <a:srgbClr val="FFBD71"/>
+                <a:rPr lang="en-US" sz="2000" b="1" dirty="0" err="1">
+                  <a:solidFill>
+                    <a:schemeClr val="bg1"/>
                   </a:solidFill>
                   <a:latin typeface="Gotham Rounded Medium" panose="02000000000000000000" pitchFamily="50" charset="0"/>
                 </a:rPr>
                 <a:t>Finalizando</a:t>
               </a:r>
               <a:r>
-                <a:rPr lang="en-US" sz="2000" dirty="0">
-                  <a:solidFill>
-                    <a:srgbClr val="FFBD71"/>
+                <a:rPr lang="en-US" sz="2000" b="1" dirty="0">
+                  <a:solidFill>
+                    <a:schemeClr val="bg1"/>
                   </a:solidFill>
                   <a:latin typeface="Gotham Rounded Medium" panose="02000000000000000000" pitchFamily="50" charset="0"/>
                 </a:rPr>
                 <a:t> una </a:t>
               </a:r>
               <a:r>
-                <a:rPr lang="en-US" sz="2000" dirty="0" err="1">
-                  <a:solidFill>
-                    <a:srgbClr val="FFBD71"/>
+                <a:rPr lang="en-US" sz="2000" b="1" dirty="0" err="1">
+                  <a:solidFill>
+                    <a:schemeClr val="bg1"/>
                   </a:solidFill>
                   <a:latin typeface="Gotham Rounded Medium" panose="02000000000000000000" pitchFamily="50" charset="0"/>
                 </a:rPr>
                 <a:t>rama</a:t>
               </a:r>
               <a:r>
-                <a:rPr lang="en-US" sz="2000" dirty="0">
-                  <a:solidFill>
-                    <a:srgbClr val="FFBD71"/>
+                <a:rPr lang="en-US" sz="2000" b="1" dirty="0">
+                  <a:solidFill>
+                    <a:schemeClr val="bg1"/>
                   </a:solidFill>
                   <a:latin typeface="Gotham Rounded Medium" panose="02000000000000000000" pitchFamily="50" charset="0"/>
                 </a:rPr>
                 <a:t> release</a:t>
               </a:r>
-              <a:endParaRPr lang="es-MX" sz="2000" dirty="0">
+              <a:endParaRPr lang="es-MX" sz="2000" b="1" dirty="0">
                 <a:solidFill>
-                  <a:srgbClr val="FFBD71"/>
+                  <a:schemeClr val="bg1"/>
                 </a:solidFill>
                 <a:latin typeface="Gotham Rounded Medium" panose="02000000000000000000" pitchFamily="50" charset="0"/>
               </a:endParaRPr>
@@ -13599,7 +15019,7 @@
           </p:nvSpPr>
           <p:spPr>
             <a:xfrm>
-              <a:off x="6356060" y="3977854"/>
+              <a:off x="6356060" y="4321524"/>
               <a:ext cx="4110182" cy="584775"/>
             </a:xfrm>
             <a:prstGeom prst="rect">
@@ -13662,10 +15082,10 @@
           </p:nvGrpSpPr>
           <p:grpSpPr>
             <a:xfrm>
-              <a:off x="6356060" y="4608929"/>
-              <a:ext cx="3528818" cy="914185"/>
-              <a:chOff x="960582" y="3036438"/>
-              <a:chExt cx="3528818" cy="914185"/>
+              <a:off x="6356060" y="4925478"/>
+              <a:ext cx="3528817" cy="489409"/>
+              <a:chOff x="960582" y="3352987"/>
+              <a:chExt cx="3528817" cy="489409"/>
             </a:xfrm>
           </p:grpSpPr>
           <p:sp>
@@ -13682,8 +15102,8 @@
             </p:nvSpPr>
             <p:spPr>
               <a:xfrm>
-                <a:off x="960583" y="3036438"/>
-                <a:ext cx="3528817" cy="914185"/>
+                <a:off x="960582" y="3352987"/>
+                <a:ext cx="3528817" cy="489409"/>
               </a:xfrm>
               <a:prstGeom prst="roundRect">
                 <a:avLst/>
@@ -13734,8 +15154,8 @@
             </p:nvSpPr>
             <p:spPr>
               <a:xfrm>
-                <a:off x="960582" y="3073326"/>
-                <a:ext cx="3528817" cy="830997"/>
+                <a:off x="960583" y="3428415"/>
+                <a:ext cx="2904837" cy="338554"/>
               </a:xfrm>
               <a:prstGeom prst="rect">
                 <a:avLst/>
@@ -13747,28 +15167,6 @@
                 <a:spAutoFit/>
               </a:bodyPr>
               <a:lstStyle/>
-              <a:p>
-                <a:r>
-                  <a:rPr lang="en-US" sz="1600" dirty="0">
-                    <a:solidFill>
-                      <a:srgbClr val="FF776E"/>
-                    </a:solidFill>
-                    <a:latin typeface="Gotham Rounded Medium" panose="02000000000000000000" pitchFamily="50" charset="0"/>
-                  </a:rPr>
-                  <a:t>git checkout master </a:t>
-                </a:r>
-              </a:p>
-              <a:p>
-                <a:r>
-                  <a:rPr lang="en-US" sz="1600" dirty="0">
-                    <a:solidFill>
-                      <a:srgbClr val="FF776E"/>
-                    </a:solidFill>
-                    <a:latin typeface="Gotham Rounded Medium" panose="02000000000000000000" pitchFamily="50" charset="0"/>
-                  </a:rPr>
-                  <a:t>git checkout merge release/0.1.0</a:t>
-                </a:r>
-              </a:p>
               <a:p>
                 <a:r>
                   <a:rPr lang="en-US" sz="1600" dirty="0">
@@ -13803,7 +15201,7 @@
 </p:sld>
 </file>
 
-<file path=ppt/slides/slide22.xml><?xml version="1.0" encoding="utf-8"?>
+<file path=ppt/slides/slide23.xml><?xml version="1.0" encoding="utf-8"?>
 <p:sld xmlns:a="http://schemas.openxmlformats.org/drawingml/2006/main" xmlns:r="http://schemas.openxmlformats.org/officeDocument/2006/relationships" xmlns:p="http://schemas.openxmlformats.org/presentationml/2006/main">
   <p:cSld>
     <p:spTree>
@@ -14047,10 +15445,10 @@
         </p:nvGrpSpPr>
         <p:grpSpPr>
           <a:xfrm>
-            <a:off x="1343891" y="2707152"/>
-            <a:ext cx="9504217" cy="2186117"/>
-            <a:chOff x="962025" y="3657529"/>
-            <a:chExt cx="9504217" cy="2186117"/>
+            <a:off x="1304636" y="2334998"/>
+            <a:ext cx="9582728" cy="2581505"/>
+            <a:chOff x="962024" y="3657529"/>
+            <a:chExt cx="9582728" cy="2581505"/>
           </a:xfrm>
         </p:grpSpPr>
         <p:sp>
@@ -14082,44 +15480,44 @@
             <a:lstStyle/>
             <a:p>
               <a:r>
-                <a:rPr lang="en-US" sz="2000" dirty="0" err="1">
-                  <a:solidFill>
-                    <a:srgbClr val="FF5F6D"/>
+                <a:rPr lang="en-US" sz="2000" b="1" dirty="0" err="1">
+                  <a:solidFill>
+                    <a:schemeClr val="bg1"/>
                   </a:solidFill>
                   <a:latin typeface="Gotham Rounded Medium" panose="02000000000000000000" pitchFamily="50" charset="0"/>
                 </a:rPr>
                 <a:t>Iniciando</a:t>
               </a:r>
               <a:r>
-                <a:rPr lang="en-US" sz="2000" dirty="0">
-                  <a:solidFill>
-                    <a:srgbClr val="FF5F6D"/>
+                <a:rPr lang="en-US" sz="2000" b="1" dirty="0">
+                  <a:solidFill>
+                    <a:schemeClr val="bg1"/>
                   </a:solidFill>
                   <a:latin typeface="Gotham Rounded Medium" panose="02000000000000000000" pitchFamily="50" charset="0"/>
                 </a:rPr>
                 <a:t> una </a:t>
               </a:r>
               <a:r>
-                <a:rPr lang="en-US" sz="2000" dirty="0" err="1">
-                  <a:solidFill>
-                    <a:srgbClr val="FF5F6D"/>
+                <a:rPr lang="en-US" sz="2000" b="1" dirty="0" err="1">
+                  <a:solidFill>
+                    <a:schemeClr val="bg1"/>
                   </a:solidFill>
                   <a:latin typeface="Gotham Rounded Medium" panose="02000000000000000000" pitchFamily="50" charset="0"/>
                 </a:rPr>
                 <a:t>rama</a:t>
               </a:r>
               <a:r>
-                <a:rPr lang="en-US" sz="2000" dirty="0">
-                  <a:solidFill>
-                    <a:srgbClr val="FF5F6D"/>
+                <a:rPr lang="en-US" sz="2000" b="1" dirty="0">
+                  <a:solidFill>
+                    <a:schemeClr val="bg1"/>
                   </a:solidFill>
                   <a:latin typeface="Gotham Rounded Medium" panose="02000000000000000000" pitchFamily="50" charset="0"/>
                 </a:rPr>
                 <a:t> hotfix</a:t>
               </a:r>
-              <a:endParaRPr lang="es-MX" sz="2000" dirty="0">
+              <a:endParaRPr lang="es-MX" sz="2000" b="1" dirty="0">
                 <a:solidFill>
-                  <a:srgbClr val="FF5F6D"/>
+                  <a:schemeClr val="bg1"/>
                 </a:solidFill>
                 <a:latin typeface="Gotham Rounded Medium" panose="02000000000000000000" pitchFamily="50" charset="0"/>
               </a:endParaRPr>
@@ -14140,7 +15538,7 @@
           </p:nvSpPr>
           <p:spPr>
             <a:xfrm>
-              <a:off x="962025" y="3980741"/>
+              <a:off x="962024" y="4376129"/>
               <a:ext cx="4110182" cy="584775"/>
             </a:xfrm>
             <a:prstGeom prst="rect">
@@ -14214,9 +15612,9 @@
           </p:nvGrpSpPr>
           <p:grpSpPr>
             <a:xfrm>
-              <a:off x="962025" y="4565516"/>
+              <a:off x="962024" y="4960904"/>
               <a:ext cx="3646921" cy="535709"/>
-              <a:chOff x="960582" y="2990138"/>
+              <a:chOff x="960581" y="3385526"/>
               <a:chExt cx="3646921" cy="535709"/>
             </a:xfrm>
           </p:grpSpPr>
@@ -14234,7 +15632,7 @@
             </p:nvSpPr>
             <p:spPr>
               <a:xfrm>
-                <a:off x="960583" y="2990138"/>
+                <a:off x="960582" y="3385526"/>
                 <a:ext cx="3646920" cy="535709"/>
               </a:xfrm>
               <a:prstGeom prst="roundRect">
@@ -14286,7 +15684,7 @@
             </p:nvSpPr>
             <p:spPr>
               <a:xfrm>
-                <a:off x="960582" y="3088715"/>
+                <a:off x="960581" y="3484103"/>
                 <a:ext cx="3646921" cy="338554"/>
               </a:xfrm>
               <a:prstGeom prst="rect">
@@ -14343,7 +15741,7 @@
           <p:spPr>
             <a:xfrm>
               <a:off x="6356060" y="3657529"/>
-              <a:ext cx="3934691" cy="400110"/>
+              <a:ext cx="4188692" cy="400110"/>
             </a:xfrm>
             <a:prstGeom prst="rect">
               <a:avLst/>
@@ -14357,44 +15755,44 @@
             <a:lstStyle/>
             <a:p>
               <a:r>
-                <a:rPr lang="en-US" sz="2000" dirty="0" err="1">
-                  <a:solidFill>
-                    <a:srgbClr val="FFBD71"/>
+                <a:rPr lang="en-US" sz="2000" b="1" dirty="0" err="1">
+                  <a:solidFill>
+                    <a:schemeClr val="bg1"/>
                   </a:solidFill>
                   <a:latin typeface="Gotham Rounded Medium" panose="02000000000000000000" pitchFamily="50" charset="0"/>
                 </a:rPr>
                 <a:t>Finalizando</a:t>
               </a:r>
               <a:r>
-                <a:rPr lang="en-US" sz="2000" dirty="0">
-                  <a:solidFill>
-                    <a:srgbClr val="FFBD71"/>
+                <a:rPr lang="en-US" sz="2000" b="1" dirty="0">
+                  <a:solidFill>
+                    <a:schemeClr val="bg1"/>
                   </a:solidFill>
                   <a:latin typeface="Gotham Rounded Medium" panose="02000000000000000000" pitchFamily="50" charset="0"/>
                 </a:rPr>
                 <a:t> una </a:t>
               </a:r>
               <a:r>
-                <a:rPr lang="en-US" sz="2000" dirty="0" err="1">
-                  <a:solidFill>
-                    <a:srgbClr val="FFBD71"/>
+                <a:rPr lang="en-US" sz="2000" b="1" dirty="0" err="1">
+                  <a:solidFill>
+                    <a:schemeClr val="bg1"/>
                   </a:solidFill>
                   <a:latin typeface="Gotham Rounded Medium" panose="02000000000000000000" pitchFamily="50" charset="0"/>
                 </a:rPr>
                 <a:t>rama</a:t>
               </a:r>
               <a:r>
-                <a:rPr lang="en-US" sz="2000" dirty="0">
-                  <a:solidFill>
-                    <a:srgbClr val="FFBD71"/>
+                <a:rPr lang="en-US" sz="2000" b="1" dirty="0">
+                  <a:solidFill>
+                    <a:schemeClr val="bg1"/>
                   </a:solidFill>
                   <a:latin typeface="Gotham Rounded Medium" panose="02000000000000000000" pitchFamily="50" charset="0"/>
                 </a:rPr>
-                <a:t> release</a:t>
-              </a:r>
-              <a:endParaRPr lang="es-MX" sz="2000" dirty="0">
+                <a:t> hotfix</a:t>
+              </a:r>
+              <a:endParaRPr lang="es-MX" sz="2000" b="1" dirty="0">
                 <a:solidFill>
-                  <a:srgbClr val="FFBD71"/>
+                  <a:schemeClr val="bg1"/>
                 </a:solidFill>
                 <a:latin typeface="Gotham Rounded Medium" panose="02000000000000000000" pitchFamily="50" charset="0"/>
               </a:endParaRPr>
@@ -14415,7 +15813,7 @@
           </p:nvSpPr>
           <p:spPr>
             <a:xfrm>
-              <a:off x="6356060" y="3977854"/>
+              <a:off x="6356059" y="4373242"/>
               <a:ext cx="4110182" cy="1323439"/>
             </a:xfrm>
             <a:prstGeom prst="rect">
@@ -14566,9 +15964,9 @@
           </p:nvGrpSpPr>
           <p:grpSpPr>
             <a:xfrm>
-              <a:off x="6356060" y="5307937"/>
+              <a:off x="6356059" y="5703325"/>
               <a:ext cx="3737163" cy="535709"/>
-              <a:chOff x="960582" y="3735446"/>
+              <a:chOff x="960581" y="4130834"/>
               <a:chExt cx="3737163" cy="535709"/>
             </a:xfrm>
           </p:grpSpPr>
@@ -14586,7 +15984,7 @@
             </p:nvSpPr>
             <p:spPr>
               <a:xfrm>
-                <a:off x="960583" y="3735446"/>
+                <a:off x="960582" y="4130834"/>
                 <a:ext cx="3737162" cy="535709"/>
               </a:xfrm>
               <a:prstGeom prst="roundRect">
@@ -14638,7 +16036,7 @@
             </p:nvSpPr>
             <p:spPr>
               <a:xfrm>
-                <a:off x="960582" y="3818633"/>
+                <a:off x="960581" y="4214021"/>
                 <a:ext cx="3737163" cy="351171"/>
               </a:xfrm>
               <a:prstGeom prst="rect">
@@ -14694,7 +16092,2651 @@
 </p:sld>
 </file>
 
-<file path=ppt/slides/slide23.xml><?xml version="1.0" encoding="utf-8"?>
+<file path=ppt/slides/slide24.xml><?xml version="1.0" encoding="utf-8"?>
+<p:sld xmlns:a="http://schemas.openxmlformats.org/drawingml/2006/main" xmlns:r="http://schemas.openxmlformats.org/officeDocument/2006/relationships" xmlns:p="http://schemas.openxmlformats.org/presentationml/2006/main">
+  <p:cSld>
+    <p:spTree>
+      <p:nvGrpSpPr>
+        <p:cNvPr id="1" name=""/>
+        <p:cNvGrpSpPr/>
+        <p:nvPr/>
+      </p:nvGrpSpPr>
+      <p:grpSpPr>
+        <a:xfrm>
+          <a:off x="0" y="0"/>
+          <a:ext cx="0" cy="0"/>
+          <a:chOff x="0" y="0"/>
+          <a:chExt cx="0" cy="0"/>
+        </a:xfrm>
+      </p:grpSpPr>
+      <p:grpSp>
+        <p:nvGrpSpPr>
+          <p:cNvPr id="4" name="Grupo 3">
+            <a:extLst>
+              <a:ext uri="{FF2B5EF4-FFF2-40B4-BE49-F238E27FC236}">
+                <a16:creationId xmlns:a16="http://schemas.microsoft.com/office/drawing/2014/main" id="{EAC794FC-7A5F-41F3-939A-8AB441A9EB4A}"/>
+              </a:ext>
+            </a:extLst>
+          </p:cNvPr>
+          <p:cNvGrpSpPr/>
+          <p:nvPr/>
+        </p:nvGrpSpPr>
+        <p:grpSpPr>
+          <a:xfrm>
+            <a:off x="87258" y="85725"/>
+            <a:ext cx="7140856" cy="707886"/>
+            <a:chOff x="125358" y="333375"/>
+            <a:chExt cx="6494517" cy="707886"/>
+          </a:xfrm>
+        </p:grpSpPr>
+        <p:sp>
+          <p:nvSpPr>
+            <p:cNvPr id="5" name="CuadroTexto 4">
+              <a:extLst>
+                <a:ext uri="{FF2B5EF4-FFF2-40B4-BE49-F238E27FC236}">
+                  <a16:creationId xmlns:a16="http://schemas.microsoft.com/office/drawing/2014/main" id="{7A9A634B-8194-4F25-954E-D4B79C3D5A62}"/>
+                </a:ext>
+              </a:extLst>
+            </p:cNvPr>
+            <p:cNvSpPr txBox="1"/>
+            <p:nvPr/>
+          </p:nvSpPr>
+          <p:spPr>
+            <a:xfrm>
+              <a:off x="590550" y="333375"/>
+              <a:ext cx="6029325" cy="707886"/>
+            </a:xfrm>
+            <a:prstGeom prst="rect">
+              <a:avLst/>
+            </a:prstGeom>
+            <a:noFill/>
+          </p:spPr>
+          <p:txBody>
+            <a:bodyPr wrap="square" rtlCol="0">
+              <a:spAutoFit/>
+            </a:bodyPr>
+            <a:lstStyle/>
+            <a:p>
+              <a:r>
+                <a:rPr lang="en-US" sz="4000" dirty="0">
+                  <a:solidFill>
+                    <a:schemeClr val="bg1"/>
+                  </a:solidFill>
+                  <a:latin typeface="Gotham Rounded Bold" pitchFamily="50" charset="0"/>
+                </a:rPr>
+                <a:t>Git flow</a:t>
+              </a:r>
+              <a:endParaRPr lang="es-MX" sz="4000" dirty="0">
+                <a:solidFill>
+                  <a:schemeClr val="bg1"/>
+                </a:solidFill>
+                <a:latin typeface="Gotham Rounded Bold" pitchFamily="50" charset="0"/>
+              </a:endParaRPr>
+            </a:p>
+          </p:txBody>
+        </p:sp>
+        <p:sp>
+          <p:nvSpPr>
+            <p:cNvPr id="6" name="Rectángulo 5">
+              <a:extLst>
+                <a:ext uri="{FF2B5EF4-FFF2-40B4-BE49-F238E27FC236}">
+                  <a16:creationId xmlns:a16="http://schemas.microsoft.com/office/drawing/2014/main" id="{AC432A5C-BE0D-48CD-BAD5-2E055C6F1A1F}"/>
+                </a:ext>
+              </a:extLst>
+            </p:cNvPr>
+            <p:cNvSpPr/>
+            <p:nvPr/>
+          </p:nvSpPr>
+          <p:spPr>
+            <a:xfrm>
+              <a:off x="125358" y="410319"/>
+              <a:ext cx="465192" cy="553998"/>
+            </a:xfrm>
+            <a:prstGeom prst="rect">
+              <a:avLst/>
+            </a:prstGeom>
+          </p:spPr>
+          <p:txBody>
+            <a:bodyPr wrap="square">
+              <a:spAutoFit/>
+            </a:bodyPr>
+            <a:lstStyle/>
+            <a:p>
+              <a:r>
+                <a:rPr lang="es-MX" sz="3000" dirty="0">
+                  <a:solidFill>
+                    <a:schemeClr val="bg1"/>
+                  </a:solidFill>
+                  <a:latin typeface="Font Awesome 5 Free Solid" panose="02000503000000000000" pitchFamily="50" charset="0"/>
+                </a:rPr>
+                <a:t></a:t>
+              </a:r>
+            </a:p>
+          </p:txBody>
+        </p:sp>
+      </p:grpSp>
+      <p:sp>
+        <p:nvSpPr>
+          <p:cNvPr id="8" name="CuadroTexto 7">
+            <a:extLst>
+              <a:ext uri="{FF2B5EF4-FFF2-40B4-BE49-F238E27FC236}">
+                <a16:creationId xmlns:a16="http://schemas.microsoft.com/office/drawing/2014/main" id="{55D7B7EE-6C51-4D5B-B2BA-0A4B6850D3B0}"/>
+              </a:ext>
+            </a:extLst>
+          </p:cNvPr>
+          <p:cNvSpPr txBox="1"/>
+          <p:nvPr/>
+        </p:nvSpPr>
+        <p:spPr>
+          <a:xfrm flipH="1">
+            <a:off x="0" y="6457890"/>
+            <a:ext cx="1924050" cy="400110"/>
+          </a:xfrm>
+          <a:prstGeom prst="rect">
+            <a:avLst/>
+          </a:prstGeom>
+          <a:noFill/>
+        </p:spPr>
+        <p:txBody>
+          <a:bodyPr wrap="square" rtlCol="0">
+            <a:spAutoFit/>
+          </a:bodyPr>
+          <a:lstStyle/>
+          <a:p>
+            <a:r>
+              <a:rPr lang="en-US" sz="2000" dirty="0">
+                <a:solidFill>
+                  <a:schemeClr val="bg1">
+                    <a:lumMod val="95000"/>
+                  </a:schemeClr>
+                </a:solidFill>
+                <a:latin typeface="Gotham Rounded Medium" panose="02000000000000000000" pitchFamily="50" charset="0"/>
+              </a:rPr>
+              <a:t>@</a:t>
+            </a:r>
+            <a:r>
+              <a:rPr lang="en-US" sz="2000" dirty="0" err="1">
+                <a:solidFill>
+                  <a:schemeClr val="bg1">
+                    <a:lumMod val="95000"/>
+                  </a:schemeClr>
+                </a:solidFill>
+                <a:latin typeface="Gotham Rounded Medium" panose="02000000000000000000" pitchFamily="50" charset="0"/>
+              </a:rPr>
+              <a:t>luisejrobles</a:t>
+            </a:r>
+            <a:endParaRPr lang="es-MX" sz="2000" dirty="0">
+              <a:solidFill>
+                <a:schemeClr val="bg1">
+                  <a:lumMod val="95000"/>
+                </a:schemeClr>
+              </a:solidFill>
+              <a:latin typeface="Gotham Rounded Medium" panose="02000000000000000000" pitchFamily="50" charset="0"/>
+            </a:endParaRPr>
+          </a:p>
+        </p:txBody>
+      </p:sp>
+      <p:sp>
+        <p:nvSpPr>
+          <p:cNvPr id="14" name="CuadroTexto 13">
+            <a:extLst>
+              <a:ext uri="{FF2B5EF4-FFF2-40B4-BE49-F238E27FC236}">
+                <a16:creationId xmlns:a16="http://schemas.microsoft.com/office/drawing/2014/main" id="{6BD0EAB2-9434-4D79-9287-916DA4E9DBC1}"/>
+              </a:ext>
+            </a:extLst>
+          </p:cNvPr>
+          <p:cNvSpPr txBox="1"/>
+          <p:nvPr/>
+        </p:nvSpPr>
+        <p:spPr>
+          <a:xfrm>
+            <a:off x="451773" y="2228671"/>
+            <a:ext cx="11288453" cy="2400657"/>
+          </a:xfrm>
+          <a:prstGeom prst="rect">
+            <a:avLst/>
+          </a:prstGeom>
+          <a:noFill/>
+        </p:spPr>
+        <p:txBody>
+          <a:bodyPr wrap="square" rtlCol="0">
+            <a:spAutoFit/>
+          </a:bodyPr>
+          <a:lstStyle/>
+          <a:p>
+            <a:pPr algn="ctr"/>
+            <a:r>
+              <a:rPr lang="en-US" sz="15000" dirty="0" err="1">
+                <a:solidFill>
+                  <a:schemeClr val="bg1"/>
+                </a:solidFill>
+                <a:latin typeface="Gotham Rounded Bold" pitchFamily="50" charset="0"/>
+              </a:rPr>
+              <a:t>mío</a:t>
+            </a:r>
+            <a:endParaRPr lang="es-MX" sz="15000" dirty="0">
+              <a:solidFill>
+                <a:schemeClr val="bg1"/>
+              </a:solidFill>
+              <a:latin typeface="Gotham Rounded Bold" pitchFamily="50" charset="0"/>
+            </a:endParaRPr>
+          </a:p>
+        </p:txBody>
+      </p:sp>
+    </p:spTree>
+    <p:extLst>
+      <p:ext uri="{BB962C8B-B14F-4D97-AF65-F5344CB8AC3E}">
+        <p14:creationId xmlns:p14="http://schemas.microsoft.com/office/powerpoint/2010/main" val="773631176"/>
+      </p:ext>
+    </p:extLst>
+  </p:cSld>
+  <p:clrMapOvr>
+    <a:masterClrMapping/>
+  </p:clrMapOvr>
+</p:sld>
+</file>
+
+<file path=ppt/slides/slide25.xml><?xml version="1.0" encoding="utf-8"?>
+<p:sld xmlns:a="http://schemas.openxmlformats.org/drawingml/2006/main" xmlns:r="http://schemas.openxmlformats.org/officeDocument/2006/relationships" xmlns:p="http://schemas.openxmlformats.org/presentationml/2006/main">
+  <p:cSld>
+    <p:spTree>
+      <p:nvGrpSpPr>
+        <p:cNvPr id="1" name=""/>
+        <p:cNvGrpSpPr/>
+        <p:nvPr/>
+      </p:nvGrpSpPr>
+      <p:grpSpPr>
+        <a:xfrm>
+          <a:off x="0" y="0"/>
+          <a:ext cx="0" cy="0"/>
+          <a:chOff x="0" y="0"/>
+          <a:chExt cx="0" cy="0"/>
+        </a:xfrm>
+      </p:grpSpPr>
+      <p:grpSp>
+        <p:nvGrpSpPr>
+          <p:cNvPr id="4" name="Grupo 3">
+            <a:extLst>
+              <a:ext uri="{FF2B5EF4-FFF2-40B4-BE49-F238E27FC236}">
+                <a16:creationId xmlns:a16="http://schemas.microsoft.com/office/drawing/2014/main" id="{7A8DCB64-AB31-42E5-A0B7-E43C63F26C05}"/>
+              </a:ext>
+            </a:extLst>
+          </p:cNvPr>
+          <p:cNvGrpSpPr/>
+          <p:nvPr/>
+        </p:nvGrpSpPr>
+        <p:grpSpPr>
+          <a:xfrm>
+            <a:off x="87258" y="85725"/>
+            <a:ext cx="7140856" cy="707886"/>
+            <a:chOff x="125358" y="333375"/>
+            <a:chExt cx="6494517" cy="707886"/>
+          </a:xfrm>
+        </p:grpSpPr>
+        <p:sp>
+          <p:nvSpPr>
+            <p:cNvPr id="5" name="CuadroTexto 4">
+              <a:extLst>
+                <a:ext uri="{FF2B5EF4-FFF2-40B4-BE49-F238E27FC236}">
+                  <a16:creationId xmlns:a16="http://schemas.microsoft.com/office/drawing/2014/main" id="{C292A0E8-DC8F-4DAA-90D7-C87D63DADEC5}"/>
+                </a:ext>
+              </a:extLst>
+            </p:cNvPr>
+            <p:cNvSpPr txBox="1"/>
+            <p:nvPr/>
+          </p:nvSpPr>
+          <p:spPr>
+            <a:xfrm>
+              <a:off x="590550" y="333375"/>
+              <a:ext cx="6029325" cy="707886"/>
+            </a:xfrm>
+            <a:prstGeom prst="rect">
+              <a:avLst/>
+            </a:prstGeom>
+            <a:noFill/>
+          </p:spPr>
+          <p:txBody>
+            <a:bodyPr wrap="square" rtlCol="0">
+              <a:spAutoFit/>
+            </a:bodyPr>
+            <a:lstStyle/>
+            <a:p>
+              <a:r>
+                <a:rPr lang="en-US" sz="4000" dirty="0" err="1">
+                  <a:solidFill>
+                    <a:schemeClr val="bg1"/>
+                  </a:solidFill>
+                  <a:latin typeface="Gotham Rounded Bold" pitchFamily="50" charset="0"/>
+                </a:rPr>
+                <a:t>Mío</a:t>
+              </a:r>
+              <a:endParaRPr lang="es-MX" sz="4000" dirty="0">
+                <a:solidFill>
+                  <a:schemeClr val="bg1"/>
+                </a:solidFill>
+                <a:latin typeface="Gotham Rounded Bold" pitchFamily="50" charset="0"/>
+              </a:endParaRPr>
+            </a:p>
+          </p:txBody>
+        </p:sp>
+        <p:sp>
+          <p:nvSpPr>
+            <p:cNvPr id="6" name="Rectángulo 5">
+              <a:extLst>
+                <a:ext uri="{FF2B5EF4-FFF2-40B4-BE49-F238E27FC236}">
+                  <a16:creationId xmlns:a16="http://schemas.microsoft.com/office/drawing/2014/main" id="{4B6CAA36-3BD2-44D5-8B81-28E7120011E9}"/>
+                </a:ext>
+              </a:extLst>
+            </p:cNvPr>
+            <p:cNvSpPr/>
+            <p:nvPr/>
+          </p:nvSpPr>
+          <p:spPr>
+            <a:xfrm>
+              <a:off x="125358" y="410319"/>
+              <a:ext cx="465192" cy="553998"/>
+            </a:xfrm>
+            <a:prstGeom prst="rect">
+              <a:avLst/>
+            </a:prstGeom>
+          </p:spPr>
+          <p:txBody>
+            <a:bodyPr wrap="square">
+              <a:spAutoFit/>
+            </a:bodyPr>
+            <a:lstStyle/>
+            <a:p>
+              <a:r>
+                <a:rPr lang="es-MX" sz="3000" dirty="0">
+                  <a:solidFill>
+                    <a:schemeClr val="bg1"/>
+                  </a:solidFill>
+                  <a:latin typeface="Font Awesome 5 Free Solid" panose="02000503000000000000" pitchFamily="50" charset="0"/>
+                </a:rPr>
+                <a:t></a:t>
+              </a:r>
+            </a:p>
+          </p:txBody>
+        </p:sp>
+      </p:grpSp>
+      <p:sp>
+        <p:nvSpPr>
+          <p:cNvPr id="7" name="CuadroTexto 6">
+            <a:extLst>
+              <a:ext uri="{FF2B5EF4-FFF2-40B4-BE49-F238E27FC236}">
+                <a16:creationId xmlns:a16="http://schemas.microsoft.com/office/drawing/2014/main" id="{798C7AA6-60FB-43F7-873E-F9456BFA2102}"/>
+              </a:ext>
+            </a:extLst>
+          </p:cNvPr>
+          <p:cNvSpPr txBox="1"/>
+          <p:nvPr/>
+        </p:nvSpPr>
+        <p:spPr>
+          <a:xfrm>
+            <a:off x="598746" y="578167"/>
+            <a:ext cx="3186546" cy="338554"/>
+          </a:xfrm>
+          <a:prstGeom prst="rect">
+            <a:avLst/>
+          </a:prstGeom>
+          <a:noFill/>
+        </p:spPr>
+        <p:txBody>
+          <a:bodyPr wrap="square" rtlCol="0">
+            <a:spAutoFit/>
+          </a:bodyPr>
+          <a:lstStyle/>
+          <a:p>
+            <a:r>
+              <a:rPr lang="en-US" sz="1600" dirty="0" err="1">
+                <a:solidFill>
+                  <a:schemeClr val="bg1"/>
+                </a:solidFill>
+                <a:latin typeface="Gotham Rounded Medium" panose="02000000000000000000" pitchFamily="50" charset="0"/>
+              </a:rPr>
+              <a:t>características</a:t>
+            </a:r>
+            <a:r>
+              <a:rPr lang="en-US" sz="1600" dirty="0">
+                <a:solidFill>
+                  <a:schemeClr val="bg1"/>
+                </a:solidFill>
+                <a:latin typeface="Gotham Rounded Medium" panose="02000000000000000000" pitchFamily="50" charset="0"/>
+              </a:rPr>
+              <a:t>:</a:t>
+            </a:r>
+            <a:endParaRPr lang="es-MX" sz="1600" dirty="0">
+              <a:solidFill>
+                <a:schemeClr val="bg1"/>
+              </a:solidFill>
+              <a:latin typeface="Gotham Rounded Medium" panose="02000000000000000000" pitchFamily="50" charset="0"/>
+            </a:endParaRPr>
+          </a:p>
+        </p:txBody>
+      </p:sp>
+      <p:grpSp>
+        <p:nvGrpSpPr>
+          <p:cNvPr id="8" name="Grupo 7">
+            <a:extLst>
+              <a:ext uri="{FF2B5EF4-FFF2-40B4-BE49-F238E27FC236}">
+                <a16:creationId xmlns:a16="http://schemas.microsoft.com/office/drawing/2014/main" id="{D759A081-A2F2-47CE-AE3C-D17BA67AA35E}"/>
+              </a:ext>
+            </a:extLst>
+          </p:cNvPr>
+          <p:cNvGrpSpPr/>
+          <p:nvPr/>
+        </p:nvGrpSpPr>
+        <p:grpSpPr>
+          <a:xfrm>
+            <a:off x="2552122" y="2436420"/>
+            <a:ext cx="7087755" cy="1985160"/>
+            <a:chOff x="1609435" y="2674947"/>
+            <a:chExt cx="9760529" cy="1985160"/>
+          </a:xfrm>
+        </p:grpSpPr>
+        <p:grpSp>
+          <p:nvGrpSpPr>
+            <p:cNvPr id="9" name="Grupo 8">
+              <a:extLst>
+                <a:ext uri="{FF2B5EF4-FFF2-40B4-BE49-F238E27FC236}">
+                  <a16:creationId xmlns:a16="http://schemas.microsoft.com/office/drawing/2014/main" id="{20473E0B-560D-4DCD-A92E-5B23C4D36F1C}"/>
+                </a:ext>
+              </a:extLst>
+            </p:cNvPr>
+            <p:cNvGrpSpPr/>
+            <p:nvPr/>
+          </p:nvGrpSpPr>
+          <p:grpSpPr>
+            <a:xfrm>
+              <a:off x="1609436" y="2674947"/>
+              <a:ext cx="8973128" cy="1508106"/>
+              <a:chOff x="1921163" y="2133600"/>
+              <a:chExt cx="8973128" cy="1508106"/>
+            </a:xfrm>
+          </p:grpSpPr>
+          <p:sp>
+            <p:nvSpPr>
+              <p:cNvPr id="11" name="CuadroTexto 10">
+                <a:extLst>
+                  <a:ext uri="{FF2B5EF4-FFF2-40B4-BE49-F238E27FC236}">
+                    <a16:creationId xmlns:a16="http://schemas.microsoft.com/office/drawing/2014/main" id="{F810E068-8F2E-497F-9CBA-C8E7F502A347}"/>
+                  </a:ext>
+                </a:extLst>
+              </p:cNvPr>
+              <p:cNvSpPr txBox="1"/>
+              <p:nvPr/>
+            </p:nvSpPr>
+            <p:spPr>
+              <a:xfrm>
+                <a:off x="1921163" y="2133600"/>
+                <a:ext cx="8973128" cy="553998"/>
+              </a:xfrm>
+              <a:prstGeom prst="rect">
+                <a:avLst/>
+              </a:prstGeom>
+              <a:noFill/>
+            </p:spPr>
+            <p:txBody>
+              <a:bodyPr wrap="square" rtlCol="0">
+                <a:spAutoFit/>
+              </a:bodyPr>
+              <a:lstStyle/>
+              <a:p>
+                <a:r>
+                  <a:rPr lang="en-US" sz="3000" dirty="0" err="1">
+                    <a:solidFill>
+                      <a:schemeClr val="bg1">
+                        <a:lumMod val="95000"/>
+                      </a:schemeClr>
+                    </a:solidFill>
+                    <a:latin typeface="Gotham Rounded Book" pitchFamily="50" charset="0"/>
+                  </a:rPr>
+                  <a:t>Funciona</a:t>
+                </a:r>
+                <a:r>
+                  <a:rPr lang="en-US" sz="3000" dirty="0">
+                    <a:solidFill>
+                      <a:schemeClr val="bg1">
+                        <a:lumMod val="95000"/>
+                      </a:schemeClr>
+                    </a:solidFill>
+                    <a:latin typeface="Gotham Rounded Book" pitchFamily="50" charset="0"/>
+                  </a:rPr>
+                  <a:t> para </a:t>
+                </a:r>
+                <a:r>
+                  <a:rPr lang="en-US" sz="3000" dirty="0" err="1">
+                    <a:solidFill>
+                      <a:schemeClr val="bg1">
+                        <a:lumMod val="95000"/>
+                      </a:schemeClr>
+                    </a:solidFill>
+                    <a:latin typeface="Gotham Rounded Book" pitchFamily="50" charset="0"/>
+                  </a:rPr>
+                  <a:t>pequeños</a:t>
+                </a:r>
+                <a:r>
+                  <a:rPr lang="en-US" sz="3000" dirty="0">
+                    <a:solidFill>
+                      <a:schemeClr val="bg1">
+                        <a:lumMod val="95000"/>
+                      </a:schemeClr>
+                    </a:solidFill>
+                    <a:latin typeface="Gotham Rounded Book" pitchFamily="50" charset="0"/>
+                  </a:rPr>
+                  <a:t> </a:t>
+                </a:r>
+                <a:r>
+                  <a:rPr lang="en-US" sz="3000" dirty="0" err="1">
+                    <a:solidFill>
+                      <a:schemeClr val="bg1">
+                        <a:lumMod val="95000"/>
+                      </a:schemeClr>
+                    </a:solidFill>
+                    <a:latin typeface="Gotham Rounded Book" pitchFamily="50" charset="0"/>
+                  </a:rPr>
+                  <a:t>equipos</a:t>
+                </a:r>
+                <a:endParaRPr lang="es-MX" b="1" dirty="0">
+                  <a:solidFill>
+                    <a:srgbClr val="FFB470"/>
+                  </a:solidFill>
+                </a:endParaRPr>
+              </a:p>
+            </p:txBody>
+          </p:sp>
+          <p:sp>
+            <p:nvSpPr>
+              <p:cNvPr id="12" name="CuadroTexto 11">
+                <a:extLst>
+                  <a:ext uri="{FF2B5EF4-FFF2-40B4-BE49-F238E27FC236}">
+                    <a16:creationId xmlns:a16="http://schemas.microsoft.com/office/drawing/2014/main" id="{92983C78-1306-4A3C-91DE-3832BAC47404}"/>
+                  </a:ext>
+                </a:extLst>
+              </p:cNvPr>
+              <p:cNvSpPr txBox="1"/>
+              <p:nvPr/>
+            </p:nvSpPr>
+            <p:spPr>
+              <a:xfrm>
+                <a:off x="1921163" y="2610654"/>
+                <a:ext cx="8063346" cy="553998"/>
+              </a:xfrm>
+              <a:prstGeom prst="rect">
+                <a:avLst/>
+              </a:prstGeom>
+              <a:noFill/>
+            </p:spPr>
+            <p:txBody>
+              <a:bodyPr wrap="square" rtlCol="0">
+                <a:spAutoFit/>
+              </a:bodyPr>
+              <a:lstStyle/>
+              <a:p>
+                <a:r>
+                  <a:rPr lang="en-US" sz="3000" dirty="0" err="1">
+                    <a:solidFill>
+                      <a:schemeClr val="bg1">
+                        <a:lumMod val="95000"/>
+                      </a:schemeClr>
+                    </a:solidFill>
+                    <a:latin typeface="Gotham Rounded Book" pitchFamily="50" charset="0"/>
+                  </a:rPr>
+                  <a:t>Está</a:t>
+                </a:r>
+                <a:r>
+                  <a:rPr lang="en-US" sz="3000" dirty="0">
+                    <a:solidFill>
+                      <a:schemeClr val="bg1">
+                        <a:lumMod val="95000"/>
+                      </a:schemeClr>
+                    </a:solidFill>
+                    <a:latin typeface="Gotham Rounded Book" pitchFamily="50" charset="0"/>
+                  </a:rPr>
+                  <a:t> </a:t>
+                </a:r>
+                <a:r>
+                  <a:rPr lang="en-US" sz="3000" dirty="0" err="1">
+                    <a:solidFill>
+                      <a:schemeClr val="bg1">
+                        <a:lumMod val="95000"/>
+                      </a:schemeClr>
+                    </a:solidFill>
+                    <a:latin typeface="Gotham Rounded Book" pitchFamily="50" charset="0"/>
+                  </a:rPr>
+                  <a:t>chido</a:t>
+                </a:r>
+                <a:endParaRPr lang="es-MX" sz="3000" dirty="0">
+                  <a:solidFill>
+                    <a:schemeClr val="bg1">
+                      <a:lumMod val="95000"/>
+                    </a:schemeClr>
+                  </a:solidFill>
+                  <a:latin typeface="Gotham Rounded Book" pitchFamily="50" charset="0"/>
+                </a:endParaRPr>
+              </a:p>
+            </p:txBody>
+          </p:sp>
+          <p:sp>
+            <p:nvSpPr>
+              <p:cNvPr id="13" name="CuadroTexto 12">
+                <a:extLst>
+                  <a:ext uri="{FF2B5EF4-FFF2-40B4-BE49-F238E27FC236}">
+                    <a16:creationId xmlns:a16="http://schemas.microsoft.com/office/drawing/2014/main" id="{A56E287B-1914-468D-B931-5B32ECE21178}"/>
+                  </a:ext>
+                </a:extLst>
+              </p:cNvPr>
+              <p:cNvSpPr txBox="1"/>
+              <p:nvPr/>
+            </p:nvSpPr>
+            <p:spPr>
+              <a:xfrm>
+                <a:off x="1921163" y="3087708"/>
+                <a:ext cx="8347364" cy="553998"/>
+              </a:xfrm>
+              <a:prstGeom prst="rect">
+                <a:avLst/>
+              </a:prstGeom>
+              <a:noFill/>
+            </p:spPr>
+            <p:txBody>
+              <a:bodyPr wrap="square" rtlCol="0">
+                <a:spAutoFit/>
+              </a:bodyPr>
+              <a:lstStyle/>
+              <a:p>
+                <a:r>
+                  <a:rPr lang="en-US" sz="3000" dirty="0" err="1">
+                    <a:solidFill>
+                      <a:schemeClr val="bg1">
+                        <a:lumMod val="95000"/>
+                      </a:schemeClr>
+                    </a:solidFill>
+                    <a:latin typeface="Gotham Rounded Book" pitchFamily="50" charset="0"/>
+                  </a:rPr>
+                  <a:t>Está</a:t>
+                </a:r>
+                <a:r>
+                  <a:rPr lang="en-US" sz="3000" dirty="0">
+                    <a:solidFill>
+                      <a:schemeClr val="bg1">
+                        <a:lumMod val="95000"/>
+                      </a:schemeClr>
+                    </a:solidFill>
+                    <a:latin typeface="Gotham Rounded Book" pitchFamily="50" charset="0"/>
+                  </a:rPr>
+                  <a:t> </a:t>
+                </a:r>
+                <a:r>
+                  <a:rPr lang="en-US" sz="3000" dirty="0" err="1">
+                    <a:solidFill>
+                      <a:schemeClr val="bg1">
+                        <a:lumMod val="95000"/>
+                      </a:schemeClr>
+                    </a:solidFill>
+                    <a:latin typeface="Gotham Rounded Book" pitchFamily="50" charset="0"/>
+                  </a:rPr>
+                  <a:t>perrón</a:t>
+                </a:r>
+                <a:r>
+                  <a:rPr lang="en-US" sz="3000" dirty="0">
+                    <a:solidFill>
+                      <a:schemeClr val="bg1">
+                        <a:lumMod val="95000"/>
+                      </a:schemeClr>
+                    </a:solidFill>
+                    <a:latin typeface="Gotham Rounded Book" pitchFamily="50" charset="0"/>
+                  </a:rPr>
+                  <a:t> (</a:t>
+                </a:r>
+                <a:r>
+                  <a:rPr lang="en-US" sz="3000" dirty="0" err="1">
+                    <a:solidFill>
+                      <a:schemeClr val="bg1">
+                        <a:lumMod val="95000"/>
+                      </a:schemeClr>
+                    </a:solidFill>
+                    <a:latin typeface="Gotham Rounded Book" pitchFamily="50" charset="0"/>
+                  </a:rPr>
+                  <a:t>versión</a:t>
+                </a:r>
+                <a:r>
+                  <a:rPr lang="en-US" sz="3000" dirty="0">
+                    <a:solidFill>
+                      <a:schemeClr val="bg1">
+                        <a:lumMod val="95000"/>
+                      </a:schemeClr>
+                    </a:solidFill>
+                    <a:latin typeface="Gotham Rounded Book" pitchFamily="50" charset="0"/>
+                  </a:rPr>
+                  <a:t> </a:t>
+                </a:r>
+                <a:r>
+                  <a:rPr lang="en-US" sz="3000" dirty="0" err="1">
+                    <a:solidFill>
+                      <a:schemeClr val="bg1">
+                        <a:lumMod val="95000"/>
+                      </a:schemeClr>
+                    </a:solidFill>
+                    <a:latin typeface="Gotham Rounded Book" pitchFamily="50" charset="0"/>
+                  </a:rPr>
+                  <a:t>norteño</a:t>
+                </a:r>
+                <a:r>
+                  <a:rPr lang="en-US" sz="3000" dirty="0">
+                    <a:solidFill>
+                      <a:schemeClr val="bg1">
+                        <a:lumMod val="95000"/>
+                      </a:schemeClr>
+                    </a:solidFill>
+                    <a:latin typeface="Gotham Rounded Book" pitchFamily="50" charset="0"/>
+                  </a:rPr>
+                  <a:t>)</a:t>
+                </a:r>
+                <a:endParaRPr lang="es-MX" sz="3000" dirty="0">
+                  <a:solidFill>
+                    <a:schemeClr val="bg1">
+                      <a:lumMod val="95000"/>
+                    </a:schemeClr>
+                  </a:solidFill>
+                  <a:latin typeface="Gotham Rounded Book" pitchFamily="50" charset="0"/>
+                </a:endParaRPr>
+              </a:p>
+            </p:txBody>
+          </p:sp>
+        </p:grpSp>
+        <p:sp>
+          <p:nvSpPr>
+            <p:cNvPr id="10" name="CuadroTexto 9">
+              <a:extLst>
+                <a:ext uri="{FF2B5EF4-FFF2-40B4-BE49-F238E27FC236}">
+                  <a16:creationId xmlns:a16="http://schemas.microsoft.com/office/drawing/2014/main" id="{338C7CDF-A533-49D7-99E6-FEDDF83339A7}"/>
+                </a:ext>
+              </a:extLst>
+            </p:cNvPr>
+            <p:cNvSpPr txBox="1"/>
+            <p:nvPr/>
+          </p:nvSpPr>
+          <p:spPr>
+            <a:xfrm>
+              <a:off x="1609435" y="4106109"/>
+              <a:ext cx="9760529" cy="553998"/>
+            </a:xfrm>
+            <a:prstGeom prst="rect">
+              <a:avLst/>
+            </a:prstGeom>
+            <a:noFill/>
+          </p:spPr>
+          <p:txBody>
+            <a:bodyPr wrap="square" rtlCol="0">
+              <a:spAutoFit/>
+            </a:bodyPr>
+            <a:lstStyle/>
+            <a:p>
+              <a:r>
+                <a:rPr lang="en-US" sz="3000" dirty="0" err="1">
+                  <a:solidFill>
+                    <a:schemeClr val="bg1">
+                      <a:lumMod val="95000"/>
+                    </a:schemeClr>
+                  </a:solidFill>
+                  <a:latin typeface="Gotham Rounded Book" pitchFamily="50" charset="0"/>
+                </a:rPr>
+                <a:t>Probado</a:t>
+              </a:r>
+              <a:r>
+                <a:rPr lang="en-US" sz="3000" dirty="0">
+                  <a:solidFill>
+                    <a:schemeClr val="bg1">
+                      <a:lumMod val="95000"/>
+                    </a:schemeClr>
+                  </a:solidFill>
+                  <a:latin typeface="Gotham Rounded Book" pitchFamily="50" charset="0"/>
+                </a:rPr>
+                <a:t> </a:t>
+              </a:r>
+              <a:r>
+                <a:rPr lang="en-US" sz="3000" dirty="0" err="1">
+                  <a:solidFill>
+                    <a:schemeClr val="bg1">
+                      <a:lumMod val="95000"/>
+                    </a:schemeClr>
+                  </a:solidFill>
+                  <a:latin typeface="Gotham Rounded Book" pitchFamily="50" charset="0"/>
+                </a:rPr>
+                <a:t>en</a:t>
+              </a:r>
+              <a:r>
+                <a:rPr lang="en-US" sz="3000" dirty="0">
+                  <a:solidFill>
+                    <a:schemeClr val="bg1">
+                      <a:lumMod val="95000"/>
+                    </a:schemeClr>
+                  </a:solidFill>
+                  <a:latin typeface="Gotham Rounded Book" pitchFamily="50" charset="0"/>
+                </a:rPr>
+                <a:t> </a:t>
+              </a:r>
+              <a:r>
+                <a:rPr lang="en-US" sz="3000" dirty="0" err="1">
+                  <a:solidFill>
+                    <a:schemeClr val="bg1">
+                      <a:lumMod val="95000"/>
+                    </a:schemeClr>
+                  </a:solidFill>
+                  <a:latin typeface="Gotham Rounded Book" pitchFamily="50" charset="0"/>
+                </a:rPr>
+                <a:t>equipos</a:t>
+              </a:r>
+              <a:r>
+                <a:rPr lang="en-US" sz="3000" dirty="0">
+                  <a:solidFill>
+                    <a:schemeClr val="bg1">
+                      <a:lumMod val="95000"/>
+                    </a:schemeClr>
+                  </a:solidFill>
+                  <a:latin typeface="Gotham Rounded Book" pitchFamily="50" charset="0"/>
+                </a:rPr>
+                <a:t> de 7 personas. </a:t>
+              </a:r>
+              <a:endParaRPr lang="es-MX" sz="3000" dirty="0">
+                <a:solidFill>
+                  <a:schemeClr val="bg1">
+                    <a:lumMod val="95000"/>
+                  </a:schemeClr>
+                </a:solidFill>
+                <a:latin typeface="Gotham Rounded Book" pitchFamily="50" charset="0"/>
+              </a:endParaRPr>
+            </a:p>
+          </p:txBody>
+        </p:sp>
+      </p:grpSp>
+      <p:sp>
+        <p:nvSpPr>
+          <p:cNvPr id="14" name="CuadroTexto 13">
+            <a:extLst>
+              <a:ext uri="{FF2B5EF4-FFF2-40B4-BE49-F238E27FC236}">
+                <a16:creationId xmlns:a16="http://schemas.microsoft.com/office/drawing/2014/main" id="{AC90385F-9641-46C9-AC2C-21A1AB43E3D0}"/>
+              </a:ext>
+            </a:extLst>
+          </p:cNvPr>
+          <p:cNvSpPr txBox="1"/>
+          <p:nvPr/>
+        </p:nvSpPr>
+        <p:spPr>
+          <a:xfrm flipH="1">
+            <a:off x="0" y="6457890"/>
+            <a:ext cx="1924050" cy="400110"/>
+          </a:xfrm>
+          <a:prstGeom prst="rect">
+            <a:avLst/>
+          </a:prstGeom>
+          <a:noFill/>
+        </p:spPr>
+        <p:txBody>
+          <a:bodyPr wrap="square" rtlCol="0">
+            <a:spAutoFit/>
+          </a:bodyPr>
+          <a:lstStyle/>
+          <a:p>
+            <a:r>
+              <a:rPr lang="en-US" sz="2000" dirty="0">
+                <a:solidFill>
+                  <a:schemeClr val="bg1">
+                    <a:lumMod val="95000"/>
+                  </a:schemeClr>
+                </a:solidFill>
+                <a:latin typeface="Gotham Rounded Medium" panose="02000000000000000000" pitchFamily="50" charset="0"/>
+              </a:rPr>
+              <a:t>@</a:t>
+            </a:r>
+            <a:r>
+              <a:rPr lang="en-US" sz="2000" dirty="0" err="1">
+                <a:solidFill>
+                  <a:schemeClr val="bg1">
+                    <a:lumMod val="95000"/>
+                  </a:schemeClr>
+                </a:solidFill>
+                <a:latin typeface="Gotham Rounded Medium" panose="02000000000000000000" pitchFamily="50" charset="0"/>
+              </a:rPr>
+              <a:t>luisejrobles</a:t>
+            </a:r>
+            <a:endParaRPr lang="es-MX" sz="2000" dirty="0">
+              <a:solidFill>
+                <a:schemeClr val="bg1">
+                  <a:lumMod val="95000"/>
+                </a:schemeClr>
+              </a:solidFill>
+              <a:latin typeface="Gotham Rounded Medium" panose="02000000000000000000" pitchFamily="50" charset="0"/>
+            </a:endParaRPr>
+          </a:p>
+        </p:txBody>
+      </p:sp>
+    </p:spTree>
+    <p:extLst>
+      <p:ext uri="{BB962C8B-B14F-4D97-AF65-F5344CB8AC3E}">
+        <p14:creationId xmlns:p14="http://schemas.microsoft.com/office/powerpoint/2010/main" val="182561333"/>
+      </p:ext>
+    </p:extLst>
+  </p:cSld>
+  <p:clrMapOvr>
+    <a:masterClrMapping/>
+  </p:clrMapOvr>
+</p:sld>
+</file>
+
+<file path=ppt/slides/slide26.xml><?xml version="1.0" encoding="utf-8"?>
+<p:sld xmlns:a="http://schemas.openxmlformats.org/drawingml/2006/main" xmlns:r="http://schemas.openxmlformats.org/officeDocument/2006/relationships" xmlns:p="http://schemas.openxmlformats.org/presentationml/2006/main">
+  <p:cSld>
+    <p:spTree>
+      <p:nvGrpSpPr>
+        <p:cNvPr id="1" name=""/>
+        <p:cNvGrpSpPr/>
+        <p:nvPr/>
+      </p:nvGrpSpPr>
+      <p:grpSpPr>
+        <a:xfrm>
+          <a:off x="0" y="0"/>
+          <a:ext cx="0" cy="0"/>
+          <a:chOff x="0" y="0"/>
+          <a:chExt cx="0" cy="0"/>
+        </a:xfrm>
+      </p:grpSpPr>
+      <p:grpSp>
+        <p:nvGrpSpPr>
+          <p:cNvPr id="50" name="Grupo 49">
+            <a:extLst>
+              <a:ext uri="{FF2B5EF4-FFF2-40B4-BE49-F238E27FC236}">
+                <a16:creationId xmlns:a16="http://schemas.microsoft.com/office/drawing/2014/main" id="{79C9215D-1379-417A-9898-7606879AFD74}"/>
+              </a:ext>
+            </a:extLst>
+          </p:cNvPr>
+          <p:cNvGrpSpPr/>
+          <p:nvPr/>
+        </p:nvGrpSpPr>
+        <p:grpSpPr>
+          <a:xfrm>
+            <a:off x="2800011" y="2088972"/>
+            <a:ext cx="6591978" cy="2680055"/>
+            <a:chOff x="2800010" y="2542588"/>
+            <a:chExt cx="6591978" cy="2680055"/>
+          </a:xfrm>
+        </p:grpSpPr>
+        <p:cxnSp>
+          <p:nvCxnSpPr>
+            <p:cNvPr id="5" name="Conector recto 4">
+              <a:extLst>
+                <a:ext uri="{FF2B5EF4-FFF2-40B4-BE49-F238E27FC236}">
+                  <a16:creationId xmlns:a16="http://schemas.microsoft.com/office/drawing/2014/main" id="{48DD77EA-E4E5-498F-A6DC-CF65CA5E94E1}"/>
+                </a:ext>
+              </a:extLst>
+            </p:cNvPr>
+            <p:cNvCxnSpPr>
+              <a:cxnSpLocks/>
+            </p:cNvCxnSpPr>
+            <p:nvPr/>
+          </p:nvCxnSpPr>
+          <p:spPr>
+            <a:xfrm>
+              <a:off x="4683761" y="2767554"/>
+              <a:ext cx="4188590" cy="0"/>
+            </a:xfrm>
+            <a:prstGeom prst="line">
+              <a:avLst/>
+            </a:prstGeom>
+            <a:ln w="57150">
+              <a:solidFill>
+                <a:schemeClr val="bg1">
+                  <a:lumMod val="85000"/>
+                </a:schemeClr>
+              </a:solidFill>
+            </a:ln>
+          </p:spPr>
+          <p:style>
+            <a:lnRef idx="1">
+              <a:schemeClr val="accent1"/>
+            </a:lnRef>
+            <a:fillRef idx="0">
+              <a:schemeClr val="accent1"/>
+            </a:fillRef>
+            <a:effectRef idx="0">
+              <a:schemeClr val="accent1"/>
+            </a:effectRef>
+            <a:fontRef idx="minor">
+              <a:schemeClr val="tx1"/>
+            </a:fontRef>
+          </p:style>
+        </p:cxnSp>
+        <p:grpSp>
+          <p:nvGrpSpPr>
+            <p:cNvPr id="6" name="Grupo 5">
+              <a:extLst>
+                <a:ext uri="{FF2B5EF4-FFF2-40B4-BE49-F238E27FC236}">
+                  <a16:creationId xmlns:a16="http://schemas.microsoft.com/office/drawing/2014/main" id="{EF393312-B08E-4331-B49C-DB2022580892}"/>
+                </a:ext>
+              </a:extLst>
+            </p:cNvPr>
+            <p:cNvGrpSpPr/>
+            <p:nvPr/>
+          </p:nvGrpSpPr>
+          <p:grpSpPr>
+            <a:xfrm>
+              <a:off x="2800011" y="2542588"/>
+              <a:ext cx="1511151" cy="369332"/>
+              <a:chOff x="-76090" y="3553921"/>
+              <a:chExt cx="1240448" cy="303171"/>
+            </a:xfrm>
+          </p:grpSpPr>
+          <p:sp>
+            <p:nvSpPr>
+              <p:cNvPr id="20" name="Elipse 19">
+                <a:extLst>
+                  <a:ext uri="{FF2B5EF4-FFF2-40B4-BE49-F238E27FC236}">
+                    <a16:creationId xmlns:a16="http://schemas.microsoft.com/office/drawing/2014/main" id="{B55F2436-DCC0-4EF5-A601-24ACEB9481D3}"/>
+                  </a:ext>
+                </a:extLst>
+              </p:cNvPr>
+              <p:cNvSpPr/>
+              <p:nvPr/>
+            </p:nvSpPr>
+            <p:spPr>
+              <a:xfrm>
+                <a:off x="941529" y="3627173"/>
+                <a:ext cx="222829" cy="222829"/>
+              </a:xfrm>
+              <a:prstGeom prst="ellipse">
+                <a:avLst/>
+              </a:prstGeom>
+              <a:noFill/>
+              <a:ln w="57150">
+                <a:solidFill>
+                  <a:schemeClr val="bg1"/>
+                </a:solidFill>
+              </a:ln>
+            </p:spPr>
+            <p:style>
+              <a:lnRef idx="2">
+                <a:schemeClr val="accent1">
+                  <a:shade val="50000"/>
+                </a:schemeClr>
+              </a:lnRef>
+              <a:fillRef idx="1">
+                <a:schemeClr val="accent1"/>
+              </a:fillRef>
+              <a:effectRef idx="0">
+                <a:schemeClr val="accent1"/>
+              </a:effectRef>
+              <a:fontRef idx="minor">
+                <a:schemeClr val="lt1"/>
+              </a:fontRef>
+            </p:style>
+            <p:txBody>
+              <a:bodyPr rtlCol="0" anchor="ctr"/>
+              <a:lstStyle/>
+              <a:p>
+                <a:pPr algn="ctr"/>
+                <a:endParaRPr lang="es-MX" dirty="0"/>
+              </a:p>
+            </p:txBody>
+          </p:sp>
+          <p:sp>
+            <p:nvSpPr>
+              <p:cNvPr id="21" name="CuadroTexto 20">
+                <a:extLst>
+                  <a:ext uri="{FF2B5EF4-FFF2-40B4-BE49-F238E27FC236}">
+                    <a16:creationId xmlns:a16="http://schemas.microsoft.com/office/drawing/2014/main" id="{6FF24C50-B1B3-4107-ACA9-33EEA59E6C1D}"/>
+                  </a:ext>
+                </a:extLst>
+              </p:cNvPr>
+              <p:cNvSpPr txBox="1"/>
+              <p:nvPr/>
+            </p:nvSpPr>
+            <p:spPr>
+              <a:xfrm>
+                <a:off x="-76090" y="3553921"/>
+                <a:ext cx="1017619" cy="303171"/>
+              </a:xfrm>
+              <a:prstGeom prst="rect">
+                <a:avLst/>
+              </a:prstGeom>
+              <a:noFill/>
+            </p:spPr>
+            <p:txBody>
+              <a:bodyPr wrap="square" rtlCol="0">
+                <a:spAutoFit/>
+              </a:bodyPr>
+              <a:lstStyle/>
+              <a:p>
+                <a:pPr algn="ctr"/>
+                <a:r>
+                  <a:rPr lang="en-US" dirty="0">
+                    <a:solidFill>
+                      <a:schemeClr val="bg1"/>
+                    </a:solidFill>
+                    <a:latin typeface="Gotham Rounded Medium" panose="02000000000000000000" pitchFamily="50" charset="0"/>
+                  </a:rPr>
+                  <a:t>master</a:t>
+                </a:r>
+                <a:endParaRPr lang="es-MX" dirty="0">
+                  <a:solidFill>
+                    <a:schemeClr val="bg1"/>
+                  </a:solidFill>
+                  <a:latin typeface="Gotham Rounded Medium" panose="02000000000000000000" pitchFamily="50" charset="0"/>
+                </a:endParaRPr>
+              </a:p>
+            </p:txBody>
+          </p:sp>
+        </p:grpSp>
+        <p:sp>
+          <p:nvSpPr>
+            <p:cNvPr id="7" name="Elipse 6">
+              <a:extLst>
+                <a:ext uri="{FF2B5EF4-FFF2-40B4-BE49-F238E27FC236}">
+                  <a16:creationId xmlns:a16="http://schemas.microsoft.com/office/drawing/2014/main" id="{7E4EF0C7-CA79-412C-AA7F-52EA942569B4}"/>
+                </a:ext>
+              </a:extLst>
+            </p:cNvPr>
+            <p:cNvSpPr/>
+            <p:nvPr/>
+          </p:nvSpPr>
+          <p:spPr>
+            <a:xfrm>
+              <a:off x="4928547" y="3520735"/>
+              <a:ext cx="271457" cy="271457"/>
+            </a:xfrm>
+            <a:prstGeom prst="ellipse">
+              <a:avLst/>
+            </a:prstGeom>
+            <a:solidFill>
+              <a:srgbClr val="FF5F6D"/>
+            </a:solidFill>
+            <a:ln w="57150">
+              <a:solidFill>
+                <a:schemeClr val="bg1"/>
+              </a:solidFill>
+            </a:ln>
+          </p:spPr>
+          <p:style>
+            <a:lnRef idx="2">
+              <a:schemeClr val="accent1">
+                <a:shade val="50000"/>
+              </a:schemeClr>
+            </a:lnRef>
+            <a:fillRef idx="1">
+              <a:schemeClr val="accent1"/>
+            </a:fillRef>
+            <a:effectRef idx="0">
+              <a:schemeClr val="accent1"/>
+            </a:effectRef>
+            <a:fontRef idx="minor">
+              <a:schemeClr val="lt1"/>
+            </a:fontRef>
+          </p:style>
+          <p:txBody>
+            <a:bodyPr rtlCol="0" anchor="ctr"/>
+            <a:lstStyle/>
+            <a:p>
+              <a:pPr algn="ctr"/>
+              <a:endParaRPr lang="es-MX" dirty="0">
+                <a:solidFill>
+                  <a:srgbClr val="FF776E"/>
+                </a:solidFill>
+              </a:endParaRPr>
+            </a:p>
+          </p:txBody>
+        </p:sp>
+        <p:cxnSp>
+          <p:nvCxnSpPr>
+            <p:cNvPr id="8" name="Conector: angular 7">
+              <a:extLst>
+                <a:ext uri="{FF2B5EF4-FFF2-40B4-BE49-F238E27FC236}">
+                  <a16:creationId xmlns:a16="http://schemas.microsoft.com/office/drawing/2014/main" id="{0D3ADC13-2153-46B8-9018-C83432C9B70F}"/>
+                </a:ext>
+              </a:extLst>
+            </p:cNvPr>
+            <p:cNvCxnSpPr>
+              <a:stCxn id="20" idx="6"/>
+              <a:endCxn id="7" idx="2"/>
+            </p:cNvCxnSpPr>
+            <p:nvPr/>
+          </p:nvCxnSpPr>
+          <p:spPr>
+            <a:xfrm>
+              <a:off x="4311162" y="2767555"/>
+              <a:ext cx="617385" cy="888908"/>
+            </a:xfrm>
+            <a:prstGeom prst="bentConnector3">
+              <a:avLst>
+                <a:gd name="adj1" fmla="val 61520"/>
+              </a:avLst>
+            </a:prstGeom>
+            <a:ln w="57150">
+              <a:solidFill>
+                <a:schemeClr val="bg1"/>
+              </a:solidFill>
+            </a:ln>
+          </p:spPr>
+          <p:style>
+            <a:lnRef idx="1">
+              <a:schemeClr val="accent1"/>
+            </a:lnRef>
+            <a:fillRef idx="0">
+              <a:schemeClr val="accent1"/>
+            </a:fillRef>
+            <a:effectRef idx="0">
+              <a:schemeClr val="accent1"/>
+            </a:effectRef>
+            <a:fontRef idx="minor">
+              <a:schemeClr val="tx1"/>
+            </a:fontRef>
+          </p:style>
+        </p:cxnSp>
+        <p:sp>
+          <p:nvSpPr>
+            <p:cNvPr id="9" name="CuadroTexto 8">
+              <a:extLst>
+                <a:ext uri="{FF2B5EF4-FFF2-40B4-BE49-F238E27FC236}">
+                  <a16:creationId xmlns:a16="http://schemas.microsoft.com/office/drawing/2014/main" id="{D756AF2F-EDC3-452D-832E-BEA5334FA221}"/>
+                </a:ext>
+              </a:extLst>
+            </p:cNvPr>
+            <p:cNvSpPr txBox="1"/>
+            <p:nvPr/>
+          </p:nvSpPr>
+          <p:spPr>
+            <a:xfrm>
+              <a:off x="2800011" y="3431496"/>
+              <a:ext cx="1239694" cy="369332"/>
+            </a:xfrm>
+            <a:prstGeom prst="rect">
+              <a:avLst/>
+            </a:prstGeom>
+            <a:noFill/>
+          </p:spPr>
+          <p:txBody>
+            <a:bodyPr wrap="square" rtlCol="0">
+              <a:spAutoFit/>
+            </a:bodyPr>
+            <a:lstStyle/>
+            <a:p>
+              <a:pPr algn="ctr"/>
+              <a:r>
+                <a:rPr lang="en-US" dirty="0">
+                  <a:solidFill>
+                    <a:schemeClr val="bg1"/>
+                  </a:solidFill>
+                  <a:latin typeface="Gotham Rounded Medium" panose="02000000000000000000" pitchFamily="50" charset="0"/>
+                </a:rPr>
+                <a:t>testing</a:t>
+              </a:r>
+              <a:endParaRPr lang="es-MX" dirty="0">
+                <a:solidFill>
+                  <a:schemeClr val="bg1"/>
+                </a:solidFill>
+                <a:latin typeface="Gotham Rounded Medium" panose="02000000000000000000" pitchFamily="50" charset="0"/>
+              </a:endParaRPr>
+            </a:p>
+          </p:txBody>
+        </p:sp>
+        <p:grpSp>
+          <p:nvGrpSpPr>
+            <p:cNvPr id="10" name="Grupo 9">
+              <a:extLst>
+                <a:ext uri="{FF2B5EF4-FFF2-40B4-BE49-F238E27FC236}">
+                  <a16:creationId xmlns:a16="http://schemas.microsoft.com/office/drawing/2014/main" id="{6A956B60-53F7-484E-B6A1-E964B48D240B}"/>
+                </a:ext>
+              </a:extLst>
+            </p:cNvPr>
+            <p:cNvGrpSpPr/>
+            <p:nvPr/>
+          </p:nvGrpSpPr>
+          <p:grpSpPr>
+            <a:xfrm>
+              <a:off x="6290238" y="3526270"/>
+              <a:ext cx="1239694" cy="780741"/>
+              <a:chOff x="2989200" y="4303365"/>
+              <a:chExt cx="1017619" cy="640881"/>
+            </a:xfrm>
+          </p:grpSpPr>
+          <p:sp>
+            <p:nvSpPr>
+              <p:cNvPr id="18" name="Elipse 17">
+                <a:extLst>
+                  <a:ext uri="{FF2B5EF4-FFF2-40B4-BE49-F238E27FC236}">
+                    <a16:creationId xmlns:a16="http://schemas.microsoft.com/office/drawing/2014/main" id="{234F929A-755A-42C5-B1F2-F9F5EBE92990}"/>
+                  </a:ext>
+                </a:extLst>
+              </p:cNvPr>
+              <p:cNvSpPr/>
+              <p:nvPr/>
+            </p:nvSpPr>
+            <p:spPr>
+              <a:xfrm>
+                <a:off x="3386595" y="4303365"/>
+                <a:ext cx="222829" cy="222829"/>
+              </a:xfrm>
+              <a:prstGeom prst="ellipse">
+                <a:avLst/>
+              </a:prstGeom>
+              <a:solidFill>
+                <a:srgbClr val="FF5F6D"/>
+              </a:solidFill>
+              <a:ln w="57150">
+                <a:solidFill>
+                  <a:schemeClr val="bg1"/>
+                </a:solidFill>
+              </a:ln>
+            </p:spPr>
+            <p:style>
+              <a:lnRef idx="2">
+                <a:schemeClr val="accent1">
+                  <a:shade val="50000"/>
+                </a:schemeClr>
+              </a:lnRef>
+              <a:fillRef idx="1">
+                <a:schemeClr val="accent1"/>
+              </a:fillRef>
+              <a:effectRef idx="0">
+                <a:schemeClr val="accent1"/>
+              </a:effectRef>
+              <a:fontRef idx="minor">
+                <a:schemeClr val="lt1"/>
+              </a:fontRef>
+            </p:style>
+            <p:txBody>
+              <a:bodyPr rtlCol="0" anchor="ctr"/>
+              <a:lstStyle/>
+              <a:p>
+                <a:pPr algn="ctr"/>
+                <a:endParaRPr lang="es-MX">
+                  <a:solidFill>
+                    <a:srgbClr val="FF776E"/>
+                  </a:solidFill>
+                </a:endParaRPr>
+              </a:p>
+            </p:txBody>
+          </p:sp>
+          <p:sp>
+            <p:nvSpPr>
+              <p:cNvPr id="19" name="CuadroTexto 18">
+                <a:extLst>
+                  <a:ext uri="{FF2B5EF4-FFF2-40B4-BE49-F238E27FC236}">
+                    <a16:creationId xmlns:a16="http://schemas.microsoft.com/office/drawing/2014/main" id="{1F5B002D-F0DC-47D0-B360-A21E0913632B}"/>
+                  </a:ext>
+                </a:extLst>
+              </p:cNvPr>
+              <p:cNvSpPr txBox="1"/>
+              <p:nvPr/>
+            </p:nvSpPr>
+            <p:spPr>
+              <a:xfrm>
+                <a:off x="2989200" y="4514754"/>
+                <a:ext cx="1017619" cy="429492"/>
+              </a:xfrm>
+              <a:prstGeom prst="rect">
+                <a:avLst/>
+              </a:prstGeom>
+              <a:noFill/>
+            </p:spPr>
+            <p:txBody>
+              <a:bodyPr wrap="square" rtlCol="0">
+                <a:spAutoFit/>
+              </a:bodyPr>
+              <a:lstStyle/>
+              <a:p>
+                <a:pPr algn="ctr"/>
+                <a:r>
+                  <a:rPr lang="en-US" sz="1400" dirty="0" err="1">
+                    <a:solidFill>
+                      <a:schemeClr val="bg1"/>
+                    </a:solidFill>
+                    <a:latin typeface="Gotham Rounded Book" pitchFamily="50" charset="0"/>
+                  </a:rPr>
+                  <a:t>botón</a:t>
+                </a:r>
+                <a:r>
+                  <a:rPr lang="en-US" sz="1400" dirty="0">
+                    <a:solidFill>
+                      <a:schemeClr val="bg1"/>
+                    </a:solidFill>
+                    <a:latin typeface="Gotham Rounded Book" pitchFamily="50" charset="0"/>
+                  </a:rPr>
+                  <a:t> </a:t>
+                </a:r>
+                <a:r>
+                  <a:rPr lang="en-US" sz="1400" dirty="0" err="1">
+                    <a:solidFill>
+                      <a:schemeClr val="bg1"/>
+                    </a:solidFill>
+                    <a:latin typeface="Gotham Rounded Book" pitchFamily="50" charset="0"/>
+                  </a:rPr>
+                  <a:t>pueba</a:t>
+                </a:r>
+                <a:endParaRPr lang="es-MX" sz="1400" dirty="0">
+                  <a:solidFill>
+                    <a:schemeClr val="bg1"/>
+                  </a:solidFill>
+                  <a:latin typeface="Gotham Rounded Book" pitchFamily="50" charset="0"/>
+                </a:endParaRPr>
+              </a:p>
+            </p:txBody>
+          </p:sp>
+        </p:grpSp>
+        <p:cxnSp>
+          <p:nvCxnSpPr>
+            <p:cNvPr id="11" name="Conector recto 10">
+              <a:extLst>
+                <a:ext uri="{FF2B5EF4-FFF2-40B4-BE49-F238E27FC236}">
+                  <a16:creationId xmlns:a16="http://schemas.microsoft.com/office/drawing/2014/main" id="{A309BE16-1D11-48BA-A2B2-4DEC6A8AFC1B}"/>
+                </a:ext>
+              </a:extLst>
+            </p:cNvPr>
+            <p:cNvCxnSpPr>
+              <a:stCxn id="7" idx="6"/>
+              <a:endCxn id="18" idx="2"/>
+            </p:cNvCxnSpPr>
+            <p:nvPr/>
+          </p:nvCxnSpPr>
+          <p:spPr>
+            <a:xfrm>
+              <a:off x="5200004" y="3656464"/>
+              <a:ext cx="1574353" cy="5535"/>
+            </a:xfrm>
+            <a:prstGeom prst="line">
+              <a:avLst/>
+            </a:prstGeom>
+            <a:ln w="57150">
+              <a:solidFill>
+                <a:schemeClr val="bg1"/>
+              </a:solidFill>
+            </a:ln>
+          </p:spPr>
+          <p:style>
+            <a:lnRef idx="1">
+              <a:schemeClr val="accent1"/>
+            </a:lnRef>
+            <a:fillRef idx="0">
+              <a:schemeClr val="accent1"/>
+            </a:fillRef>
+            <a:effectRef idx="0">
+              <a:schemeClr val="accent1"/>
+            </a:effectRef>
+            <a:fontRef idx="minor">
+              <a:schemeClr val="tx1"/>
+            </a:fontRef>
+          </p:style>
+        </p:cxnSp>
+        <p:grpSp>
+          <p:nvGrpSpPr>
+            <p:cNvPr id="12" name="Grupo 11">
+              <a:extLst>
+                <a:ext uri="{FF2B5EF4-FFF2-40B4-BE49-F238E27FC236}">
+                  <a16:creationId xmlns:a16="http://schemas.microsoft.com/office/drawing/2014/main" id="{90D1E95A-0D09-4760-A9B5-5AE50187301B}"/>
+                </a:ext>
+              </a:extLst>
+            </p:cNvPr>
+            <p:cNvGrpSpPr/>
+            <p:nvPr/>
+          </p:nvGrpSpPr>
+          <p:grpSpPr>
+            <a:xfrm>
+              <a:off x="8025788" y="3520733"/>
+              <a:ext cx="925310" cy="794677"/>
+              <a:chOff x="3118233" y="4303365"/>
+              <a:chExt cx="759553" cy="652321"/>
+            </a:xfrm>
+          </p:grpSpPr>
+          <p:sp>
+            <p:nvSpPr>
+              <p:cNvPr id="16" name="Elipse 15">
+                <a:extLst>
+                  <a:ext uri="{FF2B5EF4-FFF2-40B4-BE49-F238E27FC236}">
+                    <a16:creationId xmlns:a16="http://schemas.microsoft.com/office/drawing/2014/main" id="{EFB46641-FB19-49A5-9E78-1BA03BAD9A46}"/>
+                  </a:ext>
+                </a:extLst>
+              </p:cNvPr>
+              <p:cNvSpPr/>
+              <p:nvPr/>
+            </p:nvSpPr>
+            <p:spPr>
+              <a:xfrm>
+                <a:off x="3386595" y="4303365"/>
+                <a:ext cx="222829" cy="222829"/>
+              </a:xfrm>
+              <a:prstGeom prst="ellipse">
+                <a:avLst/>
+              </a:prstGeom>
+              <a:solidFill>
+                <a:srgbClr val="FF5F6D"/>
+              </a:solidFill>
+              <a:ln w="57150">
+                <a:solidFill>
+                  <a:schemeClr val="bg1"/>
+                </a:solidFill>
+              </a:ln>
+            </p:spPr>
+            <p:style>
+              <a:lnRef idx="2">
+                <a:schemeClr val="accent1">
+                  <a:shade val="50000"/>
+                </a:schemeClr>
+              </a:lnRef>
+              <a:fillRef idx="1">
+                <a:schemeClr val="accent1"/>
+              </a:fillRef>
+              <a:effectRef idx="0">
+                <a:schemeClr val="accent1"/>
+              </a:effectRef>
+              <a:fontRef idx="minor">
+                <a:schemeClr val="lt1"/>
+              </a:fontRef>
+            </p:style>
+            <p:txBody>
+              <a:bodyPr rtlCol="0" anchor="ctr"/>
+              <a:lstStyle/>
+              <a:p>
+                <a:pPr algn="ctr"/>
+                <a:endParaRPr lang="es-MX">
+                  <a:solidFill>
+                    <a:srgbClr val="FF776E"/>
+                  </a:solidFill>
+                </a:endParaRPr>
+              </a:p>
+            </p:txBody>
+          </p:sp>
+          <p:sp>
+            <p:nvSpPr>
+              <p:cNvPr id="17" name="CuadroTexto 16">
+                <a:extLst>
+                  <a:ext uri="{FF2B5EF4-FFF2-40B4-BE49-F238E27FC236}">
+                    <a16:creationId xmlns:a16="http://schemas.microsoft.com/office/drawing/2014/main" id="{0F1DFF9F-CF2F-4609-A966-D23090AFA2EC}"/>
+                  </a:ext>
+                </a:extLst>
+              </p:cNvPr>
+              <p:cNvSpPr txBox="1"/>
+              <p:nvPr/>
+            </p:nvSpPr>
+            <p:spPr>
+              <a:xfrm>
+                <a:off x="3118233" y="4526194"/>
+                <a:ext cx="759553" cy="429492"/>
+              </a:xfrm>
+              <a:prstGeom prst="rect">
+                <a:avLst/>
+              </a:prstGeom>
+              <a:noFill/>
+            </p:spPr>
+            <p:txBody>
+              <a:bodyPr wrap="square" rtlCol="0">
+                <a:spAutoFit/>
+              </a:bodyPr>
+              <a:lstStyle/>
+              <a:p>
+                <a:pPr algn="ctr"/>
+                <a:r>
+                  <a:rPr lang="en-US" sz="1400" dirty="0">
+                    <a:solidFill>
+                      <a:schemeClr val="bg1"/>
+                    </a:solidFill>
+                    <a:latin typeface="Gotham Rounded Book" pitchFamily="50" charset="0"/>
+                  </a:rPr>
+                  <a:t>Sockets</a:t>
+                </a:r>
+              </a:p>
+              <a:p>
+                <a:pPr algn="ctr"/>
+                <a:r>
+                  <a:rPr lang="en-US" sz="1400" dirty="0" err="1">
+                    <a:solidFill>
+                      <a:schemeClr val="bg1"/>
+                    </a:solidFill>
+                    <a:latin typeface="Gotham Rounded Book" pitchFamily="50" charset="0"/>
+                  </a:rPr>
+                  <a:t>prueba</a:t>
+                </a:r>
+                <a:endParaRPr lang="en-US" sz="1400" dirty="0">
+                  <a:solidFill>
+                    <a:schemeClr val="bg1"/>
+                  </a:solidFill>
+                  <a:latin typeface="Gotham Rounded Book" pitchFamily="50" charset="0"/>
+                </a:endParaRPr>
+              </a:p>
+            </p:txBody>
+          </p:sp>
+        </p:grpSp>
+        <p:cxnSp>
+          <p:nvCxnSpPr>
+            <p:cNvPr id="13" name="Conector recto 12">
+              <a:extLst>
+                <a:ext uri="{FF2B5EF4-FFF2-40B4-BE49-F238E27FC236}">
+                  <a16:creationId xmlns:a16="http://schemas.microsoft.com/office/drawing/2014/main" id="{446ECFB1-E167-47A6-86E8-F842EBBFBDDF}"/>
+                </a:ext>
+              </a:extLst>
+            </p:cNvPr>
+            <p:cNvCxnSpPr>
+              <a:cxnSpLocks/>
+              <a:stCxn id="18" idx="6"/>
+              <a:endCxn id="16" idx="2"/>
+            </p:cNvCxnSpPr>
+            <p:nvPr/>
+          </p:nvCxnSpPr>
+          <p:spPr>
+            <a:xfrm flipV="1">
+              <a:off x="7045814" y="3656464"/>
+              <a:ext cx="1306901" cy="5535"/>
+            </a:xfrm>
+            <a:prstGeom prst="line">
+              <a:avLst/>
+            </a:prstGeom>
+            <a:ln w="57150">
+              <a:solidFill>
+                <a:schemeClr val="bg1"/>
+              </a:solidFill>
+            </a:ln>
+          </p:spPr>
+          <p:style>
+            <a:lnRef idx="1">
+              <a:schemeClr val="accent1"/>
+            </a:lnRef>
+            <a:fillRef idx="0">
+              <a:schemeClr val="accent1"/>
+            </a:fillRef>
+            <a:effectRef idx="0">
+              <a:schemeClr val="accent1"/>
+            </a:effectRef>
+            <a:fontRef idx="minor">
+              <a:schemeClr val="tx1"/>
+            </a:fontRef>
+          </p:style>
+        </p:cxnSp>
+        <p:sp>
+          <p:nvSpPr>
+            <p:cNvPr id="14" name="Elipse 13">
+              <a:extLst>
+                <a:ext uri="{FF2B5EF4-FFF2-40B4-BE49-F238E27FC236}">
+                  <a16:creationId xmlns:a16="http://schemas.microsoft.com/office/drawing/2014/main" id="{66A2823A-DE09-4B9B-8214-20AEEC68349F}"/>
+                </a:ext>
+              </a:extLst>
+            </p:cNvPr>
+            <p:cNvSpPr/>
+            <p:nvPr/>
+          </p:nvSpPr>
+          <p:spPr>
+            <a:xfrm>
+              <a:off x="9120531" y="2631825"/>
+              <a:ext cx="271457" cy="271457"/>
+            </a:xfrm>
+            <a:prstGeom prst="ellipse">
+              <a:avLst/>
+            </a:prstGeom>
+            <a:noFill/>
+            <a:ln w="57150">
+              <a:solidFill>
+                <a:schemeClr val="bg1"/>
+              </a:solidFill>
+            </a:ln>
+          </p:spPr>
+          <p:style>
+            <a:lnRef idx="2">
+              <a:schemeClr val="accent1">
+                <a:shade val="50000"/>
+              </a:schemeClr>
+            </a:lnRef>
+            <a:fillRef idx="1">
+              <a:schemeClr val="accent1"/>
+            </a:fillRef>
+            <a:effectRef idx="0">
+              <a:schemeClr val="accent1"/>
+            </a:effectRef>
+            <a:fontRef idx="minor">
+              <a:schemeClr val="lt1"/>
+            </a:fontRef>
+          </p:style>
+          <p:txBody>
+            <a:bodyPr rtlCol="0" anchor="ctr"/>
+            <a:lstStyle/>
+            <a:p>
+              <a:pPr algn="ctr"/>
+              <a:endParaRPr lang="es-MX" dirty="0"/>
+            </a:p>
+          </p:txBody>
+        </p:sp>
+        <p:cxnSp>
+          <p:nvCxnSpPr>
+            <p:cNvPr id="15" name="Conector: angular 14">
+              <a:extLst>
+                <a:ext uri="{FF2B5EF4-FFF2-40B4-BE49-F238E27FC236}">
+                  <a16:creationId xmlns:a16="http://schemas.microsoft.com/office/drawing/2014/main" id="{196DB337-65E9-43DD-BC18-610E5C419F77}"/>
+                </a:ext>
+              </a:extLst>
+            </p:cNvPr>
+            <p:cNvCxnSpPr>
+              <a:stCxn id="16" idx="6"/>
+              <a:endCxn id="14" idx="2"/>
+            </p:cNvCxnSpPr>
+            <p:nvPr/>
+          </p:nvCxnSpPr>
+          <p:spPr>
+            <a:xfrm flipV="1">
+              <a:off x="8624172" y="2767554"/>
+              <a:ext cx="496359" cy="888910"/>
+            </a:xfrm>
+            <a:prstGeom prst="bentConnector3">
+              <a:avLst/>
+            </a:prstGeom>
+            <a:ln w="57150">
+              <a:solidFill>
+                <a:schemeClr val="bg1"/>
+              </a:solidFill>
+            </a:ln>
+          </p:spPr>
+          <p:style>
+            <a:lnRef idx="1">
+              <a:schemeClr val="accent1"/>
+            </a:lnRef>
+            <a:fillRef idx="0">
+              <a:schemeClr val="accent1"/>
+            </a:fillRef>
+            <a:effectRef idx="0">
+              <a:schemeClr val="accent1"/>
+            </a:effectRef>
+            <a:fontRef idx="minor">
+              <a:schemeClr val="tx1"/>
+            </a:fontRef>
+          </p:style>
+        </p:cxnSp>
+        <p:sp>
+          <p:nvSpPr>
+            <p:cNvPr id="22" name="Elipse 21">
+              <a:extLst>
+                <a:ext uri="{FF2B5EF4-FFF2-40B4-BE49-F238E27FC236}">
+                  <a16:creationId xmlns:a16="http://schemas.microsoft.com/office/drawing/2014/main" id="{403BC53E-B596-401C-A06C-8D056F100163}"/>
+                </a:ext>
+              </a:extLst>
+            </p:cNvPr>
+            <p:cNvSpPr/>
+            <p:nvPr/>
+          </p:nvSpPr>
+          <p:spPr>
+            <a:xfrm>
+              <a:off x="4928546" y="4425924"/>
+              <a:ext cx="271457" cy="271457"/>
+            </a:xfrm>
+            <a:prstGeom prst="ellipse">
+              <a:avLst/>
+            </a:prstGeom>
+            <a:solidFill>
+              <a:srgbClr val="FF5F6D"/>
+            </a:solidFill>
+            <a:ln w="57150">
+              <a:solidFill>
+                <a:schemeClr val="bg1"/>
+              </a:solidFill>
+            </a:ln>
+          </p:spPr>
+          <p:style>
+            <a:lnRef idx="2">
+              <a:schemeClr val="accent1">
+                <a:shade val="50000"/>
+              </a:schemeClr>
+            </a:lnRef>
+            <a:fillRef idx="1">
+              <a:schemeClr val="accent1"/>
+            </a:fillRef>
+            <a:effectRef idx="0">
+              <a:schemeClr val="accent1"/>
+            </a:effectRef>
+            <a:fontRef idx="minor">
+              <a:schemeClr val="lt1"/>
+            </a:fontRef>
+          </p:style>
+          <p:txBody>
+            <a:bodyPr rtlCol="0" anchor="ctr"/>
+            <a:lstStyle/>
+            <a:p>
+              <a:pPr algn="ctr"/>
+              <a:endParaRPr lang="es-MX" dirty="0">
+                <a:solidFill>
+                  <a:srgbClr val="FF776E"/>
+                </a:solidFill>
+              </a:endParaRPr>
+            </a:p>
+          </p:txBody>
+        </p:sp>
+        <p:sp>
+          <p:nvSpPr>
+            <p:cNvPr id="23" name="CuadroTexto 22">
+              <a:extLst>
+                <a:ext uri="{FF2B5EF4-FFF2-40B4-BE49-F238E27FC236}">
+                  <a16:creationId xmlns:a16="http://schemas.microsoft.com/office/drawing/2014/main" id="{350235DB-CADA-43BB-A1D0-062DAA85E441}"/>
+                </a:ext>
+              </a:extLst>
+            </p:cNvPr>
+            <p:cNvSpPr txBox="1"/>
+            <p:nvPr/>
+          </p:nvSpPr>
+          <p:spPr>
+            <a:xfrm>
+              <a:off x="2800010" y="4336685"/>
+              <a:ext cx="1239694" cy="369332"/>
+            </a:xfrm>
+            <a:prstGeom prst="rect">
+              <a:avLst/>
+            </a:prstGeom>
+            <a:noFill/>
+          </p:spPr>
+          <p:txBody>
+            <a:bodyPr wrap="square" rtlCol="0">
+              <a:spAutoFit/>
+            </a:bodyPr>
+            <a:lstStyle/>
+            <a:p>
+              <a:pPr algn="ctr"/>
+              <a:r>
+                <a:rPr lang="en-US" dirty="0">
+                  <a:solidFill>
+                    <a:schemeClr val="bg1"/>
+                  </a:solidFill>
+                  <a:latin typeface="Gotham Rounded Medium" panose="02000000000000000000" pitchFamily="50" charset="0"/>
+                </a:rPr>
+                <a:t>develop</a:t>
+              </a:r>
+              <a:endParaRPr lang="es-MX" dirty="0">
+                <a:solidFill>
+                  <a:schemeClr val="bg1"/>
+                </a:solidFill>
+                <a:latin typeface="Gotham Rounded Medium" panose="02000000000000000000" pitchFamily="50" charset="0"/>
+              </a:endParaRPr>
+            </a:p>
+          </p:txBody>
+        </p:sp>
+        <p:grpSp>
+          <p:nvGrpSpPr>
+            <p:cNvPr id="24" name="Grupo 23">
+              <a:extLst>
+                <a:ext uri="{FF2B5EF4-FFF2-40B4-BE49-F238E27FC236}">
+                  <a16:creationId xmlns:a16="http://schemas.microsoft.com/office/drawing/2014/main" id="{84811C5A-15B0-4E70-A26D-1D481A475AE9}"/>
+                </a:ext>
+              </a:extLst>
+            </p:cNvPr>
+            <p:cNvGrpSpPr/>
+            <p:nvPr/>
+          </p:nvGrpSpPr>
+          <p:grpSpPr>
+            <a:xfrm>
+              <a:off x="5821438" y="4425924"/>
+              <a:ext cx="1239694" cy="780740"/>
+              <a:chOff x="2989200" y="4303365"/>
+              <a:chExt cx="1017619" cy="640880"/>
+            </a:xfrm>
+          </p:grpSpPr>
+          <p:sp>
+            <p:nvSpPr>
+              <p:cNvPr id="25" name="Elipse 24">
+                <a:extLst>
+                  <a:ext uri="{FF2B5EF4-FFF2-40B4-BE49-F238E27FC236}">
+                    <a16:creationId xmlns:a16="http://schemas.microsoft.com/office/drawing/2014/main" id="{E100B837-FD9C-4788-8678-9DCAF8691C0B}"/>
+                  </a:ext>
+                </a:extLst>
+              </p:cNvPr>
+              <p:cNvSpPr/>
+              <p:nvPr/>
+            </p:nvSpPr>
+            <p:spPr>
+              <a:xfrm>
+                <a:off x="3386595" y="4303365"/>
+                <a:ext cx="222829" cy="222829"/>
+              </a:xfrm>
+              <a:prstGeom prst="ellipse">
+                <a:avLst/>
+              </a:prstGeom>
+              <a:solidFill>
+                <a:srgbClr val="FF5F6D"/>
+              </a:solidFill>
+              <a:ln w="57150">
+                <a:solidFill>
+                  <a:schemeClr val="bg1"/>
+                </a:solidFill>
+              </a:ln>
+            </p:spPr>
+            <p:style>
+              <a:lnRef idx="2">
+                <a:schemeClr val="accent1">
+                  <a:shade val="50000"/>
+                </a:schemeClr>
+              </a:lnRef>
+              <a:fillRef idx="1">
+                <a:schemeClr val="accent1"/>
+              </a:fillRef>
+              <a:effectRef idx="0">
+                <a:schemeClr val="accent1"/>
+              </a:effectRef>
+              <a:fontRef idx="minor">
+                <a:schemeClr val="lt1"/>
+              </a:fontRef>
+            </p:style>
+            <p:txBody>
+              <a:bodyPr rtlCol="0" anchor="ctr"/>
+              <a:lstStyle/>
+              <a:p>
+                <a:pPr algn="ctr"/>
+                <a:endParaRPr lang="es-MX">
+                  <a:solidFill>
+                    <a:srgbClr val="FF776E"/>
+                  </a:solidFill>
+                </a:endParaRPr>
+              </a:p>
+            </p:txBody>
+          </p:sp>
+          <p:sp>
+            <p:nvSpPr>
+              <p:cNvPr id="26" name="CuadroTexto 25">
+                <a:extLst>
+                  <a:ext uri="{FF2B5EF4-FFF2-40B4-BE49-F238E27FC236}">
+                    <a16:creationId xmlns:a16="http://schemas.microsoft.com/office/drawing/2014/main" id="{348E0089-0238-40D4-9E39-400B5EC7F9B7}"/>
+                  </a:ext>
+                </a:extLst>
+              </p:cNvPr>
+              <p:cNvSpPr txBox="1"/>
+              <p:nvPr/>
+            </p:nvSpPr>
+            <p:spPr>
+              <a:xfrm>
+                <a:off x="2989200" y="4514754"/>
+                <a:ext cx="1017619" cy="429491"/>
+              </a:xfrm>
+              <a:prstGeom prst="rect">
+                <a:avLst/>
+              </a:prstGeom>
+              <a:noFill/>
+            </p:spPr>
+            <p:txBody>
+              <a:bodyPr wrap="square" rtlCol="0">
+                <a:spAutoFit/>
+              </a:bodyPr>
+              <a:lstStyle/>
+              <a:p>
+                <a:pPr algn="ctr"/>
+                <a:r>
+                  <a:rPr lang="en-US" sz="1400" dirty="0" err="1">
+                    <a:solidFill>
+                      <a:schemeClr val="bg1"/>
+                    </a:solidFill>
+                    <a:latin typeface="Gotham Rounded Book" pitchFamily="50" charset="0"/>
+                  </a:rPr>
+                  <a:t>botón</a:t>
+                </a:r>
+                <a:r>
+                  <a:rPr lang="en-US" sz="1400" dirty="0">
+                    <a:solidFill>
+                      <a:schemeClr val="bg1"/>
+                    </a:solidFill>
+                    <a:latin typeface="Gotham Rounded Book" pitchFamily="50" charset="0"/>
+                  </a:rPr>
+                  <a:t> logo</a:t>
+                </a:r>
+              </a:p>
+              <a:p>
+                <a:pPr algn="ctr"/>
+                <a:r>
+                  <a:rPr lang="en-US" sz="1400" dirty="0" err="1">
+                    <a:solidFill>
+                      <a:schemeClr val="bg1"/>
+                    </a:solidFill>
+                    <a:latin typeface="Gotham Rounded Book" pitchFamily="50" charset="0"/>
+                  </a:rPr>
+                  <a:t>listo</a:t>
+                </a:r>
+                <a:endParaRPr lang="es-MX" sz="1400" dirty="0">
+                  <a:solidFill>
+                    <a:schemeClr val="bg1"/>
+                  </a:solidFill>
+                  <a:latin typeface="Gotham Rounded Book" pitchFamily="50" charset="0"/>
+                </a:endParaRPr>
+              </a:p>
+            </p:txBody>
+          </p:sp>
+        </p:grpSp>
+        <p:cxnSp>
+          <p:nvCxnSpPr>
+            <p:cNvPr id="27" name="Conector recto 26">
+              <a:extLst>
+                <a:ext uri="{FF2B5EF4-FFF2-40B4-BE49-F238E27FC236}">
+                  <a16:creationId xmlns:a16="http://schemas.microsoft.com/office/drawing/2014/main" id="{EBCA265B-4532-4D37-AA27-AA6DA885F0F2}"/>
+                </a:ext>
+              </a:extLst>
+            </p:cNvPr>
+            <p:cNvCxnSpPr>
+              <a:stCxn id="22" idx="6"/>
+              <a:endCxn id="25" idx="2"/>
+            </p:cNvCxnSpPr>
+            <p:nvPr/>
+          </p:nvCxnSpPr>
+          <p:spPr>
+            <a:xfrm>
+              <a:off x="5200003" y="4561653"/>
+              <a:ext cx="1105554" cy="0"/>
+            </a:xfrm>
+            <a:prstGeom prst="line">
+              <a:avLst/>
+            </a:prstGeom>
+            <a:ln w="57150">
+              <a:solidFill>
+                <a:schemeClr val="bg1"/>
+              </a:solidFill>
+            </a:ln>
+          </p:spPr>
+          <p:style>
+            <a:lnRef idx="1">
+              <a:schemeClr val="accent1"/>
+            </a:lnRef>
+            <a:fillRef idx="0">
+              <a:schemeClr val="accent1"/>
+            </a:fillRef>
+            <a:effectRef idx="0">
+              <a:schemeClr val="accent1"/>
+            </a:effectRef>
+            <a:fontRef idx="minor">
+              <a:schemeClr val="tx1"/>
+            </a:fontRef>
+          </p:style>
+        </p:cxnSp>
+        <p:grpSp>
+          <p:nvGrpSpPr>
+            <p:cNvPr id="28" name="Grupo 27">
+              <a:extLst>
+                <a:ext uri="{FF2B5EF4-FFF2-40B4-BE49-F238E27FC236}">
+                  <a16:creationId xmlns:a16="http://schemas.microsoft.com/office/drawing/2014/main" id="{2FDC233D-281B-4F44-9D69-959B07F85EA4}"/>
+                </a:ext>
+              </a:extLst>
+            </p:cNvPr>
+            <p:cNvGrpSpPr/>
+            <p:nvPr/>
+          </p:nvGrpSpPr>
+          <p:grpSpPr>
+            <a:xfrm>
+              <a:off x="7305351" y="4427966"/>
+              <a:ext cx="925310" cy="794677"/>
+              <a:chOff x="3118233" y="4303365"/>
+              <a:chExt cx="759553" cy="652321"/>
+            </a:xfrm>
+          </p:grpSpPr>
+          <p:sp>
+            <p:nvSpPr>
+              <p:cNvPr id="29" name="Elipse 28">
+                <a:extLst>
+                  <a:ext uri="{FF2B5EF4-FFF2-40B4-BE49-F238E27FC236}">
+                    <a16:creationId xmlns:a16="http://schemas.microsoft.com/office/drawing/2014/main" id="{498A65C9-B0B6-4019-B6D6-7B82FDD50218}"/>
+                  </a:ext>
+                </a:extLst>
+              </p:cNvPr>
+              <p:cNvSpPr/>
+              <p:nvPr/>
+            </p:nvSpPr>
+            <p:spPr>
+              <a:xfrm>
+                <a:off x="3386595" y="4303365"/>
+                <a:ext cx="222829" cy="222829"/>
+              </a:xfrm>
+              <a:prstGeom prst="ellipse">
+                <a:avLst/>
+              </a:prstGeom>
+              <a:solidFill>
+                <a:srgbClr val="FF5F6D"/>
+              </a:solidFill>
+              <a:ln w="57150">
+                <a:solidFill>
+                  <a:schemeClr val="bg1"/>
+                </a:solidFill>
+              </a:ln>
+            </p:spPr>
+            <p:style>
+              <a:lnRef idx="2">
+                <a:schemeClr val="accent1">
+                  <a:shade val="50000"/>
+                </a:schemeClr>
+              </a:lnRef>
+              <a:fillRef idx="1">
+                <a:schemeClr val="accent1"/>
+              </a:fillRef>
+              <a:effectRef idx="0">
+                <a:schemeClr val="accent1"/>
+              </a:effectRef>
+              <a:fontRef idx="minor">
+                <a:schemeClr val="lt1"/>
+              </a:fontRef>
+            </p:style>
+            <p:txBody>
+              <a:bodyPr rtlCol="0" anchor="ctr"/>
+              <a:lstStyle/>
+              <a:p>
+                <a:pPr algn="ctr"/>
+                <a:endParaRPr lang="es-MX">
+                  <a:solidFill>
+                    <a:srgbClr val="FF776E"/>
+                  </a:solidFill>
+                </a:endParaRPr>
+              </a:p>
+            </p:txBody>
+          </p:sp>
+          <p:sp>
+            <p:nvSpPr>
+              <p:cNvPr id="30" name="CuadroTexto 29">
+                <a:extLst>
+                  <a:ext uri="{FF2B5EF4-FFF2-40B4-BE49-F238E27FC236}">
+                    <a16:creationId xmlns:a16="http://schemas.microsoft.com/office/drawing/2014/main" id="{2D9D955A-5B69-4A28-AB0E-6482C48F13DD}"/>
+                  </a:ext>
+                </a:extLst>
+              </p:cNvPr>
+              <p:cNvSpPr txBox="1"/>
+              <p:nvPr/>
+            </p:nvSpPr>
+            <p:spPr>
+              <a:xfrm>
+                <a:off x="3118233" y="4526194"/>
+                <a:ext cx="759553" cy="429492"/>
+              </a:xfrm>
+              <a:prstGeom prst="rect">
+                <a:avLst/>
+              </a:prstGeom>
+              <a:noFill/>
+            </p:spPr>
+            <p:txBody>
+              <a:bodyPr wrap="square" rtlCol="0">
+                <a:spAutoFit/>
+              </a:bodyPr>
+              <a:lstStyle/>
+              <a:p>
+                <a:pPr algn="ctr"/>
+                <a:r>
+                  <a:rPr lang="en-US" sz="1400" dirty="0">
+                    <a:solidFill>
+                      <a:schemeClr val="bg1"/>
+                    </a:solidFill>
+                    <a:latin typeface="Gotham Rounded Book" pitchFamily="50" charset="0"/>
+                  </a:rPr>
+                  <a:t>Sockets</a:t>
+                </a:r>
+              </a:p>
+              <a:p>
+                <a:pPr algn="ctr"/>
+                <a:r>
+                  <a:rPr lang="en-US" sz="1400" dirty="0" err="1">
+                    <a:solidFill>
+                      <a:schemeClr val="bg1"/>
+                    </a:solidFill>
+                    <a:latin typeface="Gotham Rounded Book" pitchFamily="50" charset="0"/>
+                  </a:rPr>
+                  <a:t>listos</a:t>
+                </a:r>
+                <a:endParaRPr lang="en-US" sz="1400" dirty="0">
+                  <a:solidFill>
+                    <a:schemeClr val="bg1"/>
+                  </a:solidFill>
+                  <a:latin typeface="Gotham Rounded Book" pitchFamily="50" charset="0"/>
+                </a:endParaRPr>
+              </a:p>
+            </p:txBody>
+          </p:sp>
+        </p:grpSp>
+        <p:cxnSp>
+          <p:nvCxnSpPr>
+            <p:cNvPr id="31" name="Conector recto 30">
+              <a:extLst>
+                <a:ext uri="{FF2B5EF4-FFF2-40B4-BE49-F238E27FC236}">
+                  <a16:creationId xmlns:a16="http://schemas.microsoft.com/office/drawing/2014/main" id="{5F38AD3B-C666-4603-BE78-4C076E33B330}"/>
+                </a:ext>
+              </a:extLst>
+            </p:cNvPr>
+            <p:cNvCxnSpPr>
+              <a:cxnSpLocks/>
+              <a:stCxn id="25" idx="6"/>
+              <a:endCxn id="29" idx="2"/>
+            </p:cNvCxnSpPr>
+            <p:nvPr/>
+          </p:nvCxnSpPr>
+          <p:spPr>
+            <a:xfrm>
+              <a:off x="6577014" y="4561653"/>
+              <a:ext cx="1055264" cy="2044"/>
+            </a:xfrm>
+            <a:prstGeom prst="line">
+              <a:avLst/>
+            </a:prstGeom>
+            <a:ln w="57150">
+              <a:solidFill>
+                <a:schemeClr val="bg1"/>
+              </a:solidFill>
+            </a:ln>
+          </p:spPr>
+          <p:style>
+            <a:lnRef idx="1">
+              <a:schemeClr val="accent1"/>
+            </a:lnRef>
+            <a:fillRef idx="0">
+              <a:schemeClr val="accent1"/>
+            </a:fillRef>
+            <a:effectRef idx="0">
+              <a:schemeClr val="accent1"/>
+            </a:effectRef>
+            <a:fontRef idx="minor">
+              <a:schemeClr val="tx1"/>
+            </a:fontRef>
+          </p:style>
+        </p:cxnSp>
+        <p:cxnSp>
+          <p:nvCxnSpPr>
+            <p:cNvPr id="37" name="Conector recto 36">
+              <a:extLst>
+                <a:ext uri="{FF2B5EF4-FFF2-40B4-BE49-F238E27FC236}">
+                  <a16:creationId xmlns:a16="http://schemas.microsoft.com/office/drawing/2014/main" id="{3A491FA4-2E28-4171-9430-C6D50AF31DB4}"/>
+                </a:ext>
+              </a:extLst>
+            </p:cNvPr>
+            <p:cNvCxnSpPr>
+              <a:cxnSpLocks/>
+              <a:stCxn id="7" idx="4"/>
+              <a:endCxn id="22" idx="0"/>
+            </p:cNvCxnSpPr>
+            <p:nvPr/>
+          </p:nvCxnSpPr>
+          <p:spPr>
+            <a:xfrm flipH="1">
+              <a:off x="5064275" y="3792192"/>
+              <a:ext cx="1" cy="633732"/>
+            </a:xfrm>
+            <a:prstGeom prst="line">
+              <a:avLst/>
+            </a:prstGeom>
+            <a:ln w="57150">
+              <a:solidFill>
+                <a:schemeClr val="bg1"/>
+              </a:solidFill>
+            </a:ln>
+          </p:spPr>
+          <p:style>
+            <a:lnRef idx="1">
+              <a:schemeClr val="accent1"/>
+            </a:lnRef>
+            <a:fillRef idx="0">
+              <a:schemeClr val="accent1"/>
+            </a:fillRef>
+            <a:effectRef idx="0">
+              <a:schemeClr val="accent1"/>
+            </a:effectRef>
+            <a:fontRef idx="minor">
+              <a:schemeClr val="tx1"/>
+            </a:fontRef>
+          </p:style>
+        </p:cxnSp>
+        <p:cxnSp>
+          <p:nvCxnSpPr>
+            <p:cNvPr id="40" name="Conector recto 39">
+              <a:extLst>
+                <a:ext uri="{FF2B5EF4-FFF2-40B4-BE49-F238E27FC236}">
+                  <a16:creationId xmlns:a16="http://schemas.microsoft.com/office/drawing/2014/main" id="{CA8D2AF2-AA9A-4492-AA7C-C51FD6A70D78}"/>
+                </a:ext>
+              </a:extLst>
+            </p:cNvPr>
+            <p:cNvCxnSpPr>
+              <a:cxnSpLocks/>
+              <a:endCxn id="25" idx="0"/>
+            </p:cNvCxnSpPr>
+            <p:nvPr/>
+          </p:nvCxnSpPr>
+          <p:spPr>
+            <a:xfrm>
+              <a:off x="6441286" y="3642489"/>
+              <a:ext cx="0" cy="783435"/>
+            </a:xfrm>
+            <a:prstGeom prst="line">
+              <a:avLst/>
+            </a:prstGeom>
+            <a:ln w="57150">
+              <a:solidFill>
+                <a:schemeClr val="bg1"/>
+              </a:solidFill>
+            </a:ln>
+          </p:spPr>
+          <p:style>
+            <a:lnRef idx="1">
+              <a:schemeClr val="accent1"/>
+            </a:lnRef>
+            <a:fillRef idx="0">
+              <a:schemeClr val="accent1"/>
+            </a:fillRef>
+            <a:effectRef idx="0">
+              <a:schemeClr val="accent1"/>
+            </a:effectRef>
+            <a:fontRef idx="minor">
+              <a:schemeClr val="tx1"/>
+            </a:fontRef>
+          </p:style>
+        </p:cxnSp>
+        <p:cxnSp>
+          <p:nvCxnSpPr>
+            <p:cNvPr id="43" name="Conector recto 42">
+              <a:extLst>
+                <a:ext uri="{FF2B5EF4-FFF2-40B4-BE49-F238E27FC236}">
+                  <a16:creationId xmlns:a16="http://schemas.microsoft.com/office/drawing/2014/main" id="{4FB6F66A-5CE2-4BBA-96EB-4FE6AE72F766}"/>
+                </a:ext>
+              </a:extLst>
+            </p:cNvPr>
+            <p:cNvCxnSpPr>
+              <a:cxnSpLocks/>
+              <a:stCxn id="29" idx="0"/>
+            </p:cNvCxnSpPr>
+            <p:nvPr/>
+          </p:nvCxnSpPr>
+          <p:spPr>
+            <a:xfrm flipH="1" flipV="1">
+              <a:off x="7768006" y="3640749"/>
+              <a:ext cx="1" cy="787217"/>
+            </a:xfrm>
+            <a:prstGeom prst="line">
+              <a:avLst/>
+            </a:prstGeom>
+            <a:ln w="57150">
+              <a:solidFill>
+                <a:schemeClr val="bg1"/>
+              </a:solidFill>
+            </a:ln>
+          </p:spPr>
+          <p:style>
+            <a:lnRef idx="1">
+              <a:schemeClr val="accent1"/>
+            </a:lnRef>
+            <a:fillRef idx="0">
+              <a:schemeClr val="accent1"/>
+            </a:fillRef>
+            <a:effectRef idx="0">
+              <a:schemeClr val="accent1"/>
+            </a:effectRef>
+            <a:fontRef idx="minor">
+              <a:schemeClr val="tx1"/>
+            </a:fontRef>
+          </p:style>
+        </p:cxnSp>
+        <p:cxnSp>
+          <p:nvCxnSpPr>
+            <p:cNvPr id="46" name="Conector recto 45">
+              <a:extLst>
+                <a:ext uri="{FF2B5EF4-FFF2-40B4-BE49-F238E27FC236}">
+                  <a16:creationId xmlns:a16="http://schemas.microsoft.com/office/drawing/2014/main" id="{1AF8256D-C4CF-4E0D-9FAD-532F3654E7E7}"/>
+                </a:ext>
+              </a:extLst>
+            </p:cNvPr>
+            <p:cNvCxnSpPr>
+              <a:cxnSpLocks/>
+            </p:cNvCxnSpPr>
+            <p:nvPr/>
+          </p:nvCxnSpPr>
+          <p:spPr>
+            <a:xfrm>
+              <a:off x="7243447" y="3656463"/>
+              <a:ext cx="0" cy="888909"/>
+            </a:xfrm>
+            <a:prstGeom prst="line">
+              <a:avLst/>
+            </a:prstGeom>
+            <a:ln w="57150">
+              <a:solidFill>
+                <a:schemeClr val="bg1"/>
+              </a:solidFill>
+            </a:ln>
+          </p:spPr>
+          <p:style>
+            <a:lnRef idx="1">
+              <a:schemeClr val="accent1"/>
+            </a:lnRef>
+            <a:fillRef idx="0">
+              <a:schemeClr val="accent1"/>
+            </a:fillRef>
+            <a:effectRef idx="0">
+              <a:schemeClr val="accent1"/>
+            </a:effectRef>
+            <a:fontRef idx="minor">
+              <a:schemeClr val="tx1"/>
+            </a:fontRef>
+          </p:style>
+        </p:cxnSp>
+      </p:grpSp>
+      <p:grpSp>
+        <p:nvGrpSpPr>
+          <p:cNvPr id="51" name="Grupo 50">
+            <a:extLst>
+              <a:ext uri="{FF2B5EF4-FFF2-40B4-BE49-F238E27FC236}">
+                <a16:creationId xmlns:a16="http://schemas.microsoft.com/office/drawing/2014/main" id="{141964CA-578B-4C97-98F9-C63B736DFF74}"/>
+              </a:ext>
+            </a:extLst>
+          </p:cNvPr>
+          <p:cNvGrpSpPr/>
+          <p:nvPr/>
+        </p:nvGrpSpPr>
+        <p:grpSpPr>
+          <a:xfrm>
+            <a:off x="87258" y="85725"/>
+            <a:ext cx="7140856" cy="707886"/>
+            <a:chOff x="125358" y="333375"/>
+            <a:chExt cx="6494517" cy="707886"/>
+          </a:xfrm>
+        </p:grpSpPr>
+        <p:sp>
+          <p:nvSpPr>
+            <p:cNvPr id="52" name="CuadroTexto 51">
+              <a:extLst>
+                <a:ext uri="{FF2B5EF4-FFF2-40B4-BE49-F238E27FC236}">
+                  <a16:creationId xmlns:a16="http://schemas.microsoft.com/office/drawing/2014/main" id="{1C704180-C1CE-4C8A-B359-73A930521A0A}"/>
+                </a:ext>
+              </a:extLst>
+            </p:cNvPr>
+            <p:cNvSpPr txBox="1"/>
+            <p:nvPr/>
+          </p:nvSpPr>
+          <p:spPr>
+            <a:xfrm>
+              <a:off x="590550" y="333375"/>
+              <a:ext cx="6029325" cy="707886"/>
+            </a:xfrm>
+            <a:prstGeom prst="rect">
+              <a:avLst/>
+            </a:prstGeom>
+            <a:noFill/>
+          </p:spPr>
+          <p:txBody>
+            <a:bodyPr wrap="square" rtlCol="0">
+              <a:spAutoFit/>
+            </a:bodyPr>
+            <a:lstStyle/>
+            <a:p>
+              <a:r>
+                <a:rPr lang="en-US" sz="4000" dirty="0" err="1">
+                  <a:solidFill>
+                    <a:schemeClr val="bg1"/>
+                  </a:solidFill>
+                  <a:latin typeface="Gotham Rounded Bold" pitchFamily="50" charset="0"/>
+                </a:rPr>
+                <a:t>Mío</a:t>
+              </a:r>
+              <a:endParaRPr lang="es-MX" sz="4000" dirty="0">
+                <a:solidFill>
+                  <a:schemeClr val="bg1"/>
+                </a:solidFill>
+                <a:latin typeface="Gotham Rounded Bold" pitchFamily="50" charset="0"/>
+              </a:endParaRPr>
+            </a:p>
+          </p:txBody>
+        </p:sp>
+        <p:sp>
+          <p:nvSpPr>
+            <p:cNvPr id="53" name="Rectángulo 52">
+              <a:extLst>
+                <a:ext uri="{FF2B5EF4-FFF2-40B4-BE49-F238E27FC236}">
+                  <a16:creationId xmlns:a16="http://schemas.microsoft.com/office/drawing/2014/main" id="{BE16DCE4-8BAE-4F62-9F8B-91D42D7B36A1}"/>
+                </a:ext>
+              </a:extLst>
+            </p:cNvPr>
+            <p:cNvSpPr/>
+            <p:nvPr/>
+          </p:nvSpPr>
+          <p:spPr>
+            <a:xfrm>
+              <a:off x="125358" y="410319"/>
+              <a:ext cx="465192" cy="553998"/>
+            </a:xfrm>
+            <a:prstGeom prst="rect">
+              <a:avLst/>
+            </a:prstGeom>
+          </p:spPr>
+          <p:txBody>
+            <a:bodyPr wrap="square">
+              <a:spAutoFit/>
+            </a:bodyPr>
+            <a:lstStyle/>
+            <a:p>
+              <a:r>
+                <a:rPr lang="es-MX" sz="3000" dirty="0">
+                  <a:solidFill>
+                    <a:schemeClr val="bg1"/>
+                  </a:solidFill>
+                  <a:latin typeface="Font Awesome 5 Free Solid" panose="02000503000000000000" pitchFamily="50" charset="0"/>
+                </a:rPr>
+                <a:t></a:t>
+              </a:r>
+            </a:p>
+          </p:txBody>
+        </p:sp>
+      </p:grpSp>
+      <p:sp>
+        <p:nvSpPr>
+          <p:cNvPr id="54" name="CuadroTexto 53">
+            <a:extLst>
+              <a:ext uri="{FF2B5EF4-FFF2-40B4-BE49-F238E27FC236}">
+                <a16:creationId xmlns:a16="http://schemas.microsoft.com/office/drawing/2014/main" id="{86F631EA-3AC1-45B5-9A72-A82D182C5290}"/>
+              </a:ext>
+            </a:extLst>
+          </p:cNvPr>
+          <p:cNvSpPr txBox="1"/>
+          <p:nvPr/>
+        </p:nvSpPr>
+        <p:spPr>
+          <a:xfrm>
+            <a:off x="598746" y="578167"/>
+            <a:ext cx="3186546" cy="338554"/>
+          </a:xfrm>
+          <a:prstGeom prst="rect">
+            <a:avLst/>
+          </a:prstGeom>
+          <a:noFill/>
+        </p:spPr>
+        <p:txBody>
+          <a:bodyPr wrap="square" rtlCol="0">
+            <a:spAutoFit/>
+          </a:bodyPr>
+          <a:lstStyle/>
+          <a:p>
+            <a:r>
+              <a:rPr lang="en-US" sz="1600" dirty="0" err="1">
+                <a:solidFill>
+                  <a:schemeClr val="bg1"/>
+                </a:solidFill>
+                <a:latin typeface="Gotham Rounded Medium" panose="02000000000000000000" pitchFamily="50" charset="0"/>
+              </a:rPr>
+              <a:t>ejemplo</a:t>
+            </a:r>
+            <a:r>
+              <a:rPr lang="en-US" sz="1600" dirty="0">
+                <a:solidFill>
+                  <a:schemeClr val="bg1"/>
+                </a:solidFill>
+                <a:latin typeface="Gotham Rounded Medium" panose="02000000000000000000" pitchFamily="50" charset="0"/>
+              </a:rPr>
+              <a:t>:</a:t>
+            </a:r>
+            <a:endParaRPr lang="es-MX" sz="1600" dirty="0">
+              <a:solidFill>
+                <a:schemeClr val="bg1"/>
+              </a:solidFill>
+              <a:latin typeface="Gotham Rounded Medium" panose="02000000000000000000" pitchFamily="50" charset="0"/>
+            </a:endParaRPr>
+          </a:p>
+        </p:txBody>
+      </p:sp>
+      <p:sp>
+        <p:nvSpPr>
+          <p:cNvPr id="55" name="CuadroTexto 54">
+            <a:extLst>
+              <a:ext uri="{FF2B5EF4-FFF2-40B4-BE49-F238E27FC236}">
+                <a16:creationId xmlns:a16="http://schemas.microsoft.com/office/drawing/2014/main" id="{8114ACEA-92C6-4F2A-A8AA-F4B820C9C1FF}"/>
+              </a:ext>
+            </a:extLst>
+          </p:cNvPr>
+          <p:cNvSpPr txBox="1"/>
+          <p:nvPr/>
+        </p:nvSpPr>
+        <p:spPr>
+          <a:xfrm flipH="1">
+            <a:off x="0" y="6457890"/>
+            <a:ext cx="1924050" cy="400110"/>
+          </a:xfrm>
+          <a:prstGeom prst="rect">
+            <a:avLst/>
+          </a:prstGeom>
+          <a:noFill/>
+        </p:spPr>
+        <p:txBody>
+          <a:bodyPr wrap="square" rtlCol="0">
+            <a:spAutoFit/>
+          </a:bodyPr>
+          <a:lstStyle/>
+          <a:p>
+            <a:r>
+              <a:rPr lang="en-US" sz="2000" dirty="0">
+                <a:solidFill>
+                  <a:schemeClr val="bg1">
+                    <a:lumMod val="95000"/>
+                  </a:schemeClr>
+                </a:solidFill>
+                <a:latin typeface="Gotham Rounded Medium" panose="02000000000000000000" pitchFamily="50" charset="0"/>
+              </a:rPr>
+              <a:t>@</a:t>
+            </a:r>
+            <a:r>
+              <a:rPr lang="en-US" sz="2000" dirty="0" err="1">
+                <a:solidFill>
+                  <a:schemeClr val="bg1">
+                    <a:lumMod val="95000"/>
+                  </a:schemeClr>
+                </a:solidFill>
+                <a:latin typeface="Gotham Rounded Medium" panose="02000000000000000000" pitchFamily="50" charset="0"/>
+              </a:rPr>
+              <a:t>luisejrobles</a:t>
+            </a:r>
+            <a:endParaRPr lang="es-MX" sz="2000" dirty="0">
+              <a:solidFill>
+                <a:schemeClr val="bg1">
+                  <a:lumMod val="95000"/>
+                </a:schemeClr>
+              </a:solidFill>
+              <a:latin typeface="Gotham Rounded Medium" panose="02000000000000000000" pitchFamily="50" charset="0"/>
+            </a:endParaRPr>
+          </a:p>
+        </p:txBody>
+      </p:sp>
+    </p:spTree>
+    <p:extLst>
+      <p:ext uri="{BB962C8B-B14F-4D97-AF65-F5344CB8AC3E}">
+        <p14:creationId xmlns:p14="http://schemas.microsoft.com/office/powerpoint/2010/main" val="3276075978"/>
+      </p:ext>
+    </p:extLst>
+  </p:cSld>
+  <p:clrMapOvr>
+    <a:masterClrMapping/>
+  </p:clrMapOvr>
+</p:sld>
+</file>
+
+<file path=ppt/slides/slide27.xml><?xml version="1.0" encoding="utf-8"?>
 <p:sld xmlns:a="http://schemas.openxmlformats.org/drawingml/2006/main" xmlns:r="http://schemas.openxmlformats.org/officeDocument/2006/relationships" xmlns:p="http://schemas.openxmlformats.org/presentationml/2006/main">
   <p:cSld>
     <p:spTree>
@@ -14923,7 +18965,7 @@
 </p:sld>
 </file>
 
-<file path=ppt/slides/slide24.xml><?xml version="1.0" encoding="utf-8"?>
+<file path=ppt/slides/slide28.xml><?xml version="1.0" encoding="utf-8"?>
 <p:sld xmlns:a="http://schemas.openxmlformats.org/drawingml/2006/main" xmlns:r="http://schemas.openxmlformats.org/officeDocument/2006/relationships" xmlns:p="http://schemas.openxmlformats.org/presentationml/2006/main">
   <p:cSld>
     <p:spTree>
@@ -15447,7 +19489,7 @@
 </p:sld>
 </file>
 
-<file path=ppt/slides/slide25.xml><?xml version="1.0" encoding="utf-8"?>
+<file path=ppt/slides/slide29.xml><?xml version="1.0" encoding="utf-8"?>
 <p:sld xmlns:a="http://schemas.openxmlformats.org/drawingml/2006/main" xmlns:r="http://schemas.openxmlformats.org/officeDocument/2006/relationships" xmlns:p="http://schemas.openxmlformats.org/presentationml/2006/main">
   <p:cSld>
     <p:spTree>
@@ -16137,8 +20179,23 @@
                     </a:solidFill>
                     <a:latin typeface="Gotham Rounded Book" pitchFamily="50" charset="0"/>
                   </a:rPr>
-                  <a:t> division</a:t>
+                  <a:t> </a:t>
                 </a:r>
+                <a:r>
+                  <a:rPr lang="en-US" dirty="0" err="1">
+                    <a:solidFill>
+                      <a:srgbClr val="FF6E6E"/>
+                    </a:solidFill>
+                    <a:latin typeface="Gotham Rounded Book" pitchFamily="50" charset="0"/>
+                  </a:rPr>
+                  <a:t>división</a:t>
+                </a:r>
+                <a:endParaRPr lang="en-US" dirty="0">
+                  <a:solidFill>
+                    <a:srgbClr val="FF6E6E"/>
+                  </a:solidFill>
+                  <a:latin typeface="Gotham Rounded Book" pitchFamily="50" charset="0"/>
+                </a:endParaRPr>
               </a:p>
               <a:p>
                 <a:pPr algn="ctr"/>
@@ -16800,7 +20857,669 @@
 </p:sld>
 </file>
 
-<file path=ppt/slides/slide26.xml><?xml version="1.0" encoding="utf-8"?>
+<file path=ppt/slides/slide3.xml><?xml version="1.0" encoding="utf-8"?>
+<p:sld xmlns:a="http://schemas.openxmlformats.org/drawingml/2006/main" xmlns:r="http://schemas.openxmlformats.org/officeDocument/2006/relationships" xmlns:p="http://schemas.openxmlformats.org/presentationml/2006/main">
+  <p:cSld>
+    <p:spTree>
+      <p:nvGrpSpPr>
+        <p:cNvPr id="1" name=""/>
+        <p:cNvGrpSpPr/>
+        <p:nvPr/>
+      </p:nvGrpSpPr>
+      <p:grpSpPr>
+        <a:xfrm>
+          <a:off x="0" y="0"/>
+          <a:ext cx="0" cy="0"/>
+          <a:chOff x="0" y="0"/>
+          <a:chExt cx="0" cy="0"/>
+        </a:xfrm>
+      </p:grpSpPr>
+      <p:sp>
+        <p:nvSpPr>
+          <p:cNvPr id="4" name="CuadroTexto 3">
+            <a:extLst>
+              <a:ext uri="{FF2B5EF4-FFF2-40B4-BE49-F238E27FC236}">
+                <a16:creationId xmlns:a16="http://schemas.microsoft.com/office/drawing/2014/main" id="{5B11A503-B42C-4987-9ADF-20F615BE7300}"/>
+              </a:ext>
+            </a:extLst>
+          </p:cNvPr>
+          <p:cNvSpPr txBox="1"/>
+          <p:nvPr/>
+        </p:nvSpPr>
+        <p:spPr>
+          <a:xfrm flipH="1">
+            <a:off x="0" y="6457890"/>
+            <a:ext cx="1924050" cy="400110"/>
+          </a:xfrm>
+          <a:prstGeom prst="rect">
+            <a:avLst/>
+          </a:prstGeom>
+          <a:noFill/>
+        </p:spPr>
+        <p:txBody>
+          <a:bodyPr wrap="square" rtlCol="0">
+            <a:spAutoFit/>
+          </a:bodyPr>
+          <a:lstStyle/>
+          <a:p>
+            <a:r>
+              <a:rPr lang="en-US" sz="2000" dirty="0">
+                <a:solidFill>
+                  <a:schemeClr val="bg1">
+                    <a:lumMod val="95000"/>
+                  </a:schemeClr>
+                </a:solidFill>
+                <a:latin typeface="Gotham Rounded Medium" panose="02000000000000000000" pitchFamily="50" charset="0"/>
+              </a:rPr>
+              <a:t>@</a:t>
+            </a:r>
+            <a:r>
+              <a:rPr lang="en-US" sz="2000" dirty="0" err="1">
+                <a:solidFill>
+                  <a:schemeClr val="bg1">
+                    <a:lumMod val="95000"/>
+                  </a:schemeClr>
+                </a:solidFill>
+                <a:latin typeface="Gotham Rounded Medium" panose="02000000000000000000" pitchFamily="50" charset="0"/>
+              </a:rPr>
+              <a:t>luisejrobles</a:t>
+            </a:r>
+            <a:endParaRPr lang="es-MX" sz="2000" dirty="0">
+              <a:solidFill>
+                <a:schemeClr val="bg1">
+                  <a:lumMod val="95000"/>
+                </a:schemeClr>
+              </a:solidFill>
+              <a:latin typeface="Gotham Rounded Medium" panose="02000000000000000000" pitchFamily="50" charset="0"/>
+            </a:endParaRPr>
+          </a:p>
+        </p:txBody>
+      </p:sp>
+      <p:grpSp>
+        <p:nvGrpSpPr>
+          <p:cNvPr id="7" name="Grupo 6">
+            <a:extLst>
+              <a:ext uri="{FF2B5EF4-FFF2-40B4-BE49-F238E27FC236}">
+                <a16:creationId xmlns:a16="http://schemas.microsoft.com/office/drawing/2014/main" id="{71DACCC8-E3D1-4EED-A9B4-EE3808B798D7}"/>
+              </a:ext>
+            </a:extLst>
+          </p:cNvPr>
+          <p:cNvGrpSpPr/>
+          <p:nvPr/>
+        </p:nvGrpSpPr>
+        <p:grpSpPr>
+          <a:xfrm>
+            <a:off x="87258" y="85725"/>
+            <a:ext cx="6494517" cy="707886"/>
+            <a:chOff x="125358" y="333375"/>
+            <a:chExt cx="6494517" cy="707886"/>
+          </a:xfrm>
+        </p:grpSpPr>
+        <p:sp>
+          <p:nvSpPr>
+            <p:cNvPr id="5" name="CuadroTexto 4">
+              <a:extLst>
+                <a:ext uri="{FF2B5EF4-FFF2-40B4-BE49-F238E27FC236}">
+                  <a16:creationId xmlns:a16="http://schemas.microsoft.com/office/drawing/2014/main" id="{D181C0B9-09BB-470F-A39C-FC86C0263C6D}"/>
+                </a:ext>
+              </a:extLst>
+            </p:cNvPr>
+            <p:cNvSpPr txBox="1"/>
+            <p:nvPr/>
+          </p:nvSpPr>
+          <p:spPr>
+            <a:xfrm>
+              <a:off x="590550" y="333375"/>
+              <a:ext cx="6029325" cy="707886"/>
+            </a:xfrm>
+            <a:prstGeom prst="rect">
+              <a:avLst/>
+            </a:prstGeom>
+            <a:noFill/>
+          </p:spPr>
+          <p:txBody>
+            <a:bodyPr wrap="square" rtlCol="0">
+              <a:spAutoFit/>
+            </a:bodyPr>
+            <a:lstStyle/>
+            <a:p>
+              <a:r>
+                <a:rPr lang="en-US" sz="4000" dirty="0">
+                  <a:solidFill>
+                    <a:schemeClr val="bg1"/>
+                  </a:solidFill>
+                  <a:latin typeface="Gotham Rounded Bold" pitchFamily="50" charset="0"/>
+                </a:rPr>
+                <a:t>Agenda para hoy</a:t>
+              </a:r>
+              <a:endParaRPr lang="es-MX" sz="4000" dirty="0">
+                <a:solidFill>
+                  <a:schemeClr val="bg1"/>
+                </a:solidFill>
+                <a:latin typeface="Gotham Rounded Bold" pitchFamily="50" charset="0"/>
+              </a:endParaRPr>
+            </a:p>
+          </p:txBody>
+        </p:sp>
+        <p:sp>
+          <p:nvSpPr>
+            <p:cNvPr id="6" name="Rectángulo 5">
+              <a:extLst>
+                <a:ext uri="{FF2B5EF4-FFF2-40B4-BE49-F238E27FC236}">
+                  <a16:creationId xmlns:a16="http://schemas.microsoft.com/office/drawing/2014/main" id="{89C58CA8-9CB0-4848-9A45-2BF345195EC6}"/>
+                </a:ext>
+              </a:extLst>
+            </p:cNvPr>
+            <p:cNvSpPr/>
+            <p:nvPr/>
+          </p:nvSpPr>
+          <p:spPr>
+            <a:xfrm>
+              <a:off x="125358" y="487263"/>
+              <a:ext cx="465192" cy="400110"/>
+            </a:xfrm>
+            <a:prstGeom prst="rect">
+              <a:avLst/>
+            </a:prstGeom>
+          </p:spPr>
+          <p:txBody>
+            <a:bodyPr wrap="square">
+              <a:spAutoFit/>
+            </a:bodyPr>
+            <a:lstStyle/>
+            <a:p>
+              <a:r>
+                <a:rPr lang="es-MX" sz="2000" dirty="0">
+                  <a:solidFill>
+                    <a:schemeClr val="bg1">
+                      <a:lumMod val="95000"/>
+                    </a:schemeClr>
+                  </a:solidFill>
+                  <a:latin typeface="Font Awesome 5 Free Solid" panose="02000503000000000000" pitchFamily="50" charset="0"/>
+                </a:rPr>
+                <a:t></a:t>
+              </a:r>
+            </a:p>
+          </p:txBody>
+        </p:sp>
+      </p:grpSp>
+      <p:grpSp>
+        <p:nvGrpSpPr>
+          <p:cNvPr id="16" name="Grupo 15">
+            <a:extLst>
+              <a:ext uri="{FF2B5EF4-FFF2-40B4-BE49-F238E27FC236}">
+                <a16:creationId xmlns:a16="http://schemas.microsoft.com/office/drawing/2014/main" id="{59D6F782-A661-4245-AFCA-624C96EFF0B1}"/>
+              </a:ext>
+            </a:extLst>
+          </p:cNvPr>
+          <p:cNvGrpSpPr/>
+          <p:nvPr/>
+        </p:nvGrpSpPr>
+        <p:grpSpPr>
+          <a:xfrm>
+            <a:off x="1576386" y="1995965"/>
+            <a:ext cx="9039227" cy="2866070"/>
+            <a:chOff x="1314448" y="1408152"/>
+            <a:chExt cx="9039227" cy="2866070"/>
+          </a:xfrm>
+        </p:grpSpPr>
+        <p:sp>
+          <p:nvSpPr>
+            <p:cNvPr id="8" name="CuadroTexto 7">
+              <a:extLst>
+                <a:ext uri="{FF2B5EF4-FFF2-40B4-BE49-F238E27FC236}">
+                  <a16:creationId xmlns:a16="http://schemas.microsoft.com/office/drawing/2014/main" id="{09BC7338-CC84-47C8-808D-7556CE04A1EC}"/>
+                </a:ext>
+              </a:extLst>
+            </p:cNvPr>
+            <p:cNvSpPr txBox="1"/>
+            <p:nvPr/>
+          </p:nvSpPr>
+          <p:spPr>
+            <a:xfrm>
+              <a:off x="1314449" y="1962150"/>
+              <a:ext cx="9039226" cy="553998"/>
+            </a:xfrm>
+            <a:prstGeom prst="rect">
+              <a:avLst/>
+            </a:prstGeom>
+            <a:noFill/>
+          </p:spPr>
+          <p:txBody>
+            <a:bodyPr wrap="square" rtlCol="0">
+              <a:spAutoFit/>
+            </a:bodyPr>
+            <a:lstStyle/>
+            <a:p>
+              <a:r>
+                <a:rPr lang="en-US" sz="3000" dirty="0" err="1">
+                  <a:solidFill>
+                    <a:schemeClr val="bg1">
+                      <a:lumMod val="95000"/>
+                    </a:schemeClr>
+                  </a:solidFill>
+                  <a:latin typeface="Gotham Rounded Medium" panose="02000000000000000000" pitchFamily="50" charset="0"/>
+                </a:rPr>
+                <a:t>flujos</a:t>
+              </a:r>
+              <a:r>
+                <a:rPr lang="en-US" sz="3000" dirty="0">
+                  <a:solidFill>
+                    <a:schemeClr val="bg1">
+                      <a:lumMod val="95000"/>
+                    </a:schemeClr>
+                  </a:solidFill>
+                  <a:latin typeface="Gotham Rounded Medium" panose="02000000000000000000" pitchFamily="50" charset="0"/>
+                </a:rPr>
+                <a:t> de </a:t>
+              </a:r>
+              <a:r>
+                <a:rPr lang="en-US" sz="3000" dirty="0" err="1">
+                  <a:solidFill>
+                    <a:schemeClr val="bg1">
+                      <a:lumMod val="95000"/>
+                    </a:schemeClr>
+                  </a:solidFill>
+                  <a:latin typeface="Gotham Rounded Medium" panose="02000000000000000000" pitchFamily="50" charset="0"/>
+                </a:rPr>
+                <a:t>trabajo</a:t>
+              </a:r>
+              <a:r>
+                <a:rPr lang="en-US" sz="3000" dirty="0">
+                  <a:solidFill>
+                    <a:schemeClr val="bg1">
+                      <a:lumMod val="95000"/>
+                    </a:schemeClr>
+                  </a:solidFill>
+                  <a:latin typeface="Gotham Rounded Medium" panose="02000000000000000000" pitchFamily="50" charset="0"/>
+                </a:rPr>
+                <a:t> 				</a:t>
+              </a:r>
+              <a:r>
+                <a:rPr lang="en-US" sz="1500" dirty="0">
+                  <a:solidFill>
+                    <a:schemeClr val="bg1">
+                      <a:lumMod val="95000"/>
+                    </a:schemeClr>
+                  </a:solidFill>
+                  <a:latin typeface="Gotham Rounded Medium" panose="02000000000000000000" pitchFamily="50" charset="0"/>
+                </a:rPr>
+                <a:t>(git workflows)</a:t>
+              </a:r>
+              <a:endParaRPr lang="es-MX" sz="1500" dirty="0">
+                <a:solidFill>
+                  <a:schemeClr val="bg1">
+                    <a:lumMod val="95000"/>
+                  </a:schemeClr>
+                </a:solidFill>
+                <a:latin typeface="Gotham Rounded Medium" panose="02000000000000000000" pitchFamily="50" charset="0"/>
+              </a:endParaRPr>
+            </a:p>
+          </p:txBody>
+        </p:sp>
+        <p:sp>
+          <p:nvSpPr>
+            <p:cNvPr id="9" name="CuadroTexto 8">
+              <a:extLst>
+                <a:ext uri="{FF2B5EF4-FFF2-40B4-BE49-F238E27FC236}">
+                  <a16:creationId xmlns:a16="http://schemas.microsoft.com/office/drawing/2014/main" id="{A324CED2-67BB-487E-8E17-9F36B134C8A8}"/>
+                </a:ext>
+              </a:extLst>
+            </p:cNvPr>
+            <p:cNvSpPr txBox="1"/>
+            <p:nvPr/>
+          </p:nvSpPr>
+          <p:spPr>
+            <a:xfrm>
+              <a:off x="1314448" y="1408152"/>
+              <a:ext cx="9039227" cy="553998"/>
+            </a:xfrm>
+            <a:prstGeom prst="rect">
+              <a:avLst/>
+            </a:prstGeom>
+            <a:noFill/>
+          </p:spPr>
+          <p:txBody>
+            <a:bodyPr wrap="square" rtlCol="0">
+              <a:spAutoFit/>
+            </a:bodyPr>
+            <a:lstStyle/>
+            <a:p>
+              <a:r>
+                <a:rPr lang="en-US" sz="3000" dirty="0">
+                  <a:solidFill>
+                    <a:schemeClr val="bg1">
+                      <a:lumMod val="95000"/>
+                    </a:schemeClr>
+                  </a:solidFill>
+                  <a:latin typeface="Gotham Rounded Medium" panose="02000000000000000000" pitchFamily="50" charset="0"/>
+                </a:rPr>
+                <a:t>Setting up					</a:t>
+              </a:r>
+              <a:r>
+                <a:rPr lang="en-US" sz="1500" dirty="0">
+                  <a:solidFill>
+                    <a:schemeClr val="bg1">
+                      <a:lumMod val="95000"/>
+                    </a:schemeClr>
+                  </a:solidFill>
+                  <a:latin typeface="Gotham Rounded Medium" panose="02000000000000000000" pitchFamily="50" charset="0"/>
+                </a:rPr>
+                <a:t>(</a:t>
+              </a:r>
+              <a:r>
+                <a:rPr lang="en-US" sz="1500" dirty="0" err="1">
+                  <a:solidFill>
+                    <a:schemeClr val="bg1">
+                      <a:lumMod val="95000"/>
+                    </a:schemeClr>
+                  </a:solidFill>
+                  <a:latin typeface="Gotham Rounded Medium" panose="02000000000000000000" pitchFamily="50" charset="0"/>
+                </a:rPr>
+                <a:t>archivos</a:t>
+              </a:r>
+              <a:r>
+                <a:rPr lang="en-US" sz="1500" dirty="0">
+                  <a:solidFill>
+                    <a:schemeClr val="bg1">
+                      <a:lumMod val="95000"/>
+                    </a:schemeClr>
+                  </a:solidFill>
+                  <a:latin typeface="Gotham Rounded Medium" panose="02000000000000000000" pitchFamily="50" charset="0"/>
+                </a:rPr>
+                <a:t> </a:t>
+              </a:r>
+              <a:r>
+                <a:rPr lang="en-US" sz="1500" dirty="0" err="1">
+                  <a:solidFill>
+                    <a:schemeClr val="bg1">
+                      <a:lumMod val="95000"/>
+                    </a:schemeClr>
+                  </a:solidFill>
+                  <a:latin typeface="Gotham Rounded Medium" panose="02000000000000000000" pitchFamily="50" charset="0"/>
+                </a:rPr>
+                <a:t>iniciales</a:t>
+              </a:r>
+              <a:r>
+                <a:rPr lang="en-US" sz="1500" dirty="0">
+                  <a:solidFill>
+                    <a:schemeClr val="bg1">
+                      <a:lumMod val="95000"/>
+                    </a:schemeClr>
+                  </a:solidFill>
+                  <a:latin typeface="Gotham Rounded Medium" panose="02000000000000000000" pitchFamily="50" charset="0"/>
+                </a:rPr>
+                <a:t>)</a:t>
+              </a:r>
+              <a:endParaRPr lang="es-MX" sz="1500" dirty="0">
+                <a:solidFill>
+                  <a:schemeClr val="bg1">
+                    <a:lumMod val="95000"/>
+                  </a:schemeClr>
+                </a:solidFill>
+                <a:latin typeface="Gotham Rounded Medium" panose="02000000000000000000" pitchFamily="50" charset="0"/>
+              </a:endParaRPr>
+            </a:p>
+          </p:txBody>
+        </p:sp>
+        <p:sp>
+          <p:nvSpPr>
+            <p:cNvPr id="11" name="CuadroTexto 10">
+              <a:extLst>
+                <a:ext uri="{FF2B5EF4-FFF2-40B4-BE49-F238E27FC236}">
+                  <a16:creationId xmlns:a16="http://schemas.microsoft.com/office/drawing/2014/main" id="{C7EAF79C-EC9F-491E-8481-C79018E385EB}"/>
+                </a:ext>
+              </a:extLst>
+            </p:cNvPr>
+            <p:cNvSpPr txBox="1"/>
+            <p:nvPr/>
+          </p:nvSpPr>
+          <p:spPr>
+            <a:xfrm>
+              <a:off x="1314448" y="2520611"/>
+              <a:ext cx="9039226" cy="400110"/>
+            </a:xfrm>
+            <a:prstGeom prst="rect">
+              <a:avLst/>
+            </a:prstGeom>
+            <a:noFill/>
+          </p:spPr>
+          <p:txBody>
+            <a:bodyPr wrap="square" rtlCol="0">
+              <a:spAutoFit/>
+            </a:bodyPr>
+            <a:lstStyle/>
+            <a:p>
+              <a:r>
+                <a:rPr lang="en-US" sz="1500" dirty="0">
+                  <a:solidFill>
+                    <a:srgbClr val="FFAE70"/>
+                  </a:solidFill>
+                  <a:latin typeface="Gotham Rounded Medium" panose="02000000000000000000" pitchFamily="50" charset="0"/>
+                </a:rPr>
+                <a:t>	</a:t>
+              </a:r>
+              <a:r>
+                <a:rPr lang="en-US" sz="2000" dirty="0" err="1">
+                  <a:solidFill>
+                    <a:schemeClr val="bg1">
+                      <a:lumMod val="95000"/>
+                    </a:schemeClr>
+                  </a:solidFill>
+                  <a:latin typeface="Gotham Rounded Medium" panose="02000000000000000000" pitchFamily="50" charset="0"/>
+                </a:rPr>
+                <a:t>rama</a:t>
+              </a:r>
+              <a:r>
+                <a:rPr lang="en-US" sz="2000" dirty="0">
+                  <a:solidFill>
+                    <a:schemeClr val="bg1">
+                      <a:lumMod val="95000"/>
+                    </a:schemeClr>
+                  </a:solidFill>
+                  <a:latin typeface="Gotham Rounded Medium" panose="02000000000000000000" pitchFamily="50" charset="0"/>
+                </a:rPr>
+                <a:t> por </a:t>
+              </a:r>
+              <a:r>
+                <a:rPr lang="en-US" sz="2000" dirty="0" err="1">
+                  <a:solidFill>
+                    <a:schemeClr val="bg1">
+                      <a:lumMod val="95000"/>
+                    </a:schemeClr>
+                  </a:solidFill>
+                  <a:latin typeface="Gotham Rounded Medium" panose="02000000000000000000" pitchFamily="50" charset="0"/>
+                </a:rPr>
+                <a:t>característica</a:t>
+              </a:r>
+              <a:r>
+                <a:rPr lang="en-US" sz="2000" dirty="0">
+                  <a:solidFill>
+                    <a:schemeClr val="bg1">
+                      <a:lumMod val="95000"/>
+                    </a:schemeClr>
+                  </a:solidFill>
+                  <a:latin typeface="Gotham Rounded Medium" panose="02000000000000000000" pitchFamily="50" charset="0"/>
+                </a:rPr>
+                <a:t>			</a:t>
+              </a:r>
+              <a:r>
+                <a:rPr lang="en-US" sz="1500" dirty="0">
+                  <a:solidFill>
+                    <a:schemeClr val="bg1">
+                      <a:lumMod val="95000"/>
+                    </a:schemeClr>
+                  </a:solidFill>
+                  <a:latin typeface="Gotham Rounded Medium" panose="02000000000000000000" pitchFamily="50" charset="0"/>
+                </a:rPr>
+                <a:t>(feature branch)</a:t>
+              </a:r>
+              <a:endParaRPr lang="es-MX" sz="1500" dirty="0">
+                <a:solidFill>
+                  <a:schemeClr val="bg1">
+                    <a:lumMod val="95000"/>
+                  </a:schemeClr>
+                </a:solidFill>
+                <a:latin typeface="Gotham Rounded Medium" panose="02000000000000000000" pitchFamily="50" charset="0"/>
+              </a:endParaRPr>
+            </a:p>
+          </p:txBody>
+        </p:sp>
+        <p:sp>
+          <p:nvSpPr>
+            <p:cNvPr id="12" name="CuadroTexto 11">
+              <a:extLst>
+                <a:ext uri="{FF2B5EF4-FFF2-40B4-BE49-F238E27FC236}">
+                  <a16:creationId xmlns:a16="http://schemas.microsoft.com/office/drawing/2014/main" id="{456EDA97-47D9-4C9B-B66A-FDE0839A03CB}"/>
+                </a:ext>
+              </a:extLst>
+            </p:cNvPr>
+            <p:cNvSpPr txBox="1"/>
+            <p:nvPr/>
+          </p:nvSpPr>
+          <p:spPr>
+            <a:xfrm>
+              <a:off x="1314448" y="2920482"/>
+              <a:ext cx="9039227" cy="400110"/>
+            </a:xfrm>
+            <a:prstGeom prst="rect">
+              <a:avLst/>
+            </a:prstGeom>
+            <a:noFill/>
+          </p:spPr>
+          <p:txBody>
+            <a:bodyPr wrap="square" rtlCol="0">
+              <a:spAutoFit/>
+            </a:bodyPr>
+            <a:lstStyle/>
+            <a:p>
+              <a:r>
+                <a:rPr lang="en-US" sz="1500" dirty="0">
+                  <a:solidFill>
+                    <a:srgbClr val="FFAE70"/>
+                  </a:solidFill>
+                  <a:latin typeface="Gotham Rounded Medium" panose="02000000000000000000" pitchFamily="50" charset="0"/>
+                </a:rPr>
+                <a:t>	</a:t>
+              </a:r>
+              <a:r>
+                <a:rPr lang="en-US" sz="2000" dirty="0" err="1">
+                  <a:solidFill>
+                    <a:schemeClr val="bg1">
+                      <a:lumMod val="95000"/>
+                    </a:schemeClr>
+                  </a:solidFill>
+                  <a:latin typeface="Gotham Rounded Medium" panose="02000000000000000000" pitchFamily="50" charset="0"/>
+                </a:rPr>
+                <a:t>gitflow</a:t>
+              </a:r>
+              <a:endParaRPr lang="es-MX" sz="3000" dirty="0">
+                <a:solidFill>
+                  <a:schemeClr val="bg1">
+                    <a:lumMod val="95000"/>
+                  </a:schemeClr>
+                </a:solidFill>
+                <a:latin typeface="Gotham Rounded Medium" panose="02000000000000000000" pitchFamily="50" charset="0"/>
+              </a:endParaRPr>
+            </a:p>
+          </p:txBody>
+        </p:sp>
+        <p:sp>
+          <p:nvSpPr>
+            <p:cNvPr id="13" name="CuadroTexto 12">
+              <a:extLst>
+                <a:ext uri="{FF2B5EF4-FFF2-40B4-BE49-F238E27FC236}">
+                  <a16:creationId xmlns:a16="http://schemas.microsoft.com/office/drawing/2014/main" id="{C1AE5438-04FD-48D5-9F84-160A324C1F40}"/>
+                </a:ext>
+              </a:extLst>
+            </p:cNvPr>
+            <p:cNvSpPr txBox="1"/>
+            <p:nvPr/>
+          </p:nvSpPr>
+          <p:spPr>
+            <a:xfrm>
+              <a:off x="1314448" y="3720224"/>
+              <a:ext cx="9039226" cy="553998"/>
+            </a:xfrm>
+            <a:prstGeom prst="rect">
+              <a:avLst/>
+            </a:prstGeom>
+            <a:noFill/>
+          </p:spPr>
+          <p:txBody>
+            <a:bodyPr wrap="square" rtlCol="0">
+              <a:spAutoFit/>
+            </a:bodyPr>
+            <a:lstStyle/>
+            <a:p>
+              <a:r>
+                <a:rPr lang="en-US" sz="3000" dirty="0" err="1">
+                  <a:solidFill>
+                    <a:schemeClr val="bg1">
+                      <a:lumMod val="95000"/>
+                    </a:schemeClr>
+                  </a:solidFill>
+                  <a:latin typeface="Gotham Rounded Medium" panose="02000000000000000000" pitchFamily="50" charset="0"/>
+                </a:rPr>
+                <a:t>buenas</a:t>
+              </a:r>
+              <a:r>
+                <a:rPr lang="en-US" sz="3000" dirty="0">
+                  <a:solidFill>
+                    <a:schemeClr val="bg1">
+                      <a:lumMod val="95000"/>
+                    </a:schemeClr>
+                  </a:solidFill>
+                  <a:latin typeface="Gotham Rounded Medium" panose="02000000000000000000" pitchFamily="50" charset="0"/>
+                </a:rPr>
+                <a:t> </a:t>
+              </a:r>
+              <a:r>
+                <a:rPr lang="en-US" sz="3000" dirty="0" err="1">
+                  <a:solidFill>
+                    <a:schemeClr val="bg1">
+                      <a:lumMod val="95000"/>
+                    </a:schemeClr>
+                  </a:solidFill>
+                  <a:latin typeface="Gotham Rounded Medium" panose="02000000000000000000" pitchFamily="50" charset="0"/>
+                </a:rPr>
+                <a:t>prácticas</a:t>
+              </a:r>
+              <a:r>
+                <a:rPr lang="en-US" sz="3000" dirty="0">
+                  <a:solidFill>
+                    <a:schemeClr val="bg1">
+                      <a:lumMod val="95000"/>
+                    </a:schemeClr>
+                  </a:solidFill>
+                  <a:latin typeface="Gotham Rounded Medium" panose="02000000000000000000" pitchFamily="50" charset="0"/>
+                </a:rPr>
+                <a:t>				</a:t>
+              </a:r>
+              <a:endParaRPr lang="es-MX" sz="1500" dirty="0">
+                <a:solidFill>
+                  <a:srgbClr val="FFAE70"/>
+                </a:solidFill>
+                <a:latin typeface="Gotham Rounded Medium" panose="02000000000000000000" pitchFamily="50" charset="0"/>
+              </a:endParaRPr>
+            </a:p>
+          </p:txBody>
+        </p:sp>
+      </p:grpSp>
+    </p:spTree>
+    <p:extLst>
+      <p:ext uri="{BB962C8B-B14F-4D97-AF65-F5344CB8AC3E}">
+        <p14:creationId xmlns:p14="http://schemas.microsoft.com/office/powerpoint/2010/main" val="2850625631"/>
+      </p:ext>
+    </p:extLst>
+  </p:cSld>
+  <p:clrMapOvr>
+    <a:masterClrMapping/>
+  </p:clrMapOvr>
+</p:sld>
+</file>
+
+<file path=ppt/slides/slide30.xml><?xml version="1.0" encoding="utf-8"?>
 <p:sld xmlns:a="http://schemas.openxmlformats.org/drawingml/2006/main" xmlns:r="http://schemas.openxmlformats.org/officeDocument/2006/relationships" xmlns:p="http://schemas.openxmlformats.org/presentationml/2006/main">
   <p:cSld>
     <p:spTree>
@@ -18993,7 +23712,7 @@
 </p:sld>
 </file>
 
-<file path=ppt/slides/slide27.xml><?xml version="1.0" encoding="utf-8"?>
+<file path=ppt/slides/slide31.xml><?xml version="1.0" encoding="utf-8"?>
 <p:sld xmlns:a="http://schemas.openxmlformats.org/drawingml/2006/main" xmlns:r="http://schemas.openxmlformats.org/officeDocument/2006/relationships" xmlns:p="http://schemas.openxmlformats.org/presentationml/2006/main">
   <p:cSld>
     <p:spTree>
@@ -19692,8 +24411,23 @@
                     </a:solidFill>
                     <a:latin typeface="Gotham Rounded Book" pitchFamily="50" charset="0"/>
                   </a:rPr>
-                  <a:t> division</a:t>
+                  <a:t> </a:t>
                 </a:r>
+                <a:r>
+                  <a:rPr lang="en-US" dirty="0" err="1">
+                    <a:solidFill>
+                      <a:srgbClr val="FF6E6E"/>
+                    </a:solidFill>
+                    <a:latin typeface="Gotham Rounded Book" pitchFamily="50" charset="0"/>
+                  </a:rPr>
+                  <a:t>división</a:t>
+                </a:r>
+                <a:endParaRPr lang="en-US" dirty="0">
+                  <a:solidFill>
+                    <a:srgbClr val="FF6E6E"/>
+                  </a:solidFill>
+                  <a:latin typeface="Gotham Rounded Book" pitchFamily="50" charset="0"/>
+                </a:endParaRPr>
               </a:p>
               <a:p>
                 <a:pPr algn="ctr"/>
@@ -20742,7 +25476,7 @@
 </p:sld>
 </file>
 
-<file path=ppt/slides/slide28.xml><?xml version="1.0" encoding="utf-8"?>
+<file path=ppt/slides/slide32.xml><?xml version="1.0" encoding="utf-8"?>
 <p:sld xmlns:a="http://schemas.openxmlformats.org/drawingml/2006/main" xmlns:r="http://schemas.openxmlformats.org/officeDocument/2006/relationships" xmlns:p="http://schemas.openxmlformats.org/presentationml/2006/main">
   <p:cSld>
     <p:spTree>
@@ -21450,8 +26184,23 @@
                     </a:solidFill>
                     <a:latin typeface="Gotham Rounded Book" pitchFamily="50" charset="0"/>
                   </a:rPr>
-                  <a:t> division</a:t>
+                  <a:t> </a:t>
                 </a:r>
+                <a:r>
+                  <a:rPr lang="en-US" dirty="0" err="1">
+                    <a:solidFill>
+                      <a:srgbClr val="FF6E6E"/>
+                    </a:solidFill>
+                    <a:latin typeface="Gotham Rounded Book" pitchFamily="50" charset="0"/>
+                  </a:rPr>
+                  <a:t>división</a:t>
+                </a:r>
+                <a:endParaRPr lang="en-US" dirty="0">
+                  <a:solidFill>
+                    <a:srgbClr val="FF6E6E"/>
+                  </a:solidFill>
+                  <a:latin typeface="Gotham Rounded Book" pitchFamily="50" charset="0"/>
+                </a:endParaRPr>
               </a:p>
               <a:p>
                 <a:pPr algn="ctr"/>
@@ -23075,7 +27824,7 @@
 </p:sld>
 </file>
 
-<file path=ppt/slides/slide29.xml><?xml version="1.0" encoding="utf-8"?>
+<file path=ppt/slides/slide33.xml><?xml version="1.0" encoding="utf-8"?>
 <p:sld xmlns:a="http://schemas.openxmlformats.org/drawingml/2006/main" xmlns:r="http://schemas.openxmlformats.org/officeDocument/2006/relationships" xmlns:p="http://schemas.openxmlformats.org/presentationml/2006/main">
   <p:cSld>
     <p:spTree>
@@ -24208,6 +28957,45 @@
           </a:fontRef>
         </p:style>
       </p:cxnSp>
+      <p:sp>
+        <p:nvSpPr>
+          <p:cNvPr id="26" name="Rectángulo 25">
+            <a:extLst>
+              <a:ext uri="{FF2B5EF4-FFF2-40B4-BE49-F238E27FC236}">
+                <a16:creationId xmlns:a16="http://schemas.microsoft.com/office/drawing/2014/main" id="{55546DEA-242B-43E8-B0B4-8D63C7CF1148}"/>
+              </a:ext>
+            </a:extLst>
+          </p:cNvPr>
+          <p:cNvSpPr/>
+          <p:nvPr/>
+        </p:nvSpPr>
+        <p:spPr>
+          <a:xfrm>
+            <a:off x="1446996" y="4602679"/>
+            <a:ext cx="954107" cy="1015663"/>
+          </a:xfrm>
+          <a:prstGeom prst="rect">
+            <a:avLst/>
+          </a:prstGeom>
+        </p:spPr>
+        <p:txBody>
+          <a:bodyPr wrap="none">
+            <a:spAutoFit/>
+          </a:bodyPr>
+          <a:lstStyle/>
+          <a:p>
+            <a:r>
+              <a:rPr lang="es-MX" sz="6000" dirty="0">
+                <a:solidFill>
+                  <a:srgbClr val="FFAA70"/>
+                </a:solidFill>
+                <a:latin typeface="Font Awesome 5 Free Solid" panose="02000503000000000000" pitchFamily="50" charset="0"/>
+              </a:rPr>
+              <a:t></a:t>
+            </a:r>
+          </a:p>
+        </p:txBody>
+      </p:sp>
     </p:spTree>
     <p:extLst>
       <p:ext uri="{BB962C8B-B14F-4D97-AF65-F5344CB8AC3E}">
@@ -24221,732 +29009,7 @@
 </p:sld>
 </file>
 
-<file path=ppt/slides/slide3.xml><?xml version="1.0" encoding="utf-8"?>
-<p:sld xmlns:a="http://schemas.openxmlformats.org/drawingml/2006/main" xmlns:r="http://schemas.openxmlformats.org/officeDocument/2006/relationships" xmlns:p="http://schemas.openxmlformats.org/presentationml/2006/main">
-  <p:cSld>
-    <p:spTree>
-      <p:nvGrpSpPr>
-        <p:cNvPr id="1" name=""/>
-        <p:cNvGrpSpPr/>
-        <p:nvPr/>
-      </p:nvGrpSpPr>
-      <p:grpSpPr>
-        <a:xfrm>
-          <a:off x="0" y="0"/>
-          <a:ext cx="0" cy="0"/>
-          <a:chOff x="0" y="0"/>
-          <a:chExt cx="0" cy="0"/>
-        </a:xfrm>
-      </p:grpSpPr>
-      <p:sp>
-        <p:nvSpPr>
-          <p:cNvPr id="4" name="CuadroTexto 3">
-            <a:extLst>
-              <a:ext uri="{FF2B5EF4-FFF2-40B4-BE49-F238E27FC236}">
-                <a16:creationId xmlns:a16="http://schemas.microsoft.com/office/drawing/2014/main" id="{5B11A503-B42C-4987-9ADF-20F615BE7300}"/>
-              </a:ext>
-            </a:extLst>
-          </p:cNvPr>
-          <p:cNvSpPr txBox="1"/>
-          <p:nvPr/>
-        </p:nvSpPr>
-        <p:spPr>
-          <a:xfrm flipH="1">
-            <a:off x="0" y="6457890"/>
-            <a:ext cx="1924050" cy="400110"/>
-          </a:xfrm>
-          <a:prstGeom prst="rect">
-            <a:avLst/>
-          </a:prstGeom>
-          <a:noFill/>
-        </p:spPr>
-        <p:txBody>
-          <a:bodyPr wrap="square" rtlCol="0">
-            <a:spAutoFit/>
-          </a:bodyPr>
-          <a:lstStyle/>
-          <a:p>
-            <a:r>
-              <a:rPr lang="en-US" sz="2000" dirty="0">
-                <a:solidFill>
-                  <a:schemeClr val="bg1">
-                    <a:lumMod val="95000"/>
-                  </a:schemeClr>
-                </a:solidFill>
-                <a:latin typeface="Gotham Rounded Medium" panose="02000000000000000000" pitchFamily="50" charset="0"/>
-              </a:rPr>
-              <a:t>@</a:t>
-            </a:r>
-            <a:r>
-              <a:rPr lang="en-US" sz="2000" dirty="0" err="1">
-                <a:solidFill>
-                  <a:schemeClr val="bg1">
-                    <a:lumMod val="95000"/>
-                  </a:schemeClr>
-                </a:solidFill>
-                <a:latin typeface="Gotham Rounded Medium" panose="02000000000000000000" pitchFamily="50" charset="0"/>
-              </a:rPr>
-              <a:t>luisejrobles</a:t>
-            </a:r>
-            <a:endParaRPr lang="es-MX" sz="2000" dirty="0">
-              <a:solidFill>
-                <a:schemeClr val="bg1">
-                  <a:lumMod val="95000"/>
-                </a:schemeClr>
-              </a:solidFill>
-              <a:latin typeface="Gotham Rounded Medium" panose="02000000000000000000" pitchFamily="50" charset="0"/>
-            </a:endParaRPr>
-          </a:p>
-        </p:txBody>
-      </p:sp>
-      <p:grpSp>
-        <p:nvGrpSpPr>
-          <p:cNvPr id="7" name="Grupo 6">
-            <a:extLst>
-              <a:ext uri="{FF2B5EF4-FFF2-40B4-BE49-F238E27FC236}">
-                <a16:creationId xmlns:a16="http://schemas.microsoft.com/office/drawing/2014/main" id="{71DACCC8-E3D1-4EED-A9B4-EE3808B798D7}"/>
-              </a:ext>
-            </a:extLst>
-          </p:cNvPr>
-          <p:cNvGrpSpPr/>
-          <p:nvPr/>
-        </p:nvGrpSpPr>
-        <p:grpSpPr>
-          <a:xfrm>
-            <a:off x="87258" y="85725"/>
-            <a:ext cx="6494517" cy="707886"/>
-            <a:chOff x="125358" y="333375"/>
-            <a:chExt cx="6494517" cy="707886"/>
-          </a:xfrm>
-        </p:grpSpPr>
-        <p:sp>
-          <p:nvSpPr>
-            <p:cNvPr id="5" name="CuadroTexto 4">
-              <a:extLst>
-                <a:ext uri="{FF2B5EF4-FFF2-40B4-BE49-F238E27FC236}">
-                  <a16:creationId xmlns:a16="http://schemas.microsoft.com/office/drawing/2014/main" id="{D181C0B9-09BB-470F-A39C-FC86C0263C6D}"/>
-                </a:ext>
-              </a:extLst>
-            </p:cNvPr>
-            <p:cNvSpPr txBox="1"/>
-            <p:nvPr/>
-          </p:nvSpPr>
-          <p:spPr>
-            <a:xfrm>
-              <a:off x="590550" y="333375"/>
-              <a:ext cx="6029325" cy="707886"/>
-            </a:xfrm>
-            <a:prstGeom prst="rect">
-              <a:avLst/>
-            </a:prstGeom>
-            <a:noFill/>
-          </p:spPr>
-          <p:txBody>
-            <a:bodyPr wrap="square" rtlCol="0">
-              <a:spAutoFit/>
-            </a:bodyPr>
-            <a:lstStyle/>
-            <a:p>
-              <a:r>
-                <a:rPr lang="en-US" sz="4000" dirty="0">
-                  <a:solidFill>
-                    <a:schemeClr val="bg1"/>
-                  </a:solidFill>
-                  <a:latin typeface="Gotham Rounded Bold" pitchFamily="50" charset="0"/>
-                </a:rPr>
-                <a:t>Agenda para hoy</a:t>
-              </a:r>
-              <a:endParaRPr lang="es-MX" sz="4000" dirty="0">
-                <a:solidFill>
-                  <a:schemeClr val="bg1"/>
-                </a:solidFill>
-                <a:latin typeface="Gotham Rounded Bold" pitchFamily="50" charset="0"/>
-              </a:endParaRPr>
-            </a:p>
-          </p:txBody>
-        </p:sp>
-        <p:sp>
-          <p:nvSpPr>
-            <p:cNvPr id="6" name="Rectángulo 5">
-              <a:extLst>
-                <a:ext uri="{FF2B5EF4-FFF2-40B4-BE49-F238E27FC236}">
-                  <a16:creationId xmlns:a16="http://schemas.microsoft.com/office/drawing/2014/main" id="{89C58CA8-9CB0-4848-9A45-2BF345195EC6}"/>
-                </a:ext>
-              </a:extLst>
-            </p:cNvPr>
-            <p:cNvSpPr/>
-            <p:nvPr/>
-          </p:nvSpPr>
-          <p:spPr>
-            <a:xfrm>
-              <a:off x="125358" y="487263"/>
-              <a:ext cx="465192" cy="400110"/>
-            </a:xfrm>
-            <a:prstGeom prst="rect">
-              <a:avLst/>
-            </a:prstGeom>
-          </p:spPr>
-          <p:txBody>
-            <a:bodyPr wrap="square">
-              <a:spAutoFit/>
-            </a:bodyPr>
-            <a:lstStyle/>
-            <a:p>
-              <a:r>
-                <a:rPr lang="es-MX" sz="2000" dirty="0">
-                  <a:solidFill>
-                    <a:schemeClr val="bg1">
-                      <a:lumMod val="95000"/>
-                    </a:schemeClr>
-                  </a:solidFill>
-                  <a:latin typeface="Font Awesome 5 Free Solid" panose="02000503000000000000" pitchFamily="50" charset="0"/>
-                </a:rPr>
-                <a:t></a:t>
-              </a:r>
-            </a:p>
-          </p:txBody>
-        </p:sp>
-      </p:grpSp>
-      <p:grpSp>
-        <p:nvGrpSpPr>
-          <p:cNvPr id="16" name="Grupo 15">
-            <a:extLst>
-              <a:ext uri="{FF2B5EF4-FFF2-40B4-BE49-F238E27FC236}">
-                <a16:creationId xmlns:a16="http://schemas.microsoft.com/office/drawing/2014/main" id="{59D6F782-A661-4245-AFCA-624C96EFF0B1}"/>
-              </a:ext>
-            </a:extLst>
-          </p:cNvPr>
-          <p:cNvGrpSpPr/>
-          <p:nvPr/>
-        </p:nvGrpSpPr>
-        <p:grpSpPr>
-          <a:xfrm>
-            <a:off x="1576386" y="1995965"/>
-            <a:ext cx="9039227" cy="2866070"/>
-            <a:chOff x="1314448" y="1408152"/>
-            <a:chExt cx="9039227" cy="2866070"/>
-          </a:xfrm>
-        </p:grpSpPr>
-        <p:sp>
-          <p:nvSpPr>
-            <p:cNvPr id="8" name="CuadroTexto 7">
-              <a:extLst>
-                <a:ext uri="{FF2B5EF4-FFF2-40B4-BE49-F238E27FC236}">
-                  <a16:creationId xmlns:a16="http://schemas.microsoft.com/office/drawing/2014/main" id="{09BC7338-CC84-47C8-808D-7556CE04A1EC}"/>
-                </a:ext>
-              </a:extLst>
-            </p:cNvPr>
-            <p:cNvSpPr txBox="1"/>
-            <p:nvPr/>
-          </p:nvSpPr>
-          <p:spPr>
-            <a:xfrm>
-              <a:off x="1314449" y="1962150"/>
-              <a:ext cx="9039226" cy="553998"/>
-            </a:xfrm>
-            <a:prstGeom prst="rect">
-              <a:avLst/>
-            </a:prstGeom>
-            <a:noFill/>
-          </p:spPr>
-          <p:txBody>
-            <a:bodyPr wrap="square" rtlCol="0">
-              <a:spAutoFit/>
-            </a:bodyPr>
-            <a:lstStyle/>
-            <a:p>
-              <a:r>
-                <a:rPr lang="en-US" sz="3000" dirty="0" err="1">
-                  <a:solidFill>
-                    <a:schemeClr val="bg1">
-                      <a:lumMod val="95000"/>
-                    </a:schemeClr>
-                  </a:solidFill>
-                  <a:latin typeface="Gotham Rounded Medium" panose="02000000000000000000" pitchFamily="50" charset="0"/>
-                </a:rPr>
-                <a:t>flujos</a:t>
-              </a:r>
-              <a:r>
-                <a:rPr lang="en-US" sz="3000" dirty="0">
-                  <a:solidFill>
-                    <a:schemeClr val="bg1">
-                      <a:lumMod val="95000"/>
-                    </a:schemeClr>
-                  </a:solidFill>
-                  <a:latin typeface="Gotham Rounded Medium" panose="02000000000000000000" pitchFamily="50" charset="0"/>
-                </a:rPr>
-                <a:t> de </a:t>
-              </a:r>
-              <a:r>
-                <a:rPr lang="en-US" sz="3000" dirty="0" err="1">
-                  <a:solidFill>
-                    <a:schemeClr val="bg1">
-                      <a:lumMod val="95000"/>
-                    </a:schemeClr>
-                  </a:solidFill>
-                  <a:latin typeface="Gotham Rounded Medium" panose="02000000000000000000" pitchFamily="50" charset="0"/>
-                </a:rPr>
-                <a:t>trabajo</a:t>
-              </a:r>
-              <a:r>
-                <a:rPr lang="en-US" sz="3000" dirty="0">
-                  <a:solidFill>
-                    <a:schemeClr val="bg1">
-                      <a:lumMod val="95000"/>
-                    </a:schemeClr>
-                  </a:solidFill>
-                  <a:latin typeface="Gotham Rounded Medium" panose="02000000000000000000" pitchFamily="50" charset="0"/>
-                </a:rPr>
-                <a:t> 				</a:t>
-              </a:r>
-              <a:r>
-                <a:rPr lang="en-US" sz="1500" dirty="0">
-                  <a:solidFill>
-                    <a:srgbClr val="FFAE70"/>
-                  </a:solidFill>
-                  <a:latin typeface="Gotham Rounded Medium" panose="02000000000000000000" pitchFamily="50" charset="0"/>
-                </a:rPr>
-                <a:t>(git workflows)</a:t>
-              </a:r>
-              <a:endParaRPr lang="es-MX" sz="1500" dirty="0">
-                <a:solidFill>
-                  <a:srgbClr val="FFAE70"/>
-                </a:solidFill>
-                <a:latin typeface="Gotham Rounded Medium" panose="02000000000000000000" pitchFamily="50" charset="0"/>
-              </a:endParaRPr>
-            </a:p>
-          </p:txBody>
-        </p:sp>
-        <p:sp>
-          <p:nvSpPr>
-            <p:cNvPr id="9" name="CuadroTexto 8">
-              <a:extLst>
-                <a:ext uri="{FF2B5EF4-FFF2-40B4-BE49-F238E27FC236}">
-                  <a16:creationId xmlns:a16="http://schemas.microsoft.com/office/drawing/2014/main" id="{A324CED2-67BB-487E-8E17-9F36B134C8A8}"/>
-                </a:ext>
-              </a:extLst>
-            </p:cNvPr>
-            <p:cNvSpPr txBox="1"/>
-            <p:nvPr/>
-          </p:nvSpPr>
-          <p:spPr>
-            <a:xfrm>
-              <a:off x="1314448" y="1408152"/>
-              <a:ext cx="9039227" cy="553998"/>
-            </a:xfrm>
-            <a:prstGeom prst="rect">
-              <a:avLst/>
-            </a:prstGeom>
-            <a:noFill/>
-          </p:spPr>
-          <p:txBody>
-            <a:bodyPr wrap="square" rtlCol="0">
-              <a:spAutoFit/>
-            </a:bodyPr>
-            <a:lstStyle/>
-            <a:p>
-              <a:r>
-                <a:rPr lang="en-US" sz="3000" dirty="0" err="1">
-                  <a:solidFill>
-                    <a:schemeClr val="bg1">
-                      <a:lumMod val="95000"/>
-                    </a:schemeClr>
-                  </a:solidFill>
-                  <a:latin typeface="Gotham Rounded Medium" panose="02000000000000000000" pitchFamily="50" charset="0"/>
-                </a:rPr>
-                <a:t>preppin</a:t>
-              </a:r>
-              <a:r>
-                <a:rPr lang="en-US" sz="3000" dirty="0">
-                  <a:solidFill>
-                    <a:schemeClr val="bg1">
-                      <a:lumMod val="95000"/>
-                    </a:schemeClr>
-                  </a:solidFill>
-                  <a:latin typeface="Gotham Rounded Medium" panose="02000000000000000000" pitchFamily="50" charset="0"/>
-                </a:rPr>
-                <a:t>’						</a:t>
-              </a:r>
-              <a:r>
-                <a:rPr lang="en-US" sz="1500" dirty="0">
-                  <a:solidFill>
-                    <a:srgbClr val="FFAE70"/>
-                  </a:solidFill>
-                  <a:latin typeface="Gotham Rounded Medium" panose="02000000000000000000" pitchFamily="50" charset="0"/>
-                </a:rPr>
-                <a:t>(</a:t>
-              </a:r>
-              <a:r>
-                <a:rPr lang="en-US" sz="1500" dirty="0" err="1">
-                  <a:solidFill>
-                    <a:srgbClr val="FFAE70"/>
-                  </a:solidFill>
-                  <a:latin typeface="Gotham Rounded Medium" panose="02000000000000000000" pitchFamily="50" charset="0"/>
-                </a:rPr>
-                <a:t>archivos</a:t>
-              </a:r>
-              <a:r>
-                <a:rPr lang="en-US" sz="1500" dirty="0">
-                  <a:solidFill>
-                    <a:srgbClr val="FFAE70"/>
-                  </a:solidFill>
-                  <a:latin typeface="Gotham Rounded Medium" panose="02000000000000000000" pitchFamily="50" charset="0"/>
-                </a:rPr>
-                <a:t> </a:t>
-              </a:r>
-              <a:r>
-                <a:rPr lang="en-US" sz="1500" dirty="0" err="1">
-                  <a:solidFill>
-                    <a:srgbClr val="FFAE70"/>
-                  </a:solidFill>
-                  <a:latin typeface="Gotham Rounded Medium" panose="02000000000000000000" pitchFamily="50" charset="0"/>
-                </a:rPr>
-                <a:t>iniciales</a:t>
-              </a:r>
-              <a:r>
-                <a:rPr lang="en-US" sz="1500" dirty="0">
-                  <a:solidFill>
-                    <a:srgbClr val="FFAE70"/>
-                  </a:solidFill>
-                  <a:latin typeface="Gotham Rounded Medium" panose="02000000000000000000" pitchFamily="50" charset="0"/>
-                </a:rPr>
-                <a:t>)</a:t>
-              </a:r>
-              <a:endParaRPr lang="es-MX" sz="1500" dirty="0">
-                <a:solidFill>
-                  <a:schemeClr val="bg1">
-                    <a:lumMod val="95000"/>
-                  </a:schemeClr>
-                </a:solidFill>
-                <a:latin typeface="Gotham Rounded Medium" panose="02000000000000000000" pitchFamily="50" charset="0"/>
-              </a:endParaRPr>
-            </a:p>
-          </p:txBody>
-        </p:sp>
-        <p:sp>
-          <p:nvSpPr>
-            <p:cNvPr id="10" name="CuadroTexto 9">
-              <a:extLst>
-                <a:ext uri="{FF2B5EF4-FFF2-40B4-BE49-F238E27FC236}">
-                  <a16:creationId xmlns:a16="http://schemas.microsoft.com/office/drawing/2014/main" id="{C739174C-27BB-487E-8366-C7FFABD35202}"/>
-                </a:ext>
-              </a:extLst>
-            </p:cNvPr>
-            <p:cNvSpPr txBox="1"/>
-            <p:nvPr/>
-          </p:nvSpPr>
-          <p:spPr>
-            <a:xfrm>
-              <a:off x="1314448" y="3320353"/>
-              <a:ext cx="9039227" cy="400110"/>
-            </a:xfrm>
-            <a:prstGeom prst="rect">
-              <a:avLst/>
-            </a:prstGeom>
-            <a:noFill/>
-          </p:spPr>
-          <p:txBody>
-            <a:bodyPr wrap="square" rtlCol="0">
-              <a:spAutoFit/>
-            </a:bodyPr>
-            <a:lstStyle/>
-            <a:p>
-              <a:r>
-                <a:rPr lang="en-US" sz="1500" dirty="0">
-                  <a:solidFill>
-                    <a:srgbClr val="FFAE70"/>
-                  </a:solidFill>
-                  <a:latin typeface="Gotham Rounded Medium" panose="02000000000000000000" pitchFamily="50" charset="0"/>
-                </a:rPr>
-                <a:t>	</a:t>
-              </a:r>
-              <a:r>
-                <a:rPr lang="en-US" sz="2000" dirty="0" err="1">
-                  <a:solidFill>
-                    <a:schemeClr val="bg1">
-                      <a:lumMod val="95000"/>
-                    </a:schemeClr>
-                  </a:solidFill>
-                  <a:latin typeface="Gotham Rounded Medium" panose="02000000000000000000" pitchFamily="50" charset="0"/>
-                </a:rPr>
-                <a:t>forkflow</a:t>
-              </a:r>
-              <a:r>
-                <a:rPr lang="en-US" sz="2000" dirty="0">
-                  <a:solidFill>
-                    <a:schemeClr val="bg1">
-                      <a:lumMod val="95000"/>
-                    </a:schemeClr>
-                  </a:solidFill>
-                  <a:latin typeface="Gotham Rounded Medium" panose="02000000000000000000" pitchFamily="50" charset="0"/>
-                </a:rPr>
-                <a:t>			</a:t>
-              </a:r>
-              <a:endParaRPr lang="es-MX" sz="1500" dirty="0">
-                <a:solidFill>
-                  <a:srgbClr val="FFAE70"/>
-                </a:solidFill>
-                <a:latin typeface="Gotham Rounded Medium" panose="02000000000000000000" pitchFamily="50" charset="0"/>
-              </a:endParaRPr>
-            </a:p>
-          </p:txBody>
-        </p:sp>
-        <p:sp>
-          <p:nvSpPr>
-            <p:cNvPr id="11" name="CuadroTexto 10">
-              <a:extLst>
-                <a:ext uri="{FF2B5EF4-FFF2-40B4-BE49-F238E27FC236}">
-                  <a16:creationId xmlns:a16="http://schemas.microsoft.com/office/drawing/2014/main" id="{C7EAF79C-EC9F-491E-8481-C79018E385EB}"/>
-                </a:ext>
-              </a:extLst>
-            </p:cNvPr>
-            <p:cNvSpPr txBox="1"/>
-            <p:nvPr/>
-          </p:nvSpPr>
-          <p:spPr>
-            <a:xfrm>
-              <a:off x="1314448" y="2520611"/>
-              <a:ext cx="9039226" cy="400110"/>
-            </a:xfrm>
-            <a:prstGeom prst="rect">
-              <a:avLst/>
-            </a:prstGeom>
-            <a:noFill/>
-          </p:spPr>
-          <p:txBody>
-            <a:bodyPr wrap="square" rtlCol="0">
-              <a:spAutoFit/>
-            </a:bodyPr>
-            <a:lstStyle/>
-            <a:p>
-              <a:r>
-                <a:rPr lang="en-US" sz="1500" dirty="0">
-                  <a:solidFill>
-                    <a:srgbClr val="FFAE70"/>
-                  </a:solidFill>
-                  <a:latin typeface="Gotham Rounded Medium" panose="02000000000000000000" pitchFamily="50" charset="0"/>
-                </a:rPr>
-                <a:t>	</a:t>
-              </a:r>
-              <a:r>
-                <a:rPr lang="en-US" sz="2000" dirty="0" err="1">
-                  <a:solidFill>
-                    <a:schemeClr val="bg1">
-                      <a:lumMod val="95000"/>
-                    </a:schemeClr>
-                  </a:solidFill>
-                  <a:latin typeface="Gotham Rounded Medium" panose="02000000000000000000" pitchFamily="50" charset="0"/>
-                </a:rPr>
-                <a:t>rama</a:t>
-              </a:r>
-              <a:r>
-                <a:rPr lang="en-US" sz="2000" dirty="0">
-                  <a:solidFill>
-                    <a:schemeClr val="bg1">
-                      <a:lumMod val="95000"/>
-                    </a:schemeClr>
-                  </a:solidFill>
-                  <a:latin typeface="Gotham Rounded Medium" panose="02000000000000000000" pitchFamily="50" charset="0"/>
-                </a:rPr>
-                <a:t> por </a:t>
-              </a:r>
-              <a:r>
-                <a:rPr lang="en-US" sz="2000" dirty="0" err="1">
-                  <a:solidFill>
-                    <a:schemeClr val="bg1">
-                      <a:lumMod val="95000"/>
-                    </a:schemeClr>
-                  </a:solidFill>
-                  <a:latin typeface="Gotham Rounded Medium" panose="02000000000000000000" pitchFamily="50" charset="0"/>
-                </a:rPr>
-                <a:t>característica</a:t>
-              </a:r>
-              <a:r>
-                <a:rPr lang="en-US" sz="2000" dirty="0">
-                  <a:solidFill>
-                    <a:schemeClr val="bg1">
-                      <a:lumMod val="95000"/>
-                    </a:schemeClr>
-                  </a:solidFill>
-                  <a:latin typeface="Gotham Rounded Medium" panose="02000000000000000000" pitchFamily="50" charset="0"/>
-                </a:rPr>
-                <a:t>			</a:t>
-              </a:r>
-              <a:r>
-                <a:rPr lang="en-US" sz="1500" dirty="0">
-                  <a:solidFill>
-                    <a:srgbClr val="FFAE70"/>
-                  </a:solidFill>
-                  <a:latin typeface="Gotham Rounded Medium" panose="02000000000000000000" pitchFamily="50" charset="0"/>
-                </a:rPr>
-                <a:t>(feature branch)</a:t>
-              </a:r>
-              <a:endParaRPr lang="es-MX" sz="3000" dirty="0">
-                <a:solidFill>
-                  <a:schemeClr val="bg1">
-                    <a:lumMod val="95000"/>
-                  </a:schemeClr>
-                </a:solidFill>
-                <a:latin typeface="Gotham Rounded Medium" panose="02000000000000000000" pitchFamily="50" charset="0"/>
-              </a:endParaRPr>
-            </a:p>
-          </p:txBody>
-        </p:sp>
-        <p:sp>
-          <p:nvSpPr>
-            <p:cNvPr id="12" name="CuadroTexto 11">
-              <a:extLst>
-                <a:ext uri="{FF2B5EF4-FFF2-40B4-BE49-F238E27FC236}">
-                  <a16:creationId xmlns:a16="http://schemas.microsoft.com/office/drawing/2014/main" id="{456EDA97-47D9-4C9B-B66A-FDE0839A03CB}"/>
-                </a:ext>
-              </a:extLst>
-            </p:cNvPr>
-            <p:cNvSpPr txBox="1"/>
-            <p:nvPr/>
-          </p:nvSpPr>
-          <p:spPr>
-            <a:xfrm>
-              <a:off x="1314448" y="2920482"/>
-              <a:ext cx="9039227" cy="400110"/>
-            </a:xfrm>
-            <a:prstGeom prst="rect">
-              <a:avLst/>
-            </a:prstGeom>
-            <a:noFill/>
-          </p:spPr>
-          <p:txBody>
-            <a:bodyPr wrap="square" rtlCol="0">
-              <a:spAutoFit/>
-            </a:bodyPr>
-            <a:lstStyle/>
-            <a:p>
-              <a:r>
-                <a:rPr lang="en-US" sz="1500" dirty="0">
-                  <a:solidFill>
-                    <a:srgbClr val="FFAE70"/>
-                  </a:solidFill>
-                  <a:latin typeface="Gotham Rounded Medium" panose="02000000000000000000" pitchFamily="50" charset="0"/>
-                </a:rPr>
-                <a:t>	</a:t>
-              </a:r>
-              <a:r>
-                <a:rPr lang="en-US" sz="2000" dirty="0" err="1">
-                  <a:solidFill>
-                    <a:schemeClr val="bg1">
-                      <a:lumMod val="95000"/>
-                    </a:schemeClr>
-                  </a:solidFill>
-                  <a:latin typeface="Gotham Rounded Medium" panose="02000000000000000000" pitchFamily="50" charset="0"/>
-                </a:rPr>
-                <a:t>gitflow</a:t>
-              </a:r>
-              <a:endParaRPr lang="es-MX" sz="3000" dirty="0">
-                <a:solidFill>
-                  <a:schemeClr val="bg1">
-                    <a:lumMod val="95000"/>
-                  </a:schemeClr>
-                </a:solidFill>
-                <a:latin typeface="Gotham Rounded Medium" panose="02000000000000000000" pitchFamily="50" charset="0"/>
-              </a:endParaRPr>
-            </a:p>
-          </p:txBody>
-        </p:sp>
-        <p:sp>
-          <p:nvSpPr>
-            <p:cNvPr id="13" name="CuadroTexto 12">
-              <a:extLst>
-                <a:ext uri="{FF2B5EF4-FFF2-40B4-BE49-F238E27FC236}">
-                  <a16:creationId xmlns:a16="http://schemas.microsoft.com/office/drawing/2014/main" id="{C1AE5438-04FD-48D5-9F84-160A324C1F40}"/>
-                </a:ext>
-              </a:extLst>
-            </p:cNvPr>
-            <p:cNvSpPr txBox="1"/>
-            <p:nvPr/>
-          </p:nvSpPr>
-          <p:spPr>
-            <a:xfrm>
-              <a:off x="1314448" y="3720224"/>
-              <a:ext cx="9039226" cy="553998"/>
-            </a:xfrm>
-            <a:prstGeom prst="rect">
-              <a:avLst/>
-            </a:prstGeom>
-            <a:noFill/>
-          </p:spPr>
-          <p:txBody>
-            <a:bodyPr wrap="square" rtlCol="0">
-              <a:spAutoFit/>
-            </a:bodyPr>
-            <a:lstStyle/>
-            <a:p>
-              <a:r>
-                <a:rPr lang="en-US" sz="3000" dirty="0" err="1">
-                  <a:solidFill>
-                    <a:schemeClr val="bg1">
-                      <a:lumMod val="95000"/>
-                    </a:schemeClr>
-                  </a:solidFill>
-                  <a:latin typeface="Gotham Rounded Medium" panose="02000000000000000000" pitchFamily="50" charset="0"/>
-                </a:rPr>
-                <a:t>buenas</a:t>
-              </a:r>
-              <a:r>
-                <a:rPr lang="en-US" sz="3000" dirty="0">
-                  <a:solidFill>
-                    <a:schemeClr val="bg1">
-                      <a:lumMod val="95000"/>
-                    </a:schemeClr>
-                  </a:solidFill>
-                  <a:latin typeface="Gotham Rounded Medium" panose="02000000000000000000" pitchFamily="50" charset="0"/>
-                </a:rPr>
-                <a:t> </a:t>
-              </a:r>
-              <a:r>
-                <a:rPr lang="en-US" sz="3000" dirty="0" err="1">
-                  <a:solidFill>
-                    <a:schemeClr val="bg1">
-                      <a:lumMod val="95000"/>
-                    </a:schemeClr>
-                  </a:solidFill>
-                  <a:latin typeface="Gotham Rounded Medium" panose="02000000000000000000" pitchFamily="50" charset="0"/>
-                </a:rPr>
-                <a:t>prácticas</a:t>
-              </a:r>
-              <a:r>
-                <a:rPr lang="en-US" sz="3000" dirty="0">
-                  <a:solidFill>
-                    <a:schemeClr val="bg1">
-                      <a:lumMod val="95000"/>
-                    </a:schemeClr>
-                  </a:solidFill>
-                  <a:latin typeface="Gotham Rounded Medium" panose="02000000000000000000" pitchFamily="50" charset="0"/>
-                </a:rPr>
-                <a:t>				</a:t>
-              </a:r>
-              <a:endParaRPr lang="es-MX" sz="1500" dirty="0">
-                <a:solidFill>
-                  <a:srgbClr val="FFAE70"/>
-                </a:solidFill>
-                <a:latin typeface="Gotham Rounded Medium" panose="02000000000000000000" pitchFamily="50" charset="0"/>
-              </a:endParaRPr>
-            </a:p>
-          </p:txBody>
-        </p:sp>
-      </p:grpSp>
-    </p:spTree>
-    <p:extLst>
-      <p:ext uri="{BB962C8B-B14F-4D97-AF65-F5344CB8AC3E}">
-        <p14:creationId xmlns:p14="http://schemas.microsoft.com/office/powerpoint/2010/main" val="2850625631"/>
-      </p:ext>
-    </p:extLst>
-  </p:cSld>
-  <p:clrMapOvr>
-    <a:masterClrMapping/>
-  </p:clrMapOvr>
-</p:sld>
-</file>
-
-<file path=ppt/slides/slide30.xml><?xml version="1.0" encoding="utf-8"?>
+<file path=ppt/slides/slide34.xml><?xml version="1.0" encoding="utf-8"?>
 <p:sld xmlns:a="http://schemas.openxmlformats.org/drawingml/2006/main" xmlns:r="http://schemas.openxmlformats.org/officeDocument/2006/relationships" xmlns:p="http://schemas.openxmlformats.org/presentationml/2006/main">
   <p:cSld>
     <p:spTree>
@@ -25292,7 +29355,7 @@
 </p:sld>
 </file>
 
-<file path=ppt/slides/slide31.xml><?xml version="1.0" encoding="utf-8"?>
+<file path=ppt/slides/slide35.xml><?xml version="1.0" encoding="utf-8"?>
 <p:sld xmlns:a="http://schemas.openxmlformats.org/drawingml/2006/main" xmlns:r="http://schemas.openxmlformats.org/officeDocument/2006/relationships" xmlns:p="http://schemas.openxmlformats.org/presentationml/2006/main">
   <p:cSld>
     <p:spTree>
@@ -25588,7 +29651,7 @@
 </p:sld>
 </file>
 
-<file path=ppt/slides/slide32.xml><?xml version="1.0" encoding="utf-8"?>
+<file path=ppt/slides/slide36.xml><?xml version="1.0" encoding="utf-8"?>
 <p:sld xmlns:a="http://schemas.openxmlformats.org/drawingml/2006/main" xmlns:r="http://schemas.openxmlformats.org/officeDocument/2006/relationships" xmlns:p="http://schemas.openxmlformats.org/presentationml/2006/main">
   <p:cSld>
     <p:spTree>
@@ -25898,7 +29961,7 @@
 </p:sld>
 </file>
 
-<file path=ppt/slides/slide33.xml><?xml version="1.0" encoding="utf-8"?>
+<file path=ppt/slides/slide37.xml><?xml version="1.0" encoding="utf-8"?>
 <p:sld xmlns:a="http://schemas.openxmlformats.org/drawingml/2006/main" xmlns:r="http://schemas.openxmlformats.org/officeDocument/2006/relationships" xmlns:p="http://schemas.openxmlformats.org/presentationml/2006/main">
   <p:cSld>
     <p:spTree>
@@ -26494,22 +30557,13 @@
           <a:lstStyle/>
           <a:p>
             <a:r>
-              <a:rPr lang="en-US" sz="4000" dirty="0" err="1">
-                <a:solidFill>
-                  <a:schemeClr val="bg1"/>
-                </a:solidFill>
-                <a:latin typeface="Gotham Rounded Bold" pitchFamily="50" charset="0"/>
-              </a:rPr>
-              <a:t>Preppin</a:t>
-            </a:r>
-            <a:r>
               <a:rPr lang="en-US" sz="4000" dirty="0">
                 <a:solidFill>
                   <a:schemeClr val="bg1"/>
                 </a:solidFill>
                 <a:latin typeface="Gotham Rounded Bold" pitchFamily="50" charset="0"/>
               </a:rPr>
-              <a:t>’</a:t>
+              <a:t>Setting up</a:t>
             </a:r>
             <a:endParaRPr lang="es-MX" sz="4000" dirty="0">
               <a:solidFill>
@@ -27551,7 +31605,7 @@
                   </a:solidFill>
                   <a:latin typeface="Gotham Rounded Bold" pitchFamily="50" charset="0"/>
                 </a:rPr>
-                <a:t>RAMA POR CARACTERISTICA</a:t>
+                <a:t>RAMA POR CARACTERÍSTICA</a:t>
               </a:r>
               <a:endParaRPr lang="es-MX" sz="6000" dirty="0">
                 <a:solidFill>
@@ -27973,7 +32027,9 @@
               <a:r>
                 <a:rPr lang="en-US" sz="1500" b="1" dirty="0">
                   <a:solidFill>
-                    <a:srgbClr val="FFB470"/>
+                    <a:schemeClr val="bg1">
+                      <a:lumMod val="95000"/>
+                    </a:schemeClr>
                   </a:solidFill>
                   <a:latin typeface="Gotham Rounded Book" pitchFamily="50" charset="0"/>
                 </a:rPr>
@@ -27982,14 +32038,18 @@
               <a:r>
                 <a:rPr lang="en-US" b="1" dirty="0">
                   <a:solidFill>
-                    <a:srgbClr val="FFB470"/>
+                    <a:schemeClr val="bg1">
+                      <a:lumMod val="95000"/>
+                    </a:schemeClr>
                   </a:solidFill>
                 </a:rPr>
                 <a:t> </a:t>
               </a:r>
               <a:endParaRPr lang="es-MX" b="1" dirty="0">
                 <a:solidFill>
-                  <a:srgbClr val="FFB470"/>
+                  <a:schemeClr val="bg1">
+                    <a:lumMod val="95000"/>
+                  </a:schemeClr>
                 </a:solidFill>
               </a:endParaRPr>
             </a:p>
